--- a/Architecture - RootConf.pptx
+++ b/Architecture - RootConf.pptx
@@ -9,14 +9,14 @@
   </p:notesMasterIdLst>
   <p:sldIdLst>
     <p:sldId id="256" r:id="rId2"/>
-    <p:sldId id="260" r:id="rId3"/>
-    <p:sldId id="259" r:id="rId4"/>
-    <p:sldId id="270" r:id="rId5"/>
-    <p:sldId id="258" r:id="rId6"/>
+    <p:sldId id="271" r:id="rId3"/>
+    <p:sldId id="260" r:id="rId4"/>
+    <p:sldId id="259" r:id="rId5"/>
+    <p:sldId id="270" r:id="rId6"/>
     <p:sldId id="257" r:id="rId7"/>
-    <p:sldId id="263" r:id="rId8"/>
-    <p:sldId id="266" r:id="rId9"/>
-    <p:sldId id="269" r:id="rId10"/>
+    <p:sldId id="272" r:id="rId8"/>
+    <p:sldId id="258" r:id="rId9"/>
+    <p:sldId id="263" r:id="rId10"/>
     <p:sldId id="267" r:id="rId11"/>
     <p:sldId id="261" r:id="rId12"/>
     <p:sldId id="264" r:id="rId13"/>
@@ -208,7 +208,7 @@
           <a:p>
             <a:fld id="{A96C088E-2B03-4C78-ACE7-E164F487B944}" type="datetimeFigureOut">
               <a:rPr lang="en-US" smtClean="0"/>
-              <a:t>2/6/2017</a:t>
+              <a:t>2/15/2017</a:t>
             </a:fld>
             <a:endParaRPr lang="en-US"/>
           </a:p>
@@ -520,6 +520,43 @@
           <a:bodyPr/>
           <a:lstStyle/>
           <a:p>
+            <a:r>
+              <a:rPr lang="en-US" dirty="0" smtClean="0"/>
+              <a:t>Precise the 3</a:t>
+            </a:r>
+            <a:r>
+              <a:rPr lang="en-US" baseline="30000" dirty="0" smtClean="0"/>
+              <a:t>rd</a:t>
+            </a:r>
+            <a:r>
+              <a:rPr lang="en-US" dirty="0" smtClean="0"/>
+              <a:t> bullet</a:t>
+            </a:r>
+          </a:p>
+          <a:p>
+            <a:r>
+              <a:rPr lang="en-US" dirty="0" smtClean="0"/>
+              <a:t>In our case we have data from millions of customers that needs to be processed</a:t>
+            </a:r>
+            <a:r>
+              <a:rPr lang="en-US" baseline="0" dirty="0" smtClean="0"/>
+              <a:t> as batch job across </a:t>
+            </a:r>
+            <a:r>
+              <a:rPr lang="en-US" dirty="0" smtClean="0"/>
+              <a:t>several dozen compute</a:t>
+            </a:r>
+            <a:r>
+              <a:rPr lang="en-US" baseline="0" dirty="0" smtClean="0"/>
+              <a:t> clusters</a:t>
+            </a:r>
+            <a:endParaRPr lang="en-US" dirty="0" smtClean="0"/>
+          </a:p>
+          <a:p>
+            <a:r>
+              <a:rPr lang="en-US" dirty="0" smtClean="0"/>
+              <a:t>We need to process millions of data for millions of customers spread across compute nodes</a:t>
+            </a:r>
             <a:endParaRPr lang="en-US" dirty="0"/>
           </a:p>
         </p:txBody>
@@ -550,7 +587,133 @@
     </p:spTree>
     <p:extLst>
       <p:ext uri="{BB962C8B-B14F-4D97-AF65-F5344CB8AC3E}">
-        <p14:creationId xmlns:p14="http://schemas.microsoft.com/office/powerpoint/2010/main" val="2861574462"/>
+        <p14:creationId xmlns:p14="http://schemas.microsoft.com/office/powerpoint/2010/main" val="331869727"/>
+      </p:ext>
+    </p:extLst>
+  </p:cSld>
+  <p:clrMapOvr>
+    <a:masterClrMapping/>
+  </p:clrMapOvr>
+</p:notes>
+</file>
+
+<file path=ppt/notesSlides/notesSlide10.xml><?xml version="1.0" encoding="utf-8"?>
+<p:notes xmlns:a="http://schemas.openxmlformats.org/drawingml/2006/main" xmlns:r="http://schemas.openxmlformats.org/officeDocument/2006/relationships" xmlns:p="http://schemas.openxmlformats.org/presentationml/2006/main">
+  <p:cSld>
+    <p:spTree>
+      <p:nvGrpSpPr>
+        <p:cNvPr id="1" name=""/>
+        <p:cNvGrpSpPr/>
+        <p:nvPr/>
+      </p:nvGrpSpPr>
+      <p:grpSpPr>
+        <a:xfrm>
+          <a:off x="0" y="0"/>
+          <a:ext cx="0" cy="0"/>
+          <a:chOff x="0" y="0"/>
+          <a:chExt cx="0" cy="0"/>
+        </a:xfrm>
+      </p:grpSpPr>
+      <p:sp>
+        <p:nvSpPr>
+          <p:cNvPr id="2" name="Slide Image Placeholder 1"/>
+          <p:cNvSpPr>
+            <a:spLocks noGrp="1" noRot="1" noChangeAspect="1"/>
+          </p:cNvSpPr>
+          <p:nvPr>
+            <p:ph type="sldImg"/>
+          </p:nvPr>
+        </p:nvSpPr>
+        <p:spPr/>
+      </p:sp>
+      <p:sp>
+        <p:nvSpPr>
+          <p:cNvPr id="3" name="Notes Placeholder 2"/>
+          <p:cNvSpPr>
+            <a:spLocks noGrp="1"/>
+          </p:cNvSpPr>
+          <p:nvPr>
+            <p:ph type="body" idx="1"/>
+          </p:nvPr>
+        </p:nvSpPr>
+        <p:spPr/>
+        <p:txBody>
+          <a:bodyPr/>
+          <a:lstStyle/>
+          <a:p>
+            <a:r>
+              <a:rPr lang="en-US" sz="1200" b="1" i="0" kern="1200" dirty="0" smtClean="0">
+                <a:solidFill>
+                  <a:schemeClr val="tx1"/>
+                </a:solidFill>
+                <a:effectLst/>
+                <a:latin typeface="+mn-lt"/>
+                <a:ea typeface="+mn-ea"/>
+                <a:cs typeface="+mn-cs"/>
+              </a:rPr>
+              <a:t>Amazon SWF has two key features that make it easy to scale a workflow application to handle the current load</a:t>
+            </a:r>
+          </a:p>
+          <a:p>
+            <a:r>
+              <a:rPr lang="en-US" sz="1200" b="0" i="0" kern="1200" dirty="0" smtClean="0">
+                <a:solidFill>
+                  <a:schemeClr val="tx1"/>
+                </a:solidFill>
+                <a:effectLst/>
+                <a:latin typeface="+mn-lt"/>
+                <a:ea typeface="+mn-ea"/>
+                <a:cs typeface="+mn-cs"/>
+              </a:rPr>
+              <a:t>1. A complete workflow execution history, which allows you to implement a stateless application.</a:t>
+            </a:r>
+          </a:p>
+          <a:p>
+            <a:r>
+              <a:rPr lang="en-US" sz="1200" b="0" i="0" kern="1200" dirty="0" smtClean="0">
+                <a:solidFill>
+                  <a:schemeClr val="tx1"/>
+                </a:solidFill>
+                <a:effectLst/>
+                <a:latin typeface="+mn-lt"/>
+                <a:ea typeface="+mn-ea"/>
+                <a:cs typeface="+mn-cs"/>
+              </a:rPr>
+              <a:t>2. Task scheduling that is loosely coupled to task execution, which makes it easy to scale your application to meet current demands.</a:t>
+            </a:r>
+          </a:p>
+          <a:p>
+            <a:endParaRPr lang="en-US" dirty="0"/>
+          </a:p>
+        </p:txBody>
+      </p:sp>
+      <p:sp>
+        <p:nvSpPr>
+          <p:cNvPr id="4" name="Slide Number Placeholder 3"/>
+          <p:cNvSpPr>
+            <a:spLocks noGrp="1"/>
+          </p:cNvSpPr>
+          <p:nvPr>
+            <p:ph type="sldNum" sz="quarter" idx="10"/>
+          </p:nvPr>
+        </p:nvSpPr>
+        <p:spPr/>
+        <p:txBody>
+          <a:bodyPr/>
+          <a:lstStyle/>
+          <a:p>
+            <a:fld id="{46F99CC0-6130-4223-99DE-E271468B5D8E}" type="slidenum">
+              <a:rPr lang="en-US" smtClean="0"/>
+              <a:t>12</a:t>
+            </a:fld>
+            <a:endParaRPr lang="en-US"/>
+          </a:p>
+        </p:txBody>
+      </p:sp>
+    </p:spTree>
+    <p:extLst>
+      <p:ext uri="{BB962C8B-B14F-4D97-AF65-F5344CB8AC3E}">
+        <p14:creationId xmlns:p14="http://schemas.microsoft.com/office/powerpoint/2010/main" val="565408130"/>
       </p:ext>
     </p:extLst>
   </p:cSld>
@@ -604,6 +767,55 @@
           <a:bodyPr/>
           <a:lstStyle/>
           <a:p>
+            <a:pPr marL="228600" indent="-228600">
+              <a:buAutoNum type="arabicPeriod"/>
+            </a:pPr>
+            <a:r>
+              <a:rPr lang="en-US" baseline="0" dirty="0" smtClean="0"/>
+              <a:t>Create a Network topology</a:t>
+            </a:r>
+          </a:p>
+          <a:p>
+            <a:pPr marL="228600" indent="-228600">
+              <a:buAutoNum type="arabicPeriod"/>
+            </a:pPr>
+            <a:endParaRPr lang="en-US" baseline="0" dirty="0" smtClean="0"/>
+          </a:p>
+          <a:p>
+            <a:pPr marL="228600" indent="-228600">
+              <a:buAutoNum type="arabicPeriod"/>
+            </a:pPr>
+            <a:r>
+              <a:rPr lang="en-US" baseline="0" dirty="0" smtClean="0"/>
+              <a:t>We have 50 clusters and talk about cluster topology. Talk about Admin host and </a:t>
+            </a:r>
+            <a:r>
+              <a:rPr lang="en-US" baseline="0" dirty="0" err="1" smtClean="0"/>
+              <a:t>Cron</a:t>
+            </a:r>
+            <a:r>
+              <a:rPr lang="en-US" baseline="0" dirty="0" smtClean="0"/>
+              <a:t> Host</a:t>
+            </a:r>
+            <a:r>
+              <a:rPr lang="en-US" baseline="0" dirty="0" smtClean="0"/>
+              <a:t>.</a:t>
+            </a:r>
+          </a:p>
+          <a:p>
+            <a:pPr marL="228600" indent="-228600">
+              <a:buAutoNum type="arabicPeriod"/>
+            </a:pPr>
+            <a:endParaRPr lang="en-US" baseline="0" dirty="0" smtClean="0"/>
+          </a:p>
+          <a:p>
+            <a:pPr marL="228600" indent="-228600">
+              <a:buAutoNum type="arabicPeriod"/>
+            </a:pPr>
+            <a:r>
+              <a:rPr lang="en-US" baseline="0" dirty="0" smtClean="0"/>
+              <a:t>Increase font size</a:t>
+            </a:r>
             <a:endParaRPr lang="en-US" dirty="0"/>
           </a:p>
         </p:txBody>
@@ -625,7 +837,7 @@
           <a:p>
             <a:fld id="{46F99CC0-6130-4223-99DE-E271468B5D8E}" type="slidenum">
               <a:rPr lang="en-US" smtClean="0"/>
-              <a:t>5</a:t>
+              <a:t>4</a:t>
             </a:fld>
             <a:endParaRPr lang="en-US"/>
           </a:p>
@@ -634,7 +846,7 @@
     </p:spTree>
     <p:extLst>
       <p:ext uri="{BB962C8B-B14F-4D97-AF65-F5344CB8AC3E}">
-        <p14:creationId xmlns:p14="http://schemas.microsoft.com/office/powerpoint/2010/main" val="3430119291"/>
+        <p14:creationId xmlns:p14="http://schemas.microsoft.com/office/powerpoint/2010/main" val="2861574462"/>
       </p:ext>
     </p:extLst>
   </p:cSld>
@@ -688,6 +900,53 @@
           <a:bodyPr/>
           <a:lstStyle/>
           <a:p>
+            <a:pPr marL="228600" indent="-228600">
+              <a:buAutoNum type="arabicPeriod"/>
+            </a:pPr>
+            <a:r>
+              <a:rPr lang="en-US" dirty="0" smtClean="0"/>
+              <a:t>One machine dedicated as Admin Host. (SPF)</a:t>
+            </a:r>
+          </a:p>
+          <a:p>
+            <a:pPr marL="228600" indent="-228600">
+              <a:buAutoNum type="arabicPeriod"/>
+            </a:pPr>
+            <a:r>
+              <a:rPr lang="en-US" dirty="0" smtClean="0"/>
+              <a:t>Add</a:t>
+            </a:r>
+            <a:r>
+              <a:rPr lang="en-US" baseline="0" dirty="0" smtClean="0"/>
+              <a:t> precise details on Reliability / Scalability</a:t>
+            </a:r>
+          </a:p>
+          <a:p>
+            <a:pPr marL="228600" indent="-228600">
+              <a:buAutoNum type="arabicPeriod"/>
+            </a:pPr>
+            <a:r>
+              <a:rPr lang="en-US" baseline="0" dirty="0" smtClean="0"/>
+              <a:t>Not an efficient solution. This can lead to uneven distribution of </a:t>
+            </a:r>
+            <a:r>
+              <a:rPr lang="en-US" baseline="0" dirty="0" err="1" smtClean="0"/>
+              <a:t>Cron</a:t>
+            </a:r>
+            <a:r>
+              <a:rPr lang="en-US" baseline="0" dirty="0" smtClean="0"/>
+              <a:t> machines</a:t>
+            </a:r>
+            <a:endParaRPr lang="en-US" dirty="0" smtClean="0"/>
+          </a:p>
+          <a:p>
+            <a:pPr marL="228600" indent="-228600">
+              <a:buAutoNum type="arabicPeriod"/>
+            </a:pPr>
+            <a:r>
+              <a:rPr lang="en-US" dirty="0" smtClean="0"/>
+              <a:t>Add a blog in Linked in</a:t>
+            </a:r>
             <a:endParaRPr lang="en-US" dirty="0"/>
           </a:p>
         </p:txBody>
@@ -709,7 +968,7 @@
           <a:p>
             <a:fld id="{46F99CC0-6130-4223-99DE-E271468B5D8E}" type="slidenum">
               <a:rPr lang="en-US" smtClean="0"/>
-              <a:t>6</a:t>
+              <a:t>5</a:t>
             </a:fld>
             <a:endParaRPr lang="en-US"/>
           </a:p>
@@ -718,7 +977,7 @@
     </p:spTree>
     <p:extLst>
       <p:ext uri="{BB962C8B-B14F-4D97-AF65-F5344CB8AC3E}">
-        <p14:creationId xmlns:p14="http://schemas.microsoft.com/office/powerpoint/2010/main" val="2296188261"/>
+        <p14:creationId xmlns:p14="http://schemas.microsoft.com/office/powerpoint/2010/main" val="3917050438"/>
       </p:ext>
     </p:extLst>
   </p:cSld>
@@ -772,6 +1031,14 @@
           <a:bodyPr/>
           <a:lstStyle/>
           <a:p>
+            <a:r>
+              <a:rPr lang="en-US" dirty="0" smtClean="0"/>
+              <a:t>1.</a:t>
+            </a:r>
+            <a:r>
+              <a:rPr lang="en-US" baseline="0" dirty="0" smtClean="0"/>
+              <a:t> Introduce SWF in the context of the problem</a:t>
+            </a:r>
             <a:endParaRPr lang="en-US" dirty="0"/>
           </a:p>
         </p:txBody>
@@ -793,7 +1060,7 @@
           <a:p>
             <a:fld id="{46F99CC0-6130-4223-99DE-E271468B5D8E}" type="slidenum">
               <a:rPr lang="en-US" smtClean="0"/>
-              <a:t>7</a:t>
+              <a:t>6</a:t>
             </a:fld>
             <a:endParaRPr lang="en-US"/>
           </a:p>
@@ -802,7 +1069,7 @@
     </p:spTree>
     <p:extLst>
       <p:ext uri="{BB962C8B-B14F-4D97-AF65-F5344CB8AC3E}">
-        <p14:creationId xmlns:p14="http://schemas.microsoft.com/office/powerpoint/2010/main" val="2524587832"/>
+        <p14:creationId xmlns:p14="http://schemas.microsoft.com/office/powerpoint/2010/main" val="2296188261"/>
       </p:ext>
     </p:extLst>
   </p:cSld>
@@ -856,6 +1123,36 @@
           <a:bodyPr/>
           <a:lstStyle/>
           <a:p>
+            <a:pPr marL="228600" indent="-228600">
+              <a:buAutoNum type="arabicPeriod"/>
+            </a:pPr>
+            <a:r>
+              <a:rPr lang="en-US" dirty="0" smtClean="0"/>
+              <a:t>Add </a:t>
+            </a:r>
+            <a:r>
+              <a:rPr lang="en-US" dirty="0" smtClean="0"/>
+              <a:t>one slide as what is SWF </a:t>
+            </a:r>
+            <a:r>
+              <a:rPr lang="en-US" dirty="0" smtClean="0"/>
+              <a:t>?</a:t>
+            </a:r>
+          </a:p>
+          <a:p>
+            <a:pPr marL="228600" indent="-228600">
+              <a:buAutoNum type="arabicPeriod"/>
+            </a:pPr>
+            <a:endParaRPr lang="en-US" dirty="0" smtClean="0"/>
+          </a:p>
+          <a:p>
+            <a:pPr marL="228600" indent="-228600">
+              <a:buAutoNum type="arabicPeriod"/>
+            </a:pPr>
+            <a:r>
+              <a:rPr lang="en-US" dirty="0" smtClean="0"/>
+              <a:t>Remove Firewall and add trusted boundary</a:t>
+            </a:r>
             <a:endParaRPr lang="en-US" dirty="0"/>
           </a:p>
         </p:txBody>
@@ -877,7 +1174,7 @@
           <a:p>
             <a:fld id="{46F99CC0-6130-4223-99DE-E271468B5D8E}" type="slidenum">
               <a:rPr lang="en-US" smtClean="0"/>
-              <a:t>8</a:t>
+              <a:t>7</a:t>
             </a:fld>
             <a:endParaRPr lang="en-US"/>
           </a:p>
@@ -886,7 +1183,7 @@
     </p:spTree>
     <p:extLst>
       <p:ext uri="{BB962C8B-B14F-4D97-AF65-F5344CB8AC3E}">
-        <p14:creationId xmlns:p14="http://schemas.microsoft.com/office/powerpoint/2010/main" val="3849303611"/>
+        <p14:creationId xmlns:p14="http://schemas.microsoft.com/office/powerpoint/2010/main" val="1351181336"/>
       </p:ext>
     </p:extLst>
   </p:cSld>
@@ -961,7 +1258,7 @@
           <a:p>
             <a:fld id="{46F99CC0-6130-4223-99DE-E271468B5D8E}" type="slidenum">
               <a:rPr lang="en-US" smtClean="0"/>
-              <a:t>9</a:t>
+              <a:t>8</a:t>
             </a:fld>
             <a:endParaRPr lang="en-US"/>
           </a:p>
@@ -970,7 +1267,7 @@
     </p:spTree>
     <p:extLst>
       <p:ext uri="{BB962C8B-B14F-4D97-AF65-F5344CB8AC3E}">
-        <p14:creationId xmlns:p14="http://schemas.microsoft.com/office/powerpoint/2010/main" val="623729202"/>
+        <p14:creationId xmlns:p14="http://schemas.microsoft.com/office/powerpoint/2010/main" val="3430119291"/>
       </p:ext>
     </p:extLst>
   </p:cSld>
@@ -1024,126 +1321,6 @@
           <a:bodyPr/>
           <a:lstStyle/>
           <a:p>
-            <a:r>
-              <a:rPr lang="en-US" sz="1200" b="1" i="0" kern="1200" dirty="0" smtClean="0">
-                <a:solidFill>
-                  <a:schemeClr val="tx1"/>
-                </a:solidFill>
-                <a:effectLst/>
-                <a:latin typeface="+mn-lt"/>
-                <a:ea typeface="+mn-ea"/>
-                <a:cs typeface="+mn-cs"/>
-              </a:rPr>
-              <a:t>Amazon CloudWatch</a:t>
-            </a:r>
-            <a:r>
-              <a:rPr lang="en-US" sz="1200" b="0" i="0" kern="1200" dirty="0" smtClean="0">
-                <a:solidFill>
-                  <a:schemeClr val="tx1"/>
-                </a:solidFill>
-                <a:effectLst/>
-                <a:latin typeface="+mn-lt"/>
-                <a:ea typeface="+mn-ea"/>
-                <a:cs typeface="+mn-cs"/>
-              </a:rPr>
-              <a:t> is a monitoring service for </a:t>
-            </a:r>
-            <a:r>
-              <a:rPr lang="en-US" sz="1200" b="1" i="0" kern="1200" dirty="0" smtClean="0">
-                <a:solidFill>
-                  <a:schemeClr val="tx1"/>
-                </a:solidFill>
-                <a:effectLst/>
-                <a:latin typeface="+mn-lt"/>
-                <a:ea typeface="+mn-ea"/>
-                <a:cs typeface="+mn-cs"/>
-              </a:rPr>
-              <a:t>AWS</a:t>
-            </a:r>
-            <a:r>
-              <a:rPr lang="en-US" sz="1200" b="0" i="0" kern="1200" dirty="0" smtClean="0">
-                <a:solidFill>
-                  <a:schemeClr val="tx1"/>
-                </a:solidFill>
-                <a:effectLst/>
-                <a:latin typeface="+mn-lt"/>
-                <a:ea typeface="+mn-ea"/>
-                <a:cs typeface="+mn-cs"/>
-              </a:rPr>
-              <a:t> cloud resources and the applications you run on </a:t>
-            </a:r>
-            <a:r>
-              <a:rPr lang="en-US" sz="1200" b="1" i="0" kern="1200" dirty="0" smtClean="0">
-                <a:solidFill>
-                  <a:schemeClr val="tx1"/>
-                </a:solidFill>
-                <a:effectLst/>
-                <a:latin typeface="+mn-lt"/>
-                <a:ea typeface="+mn-ea"/>
-                <a:cs typeface="+mn-cs"/>
-              </a:rPr>
-              <a:t>AWS</a:t>
-            </a:r>
-            <a:r>
-              <a:rPr lang="en-US" sz="1200" b="0" i="0" kern="1200" dirty="0" smtClean="0">
-                <a:solidFill>
-                  <a:schemeClr val="tx1"/>
-                </a:solidFill>
-                <a:effectLst/>
-                <a:latin typeface="+mn-lt"/>
-                <a:ea typeface="+mn-ea"/>
-                <a:cs typeface="+mn-cs"/>
-              </a:rPr>
-              <a:t>. You can use </a:t>
-            </a:r>
-            <a:r>
-              <a:rPr lang="en-US" sz="1200" b="1" i="0" kern="1200" dirty="0" smtClean="0">
-                <a:solidFill>
-                  <a:schemeClr val="tx1"/>
-                </a:solidFill>
-                <a:effectLst/>
-                <a:latin typeface="+mn-lt"/>
-                <a:ea typeface="+mn-ea"/>
-                <a:cs typeface="+mn-cs"/>
-              </a:rPr>
-              <a:t>Amazon CloudWatch</a:t>
-            </a:r>
-            <a:r>
-              <a:rPr lang="en-US" sz="1200" b="0" i="0" kern="1200" dirty="0" smtClean="0">
-                <a:solidFill>
-                  <a:schemeClr val="tx1"/>
-                </a:solidFill>
-                <a:effectLst/>
-                <a:latin typeface="+mn-lt"/>
-                <a:ea typeface="+mn-ea"/>
-                <a:cs typeface="+mn-cs"/>
-              </a:rPr>
-              <a:t> to collect and track metrics, collect and monitor log files, set alarms, and automatically react to changes in your </a:t>
-            </a:r>
-            <a:r>
-              <a:rPr lang="en-US" sz="1200" b="1" i="0" kern="1200" dirty="0" smtClean="0">
-                <a:solidFill>
-                  <a:schemeClr val="tx1"/>
-                </a:solidFill>
-                <a:effectLst/>
-                <a:latin typeface="+mn-lt"/>
-                <a:ea typeface="+mn-ea"/>
-                <a:cs typeface="+mn-cs"/>
-              </a:rPr>
-              <a:t>AWS</a:t>
-            </a:r>
-            <a:r>
-              <a:rPr lang="en-US" sz="1200" b="0" i="0" kern="1200" dirty="0" smtClean="0">
-                <a:solidFill>
-                  <a:schemeClr val="tx1"/>
-                </a:solidFill>
-                <a:effectLst/>
-                <a:latin typeface="+mn-lt"/>
-                <a:ea typeface="+mn-ea"/>
-                <a:cs typeface="+mn-cs"/>
-              </a:rPr>
-              <a:t> resources.</a:t>
-            </a:r>
             <a:endParaRPr lang="en-US" dirty="0"/>
           </a:p>
         </p:txBody>
@@ -1165,7 +1342,7 @@
           <a:p>
             <a:fld id="{46F99CC0-6130-4223-99DE-E271468B5D8E}" type="slidenum">
               <a:rPr lang="en-US" smtClean="0"/>
-              <a:t>10</a:t>
+              <a:t>9</a:t>
             </a:fld>
             <a:endParaRPr lang="en-US"/>
           </a:p>
@@ -1174,7 +1351,7 @@
     </p:spTree>
     <p:extLst>
       <p:ext uri="{BB962C8B-B14F-4D97-AF65-F5344CB8AC3E}">
-        <p14:creationId xmlns:p14="http://schemas.microsoft.com/office/powerpoint/2010/main" val="2473064607"/>
+        <p14:creationId xmlns:p14="http://schemas.microsoft.com/office/powerpoint/2010/main" val="2524587832"/>
       </p:ext>
     </p:extLst>
   </p:cSld>
@@ -1238,10 +1415,8 @@
                 <a:ea typeface="+mn-ea"/>
                 <a:cs typeface="+mn-cs"/>
               </a:rPr>
-              <a:t>Amazon SWF has two key features that make it easy to scale a workflow application to handle the current load</a:t>
-            </a:r>
-          </a:p>
-          <a:p>
+              <a:t>Amazon CloudWatch</a:t>
+            </a:r>
             <a:r>
               <a:rPr lang="en-US" sz="1200" b="0" i="0" kern="1200" dirty="0" smtClean="0">
                 <a:solidFill>
@@ -1252,12 +1427,10 @@
                 <a:ea typeface="+mn-ea"/>
                 <a:cs typeface="+mn-cs"/>
               </a:rPr>
-              <a:t>1. A complete workflow execution history, which allows you to implement a stateless application.</a:t>
-            </a:r>
-          </a:p>
-          <a:p>
-            <a:r>
-              <a:rPr lang="en-US" sz="1200" b="0" i="0" kern="1200" dirty="0" smtClean="0">
+              <a:t> is a monitoring service for </a:t>
+            </a:r>
+            <a:r>
+              <a:rPr lang="en-US" sz="1200" b="1" i="0" kern="1200" dirty="0" smtClean="0">
                 <a:solidFill>
                   <a:schemeClr val="tx1"/>
                 </a:solidFill>
@@ -1266,10 +1439,92 @@
                 <a:ea typeface="+mn-ea"/>
                 <a:cs typeface="+mn-cs"/>
               </a:rPr>
-              <a:t>2. Task scheduling that is loosely coupled to task execution, which makes it easy to scale your application to meet current demands.</a:t>
-            </a:r>
-          </a:p>
-          <a:p>
+              <a:t>AWS</a:t>
+            </a:r>
+            <a:r>
+              <a:rPr lang="en-US" sz="1200" b="0" i="0" kern="1200" dirty="0" smtClean="0">
+                <a:solidFill>
+                  <a:schemeClr val="tx1"/>
+                </a:solidFill>
+                <a:effectLst/>
+                <a:latin typeface="+mn-lt"/>
+                <a:ea typeface="+mn-ea"/>
+                <a:cs typeface="+mn-cs"/>
+              </a:rPr>
+              <a:t> cloud resources and the applications you run on </a:t>
+            </a:r>
+            <a:r>
+              <a:rPr lang="en-US" sz="1200" b="1" i="0" kern="1200" dirty="0" smtClean="0">
+                <a:solidFill>
+                  <a:schemeClr val="tx1"/>
+                </a:solidFill>
+                <a:effectLst/>
+                <a:latin typeface="+mn-lt"/>
+                <a:ea typeface="+mn-ea"/>
+                <a:cs typeface="+mn-cs"/>
+              </a:rPr>
+              <a:t>AWS</a:t>
+            </a:r>
+            <a:r>
+              <a:rPr lang="en-US" sz="1200" b="0" i="0" kern="1200" dirty="0" smtClean="0">
+                <a:solidFill>
+                  <a:schemeClr val="tx1"/>
+                </a:solidFill>
+                <a:effectLst/>
+                <a:latin typeface="+mn-lt"/>
+                <a:ea typeface="+mn-ea"/>
+                <a:cs typeface="+mn-cs"/>
+              </a:rPr>
+              <a:t>. You can use </a:t>
+            </a:r>
+            <a:r>
+              <a:rPr lang="en-US" sz="1200" b="1" i="0" kern="1200" dirty="0" smtClean="0">
+                <a:solidFill>
+                  <a:schemeClr val="tx1"/>
+                </a:solidFill>
+                <a:effectLst/>
+                <a:latin typeface="+mn-lt"/>
+                <a:ea typeface="+mn-ea"/>
+                <a:cs typeface="+mn-cs"/>
+              </a:rPr>
+              <a:t>Amazon CloudWatch</a:t>
+            </a:r>
+            <a:r>
+              <a:rPr lang="en-US" sz="1200" b="0" i="0" kern="1200" dirty="0" smtClean="0">
+                <a:solidFill>
+                  <a:schemeClr val="tx1"/>
+                </a:solidFill>
+                <a:effectLst/>
+                <a:latin typeface="+mn-lt"/>
+                <a:ea typeface="+mn-ea"/>
+                <a:cs typeface="+mn-cs"/>
+              </a:rPr>
+              <a:t> to collect and track metrics, collect and monitor log files, set alarms, and automatically react to changes in your </a:t>
+            </a:r>
+            <a:r>
+              <a:rPr lang="en-US" sz="1200" b="1" i="0" kern="1200" dirty="0" smtClean="0">
+                <a:solidFill>
+                  <a:schemeClr val="tx1"/>
+                </a:solidFill>
+                <a:effectLst/>
+                <a:latin typeface="+mn-lt"/>
+                <a:ea typeface="+mn-ea"/>
+                <a:cs typeface="+mn-cs"/>
+              </a:rPr>
+              <a:t>AWS</a:t>
+            </a:r>
+            <a:r>
+              <a:rPr lang="en-US" sz="1200" b="0" i="0" kern="1200" dirty="0" smtClean="0">
+                <a:solidFill>
+                  <a:schemeClr val="tx1"/>
+                </a:solidFill>
+                <a:effectLst/>
+                <a:latin typeface="+mn-lt"/>
+                <a:ea typeface="+mn-ea"/>
+                <a:cs typeface="+mn-cs"/>
+              </a:rPr>
+              <a:t> resources.</a:t>
+            </a:r>
             <a:endParaRPr lang="en-US" dirty="0"/>
           </a:p>
         </p:txBody>
@@ -1291,7 +1546,7 @@
           <a:p>
             <a:fld id="{46F99CC0-6130-4223-99DE-E271468B5D8E}" type="slidenum">
               <a:rPr lang="en-US" smtClean="0"/>
-              <a:t>11</a:t>
+              <a:t>10</a:t>
             </a:fld>
             <a:endParaRPr lang="en-US"/>
           </a:p>
@@ -1300,7 +1555,7 @@
     </p:spTree>
     <p:extLst>
       <p:ext uri="{BB962C8B-B14F-4D97-AF65-F5344CB8AC3E}">
-        <p14:creationId xmlns:p14="http://schemas.microsoft.com/office/powerpoint/2010/main" val="740058180"/>
+        <p14:creationId xmlns:p14="http://schemas.microsoft.com/office/powerpoint/2010/main" val="2473064607"/>
       </p:ext>
     </p:extLst>
   </p:cSld>
@@ -1417,7 +1672,7 @@
           <a:p>
             <a:fld id="{46F99CC0-6130-4223-99DE-E271468B5D8E}" type="slidenum">
               <a:rPr lang="en-US" smtClean="0"/>
-              <a:t>12</a:t>
+              <a:t>11</a:t>
             </a:fld>
             <a:endParaRPr lang="en-US"/>
           </a:p>
@@ -1426,7 +1681,7 @@
     </p:spTree>
     <p:extLst>
       <p:ext uri="{BB962C8B-B14F-4D97-AF65-F5344CB8AC3E}">
-        <p14:creationId xmlns:p14="http://schemas.microsoft.com/office/powerpoint/2010/main" val="565408130"/>
+        <p14:creationId xmlns:p14="http://schemas.microsoft.com/office/powerpoint/2010/main" val="740058180"/>
       </p:ext>
     </p:extLst>
   </p:cSld>
@@ -1567,7 +1822,7 @@
           <a:p>
             <a:fld id="{BFB29A7A-B489-49C2-84B6-8156BC75590F}" type="datetimeFigureOut">
               <a:rPr lang="en-US" smtClean="0"/>
-              <a:t>2/6/2017</a:t>
+              <a:t>2/15/2017</a:t>
             </a:fld>
             <a:endParaRPr lang="en-US"/>
           </a:p>
@@ -1737,7 +1992,7 @@
           <a:p>
             <a:fld id="{BFB29A7A-B489-49C2-84B6-8156BC75590F}" type="datetimeFigureOut">
               <a:rPr lang="en-US" smtClean="0"/>
-              <a:t>2/6/2017</a:t>
+              <a:t>2/15/2017</a:t>
             </a:fld>
             <a:endParaRPr lang="en-US"/>
           </a:p>
@@ -1917,7 +2172,7 @@
           <a:p>
             <a:fld id="{BFB29A7A-B489-49C2-84B6-8156BC75590F}" type="datetimeFigureOut">
               <a:rPr lang="en-US" smtClean="0"/>
-              <a:t>2/6/2017</a:t>
+              <a:t>2/15/2017</a:t>
             </a:fld>
             <a:endParaRPr lang="en-US"/>
           </a:p>
@@ -2087,7 +2342,7 @@
           <a:p>
             <a:fld id="{BFB29A7A-B489-49C2-84B6-8156BC75590F}" type="datetimeFigureOut">
               <a:rPr lang="en-US" smtClean="0"/>
-              <a:t>2/6/2017</a:t>
+              <a:t>2/15/2017</a:t>
             </a:fld>
             <a:endParaRPr lang="en-US"/>
           </a:p>
@@ -2333,7 +2588,7 @@
           <a:p>
             <a:fld id="{BFB29A7A-B489-49C2-84B6-8156BC75590F}" type="datetimeFigureOut">
               <a:rPr lang="en-US" smtClean="0"/>
-              <a:t>2/6/2017</a:t>
+              <a:t>2/15/2017</a:t>
             </a:fld>
             <a:endParaRPr lang="en-US"/>
           </a:p>
@@ -2565,7 +2820,7 @@
           <a:p>
             <a:fld id="{BFB29A7A-B489-49C2-84B6-8156BC75590F}" type="datetimeFigureOut">
               <a:rPr lang="en-US" smtClean="0"/>
-              <a:t>2/6/2017</a:t>
+              <a:t>2/15/2017</a:t>
             </a:fld>
             <a:endParaRPr lang="en-US"/>
           </a:p>
@@ -2932,7 +3187,7 @@
           <a:p>
             <a:fld id="{BFB29A7A-B489-49C2-84B6-8156BC75590F}" type="datetimeFigureOut">
               <a:rPr lang="en-US" smtClean="0"/>
-              <a:t>2/6/2017</a:t>
+              <a:t>2/15/2017</a:t>
             </a:fld>
             <a:endParaRPr lang="en-US"/>
           </a:p>
@@ -3050,7 +3305,7 @@
           <a:p>
             <a:fld id="{BFB29A7A-B489-49C2-84B6-8156BC75590F}" type="datetimeFigureOut">
               <a:rPr lang="en-US" smtClean="0"/>
-              <a:t>2/6/2017</a:t>
+              <a:t>2/15/2017</a:t>
             </a:fld>
             <a:endParaRPr lang="en-US"/>
           </a:p>
@@ -3145,7 +3400,7 @@
           <a:p>
             <a:fld id="{BFB29A7A-B489-49C2-84B6-8156BC75590F}" type="datetimeFigureOut">
               <a:rPr lang="en-US" smtClean="0"/>
-              <a:t>2/6/2017</a:t>
+              <a:t>2/15/2017</a:t>
             </a:fld>
             <a:endParaRPr lang="en-US"/>
           </a:p>
@@ -3422,7 +3677,7 @@
           <a:p>
             <a:fld id="{BFB29A7A-B489-49C2-84B6-8156BC75590F}" type="datetimeFigureOut">
               <a:rPr lang="en-US" smtClean="0"/>
-              <a:t>2/6/2017</a:t>
+              <a:t>2/15/2017</a:t>
             </a:fld>
             <a:endParaRPr lang="en-US"/>
           </a:p>
@@ -3675,7 +3930,7 @@
           <a:p>
             <a:fld id="{BFB29A7A-B489-49C2-84B6-8156BC75590F}" type="datetimeFigureOut">
               <a:rPr lang="en-US" smtClean="0"/>
-              <a:t>2/6/2017</a:t>
+              <a:t>2/15/2017</a:t>
             </a:fld>
             <a:endParaRPr lang="en-US"/>
           </a:p>
@@ -3888,7 +4143,7 @@
           <a:p>
             <a:fld id="{BFB29A7A-B489-49C2-84B6-8156BC75590F}" type="datetimeFigureOut">
               <a:rPr lang="en-US" smtClean="0"/>
-              <a:t>2/6/2017</a:t>
+              <a:t>2/15/2017</a:t>
             </a:fld>
             <a:endParaRPr lang="en-US"/>
           </a:p>
@@ -4518,10 +4773,10 @@
                   </a:schemeClr>
                 </a:solidFill>
               </a:rPr>
-              <a:t>Amazon </a:t>
-            </a:r>
-            <a:r>
-              <a:rPr lang="en-US" sz="2400" b="1" dirty="0" smtClean="0">
+              <a:t>AWS </a:t>
+            </a:r>
+            <a:r>
+              <a:rPr lang="en-US" sz="2400" b="1" dirty="0" err="1" smtClean="0">
                 <a:solidFill>
                   <a:schemeClr val="accent2">
                     <a:lumMod val="60000"/>
@@ -4611,7 +4866,17 @@
                   </a:schemeClr>
                 </a:solidFill>
               </a:rPr>
-              <a:t>Admin dashboard to restart worker</a:t>
+              <a:t>Admin dashboard to </a:t>
+            </a:r>
+            <a:r>
+              <a:rPr lang="en-US" sz="2400" b="1" dirty="0" smtClean="0">
+                <a:solidFill>
+                  <a:schemeClr val="bg1">
+                    <a:lumMod val="85000"/>
+                  </a:schemeClr>
+                </a:solidFill>
+              </a:rPr>
+              <a:t>manage worker</a:t>
             </a:r>
             <a:endParaRPr lang="en-US" sz="2400" b="1" dirty="0">
               <a:solidFill>
@@ -4652,8 +4917,8 @@
         </p:blipFill>
         <p:spPr>
           <a:xfrm>
-            <a:off x="3639529" y="2143328"/>
-            <a:ext cx="8329382" cy="4922947"/>
+            <a:off x="3639529" y="1909188"/>
+            <a:ext cx="7976366" cy="4948444"/>
           </a:xfrm>
           <a:prstGeom prst="rect">
             <a:avLst/>
@@ -4738,7 +5003,18 @@
                   </a:schemeClr>
                 </a:solidFill>
               </a:rPr>
-              <a:t>AWS SWF Features</a:t>
+              <a:t>AWS SWF </a:t>
+            </a:r>
+            <a:r>
+              <a:rPr lang="en-US" sz="3200" b="1" dirty="0" smtClean="0">
+                <a:solidFill>
+                  <a:schemeClr val="accent2">
+                    <a:lumMod val="60000"/>
+                    <a:lumOff val="40000"/>
+                  </a:schemeClr>
+                </a:solidFill>
+              </a:rPr>
+              <a:t>Benefits</a:t>
             </a:r>
             <a:endParaRPr lang="en-US" sz="3200" b="1" dirty="0">
               <a:solidFill>
@@ -4760,7 +5036,7 @@
         <p:spPr>
           <a:xfrm>
             <a:off x="1260909" y="1386038"/>
-            <a:ext cx="8880618" cy="2554545"/>
+            <a:ext cx="8880618" cy="5509200"/>
           </a:xfrm>
           <a:prstGeom prst="rect">
             <a:avLst/>
@@ -4780,12 +5056,42 @@
             <a:r>
               <a:rPr lang="en-US" sz="3200" b="1" dirty="0" smtClean="0">
                 <a:solidFill>
+                  <a:srgbClr val="00B0F0"/>
+                </a:solidFill>
+              </a:rPr>
+              <a:t>Highly </a:t>
+            </a:r>
+            <a:r>
+              <a:rPr lang="en-US" sz="3200" b="1" dirty="0" smtClean="0">
+                <a:solidFill>
+                  <a:srgbClr val="00B0F0"/>
+                </a:solidFill>
+              </a:rPr>
+              <a:t>scalable Distributed </a:t>
+            </a:r>
+            <a:r>
+              <a:rPr lang="en-US" sz="3200" b="1" dirty="0" smtClean="0">
+                <a:solidFill>
+                  <a:srgbClr val="00B0F0"/>
+                </a:solidFill>
+              </a:rPr>
+              <a:t>application</a:t>
+            </a:r>
+          </a:p>
+          <a:p>
+            <a:pPr marL="1028700" lvl="1" indent="-571500">
+              <a:buFont typeface="Arial" panose="020B0604020202020204" pitchFamily="34" charset="0"/>
+              <a:buChar char="•"/>
+            </a:pPr>
+            <a:r>
+              <a:rPr lang="en-US" sz="3200" b="1" dirty="0" smtClean="0">
+                <a:solidFill>
                   <a:schemeClr val="bg1">
                     <a:lumMod val="85000"/>
                   </a:schemeClr>
                 </a:solidFill>
               </a:rPr>
-              <a:t>High scalable Distributed application</a:t>
+              <a:t>Activity workers can be added in run time to offload the work</a:t>
             </a:r>
           </a:p>
           <a:p>
@@ -4796,13 +5102,16 @@
             <a:r>
               <a:rPr lang="en-US" sz="3200" b="1" dirty="0" smtClean="0">
                 <a:solidFill>
-                  <a:schemeClr val="bg1">
-                    <a:lumMod val="85000"/>
-                  </a:schemeClr>
+                  <a:srgbClr val="00B0F0"/>
                 </a:solidFill>
               </a:rPr>
-              <a:t>Periodic Asynchronous workflow execution</a:t>
-            </a:r>
+              <a:t>Loose coupling among workers</a:t>
+            </a:r>
+            <a:endParaRPr lang="en-US" sz="3200" b="1" dirty="0" smtClean="0">
+              <a:solidFill>
+                <a:srgbClr val="00B0F0"/>
+              </a:solidFill>
+            </a:endParaRPr>
           </a:p>
           <a:p>
             <a:pPr marL="571500" indent="-571500">
@@ -4810,14 +5119,12 @@
               <a:buChar char="•"/>
             </a:pPr>
             <a:r>
-              <a:rPr lang="en-US" sz="3200" b="1" dirty="0" smtClean="0">
-                <a:solidFill>
-                  <a:schemeClr val="bg1">
-                    <a:lumMod val="85000"/>
-                  </a:schemeClr>
+              <a:rPr lang="en-US" sz="3200" b="1" dirty="0">
+                <a:solidFill>
+                  <a:srgbClr val="00B0F0"/>
                 </a:solidFill>
               </a:rPr>
-              <a:t>Retry for failed activities</a:t>
+              <a:t>Periodic Asynchronous workflow execution</a:t>
             </a:r>
           </a:p>
           <a:p>
@@ -4826,11 +5133,23 @@
               <a:buChar char="•"/>
             </a:pPr>
             <a:r>
-              <a:rPr lang="en-US" sz="3200" b="1" dirty="0" smtClean="0">
-                <a:solidFill>
-                  <a:schemeClr val="bg1">
-                    <a:lumMod val="85000"/>
-                  </a:schemeClr>
+              <a:rPr lang="en-US" sz="3200" b="1" dirty="0">
+                <a:solidFill>
+                  <a:srgbClr val="00B0F0"/>
+                </a:solidFill>
+              </a:rPr>
+              <a:t>Retry for failed activities</a:t>
+            </a:r>
+          </a:p>
+          <a:p>
+            <a:pPr marL="571500" indent="-571500">
+              <a:buFont typeface="Arial" panose="020B0604020202020204" pitchFamily="34" charset="0"/>
+              <a:buChar char="•"/>
+            </a:pPr>
+            <a:r>
+              <a:rPr lang="en-US" sz="3200" b="1" dirty="0">
+                <a:solidFill>
+                  <a:srgbClr val="00B0F0"/>
                 </a:solidFill>
               </a:rPr>
               <a:t>Reliable execution</a:t>
@@ -4849,8 +5168,49 @@
                   </a:schemeClr>
                 </a:solidFill>
               </a:rPr>
-              <a:t>Results wont be lost</a:t>
-            </a:r>
+              <a:t>If one worker dies other workers can offload the work</a:t>
+            </a:r>
+          </a:p>
+          <a:p>
+            <a:pPr marL="571500" indent="-571500">
+              <a:buFont typeface="Arial" panose="020B0604020202020204" pitchFamily="34" charset="0"/>
+              <a:buChar char="•"/>
+            </a:pPr>
+            <a:r>
+              <a:rPr lang="en-US" sz="3200" b="1" dirty="0">
+                <a:solidFill>
+                  <a:srgbClr val="00B0F0"/>
+                </a:solidFill>
+              </a:rPr>
+              <a:t>Takes care of Co-ordination among </a:t>
+            </a:r>
+            <a:r>
+              <a:rPr lang="en-US" sz="3200" b="1" dirty="0" smtClean="0">
+                <a:solidFill>
+                  <a:srgbClr val="00B0F0"/>
+                </a:solidFill>
+              </a:rPr>
+              <a:t>workers</a:t>
+            </a:r>
+          </a:p>
+          <a:p>
+            <a:pPr marL="571500" indent="-571500">
+              <a:buFont typeface="Arial" panose="020B0604020202020204" pitchFamily="34" charset="0"/>
+              <a:buChar char="•"/>
+            </a:pPr>
+            <a:r>
+              <a:rPr lang="en-US" sz="3200" b="1" dirty="0" smtClean="0">
+                <a:solidFill>
+                  <a:srgbClr val="00B0F0"/>
+                </a:solidFill>
+              </a:rPr>
+              <a:t>Workflow State Management</a:t>
+            </a:r>
+            <a:endParaRPr lang="en-US" sz="3200" b="1" dirty="0">
+              <a:solidFill>
+                <a:srgbClr val="00B0F0"/>
+              </a:solidFill>
+            </a:endParaRPr>
           </a:p>
         </p:txBody>
       </p:sp>
@@ -5072,27 +5432,7 @@
                   </a:schemeClr>
                 </a:solidFill>
               </a:rPr>
-              <a:t>Existing </a:t>
-            </a:r>
-            <a:r>
-              <a:rPr lang="en-US" sz="3200" b="1" dirty="0" err="1" smtClean="0">
-                <a:solidFill>
-                  <a:schemeClr val="bg1">
-                    <a:lumMod val="85000"/>
-                  </a:schemeClr>
-                </a:solidFill>
-              </a:rPr>
-              <a:t>Autoreminder</a:t>
-            </a:r>
-            <a:r>
-              <a:rPr lang="en-US" sz="3200" b="1" dirty="0" smtClean="0">
-                <a:solidFill>
-                  <a:schemeClr val="bg1">
-                    <a:lumMod val="85000"/>
-                  </a:schemeClr>
-                </a:solidFill>
-              </a:rPr>
-              <a:t> Cron workflow</a:t>
+              <a:t>Context / Problem statement</a:t>
             </a:r>
           </a:p>
           <a:p>
@@ -5108,7 +5448,37 @@
                   </a:schemeClr>
                 </a:solidFill>
               </a:rPr>
-              <a:t>Issues in Cron workflow</a:t>
+              <a:t>Existing </a:t>
+            </a:r>
+            <a:r>
+              <a:rPr lang="en-US" sz="3200" b="1" dirty="0" err="1" smtClean="0">
+                <a:solidFill>
+                  <a:schemeClr val="bg1">
+                    <a:lumMod val="85000"/>
+                  </a:schemeClr>
+                </a:solidFill>
+              </a:rPr>
+              <a:t>Cron</a:t>
+            </a:r>
+            <a:r>
+              <a:rPr lang="en-US" sz="3200" b="1" dirty="0" smtClean="0">
+                <a:solidFill>
+                  <a:schemeClr val="bg1">
+                    <a:lumMod val="85000"/>
+                  </a:schemeClr>
+                </a:solidFill>
+              </a:rPr>
+              <a:t> </a:t>
+            </a:r>
+            <a:r>
+              <a:rPr lang="en-US" sz="3200" b="1" dirty="0" smtClean="0">
+                <a:solidFill>
+                  <a:schemeClr val="bg1">
+                    <a:lumMod val="85000"/>
+                  </a:schemeClr>
+                </a:solidFill>
+              </a:rPr>
+              <a:t>workflow</a:t>
             </a:r>
           </a:p>
           <a:p>
@@ -5117,14 +5487,14 @@
               <a:buChar char="•"/>
             </a:pPr>
             <a:r>
-              <a:rPr lang="en-US" sz="3200" b="1" dirty="0" err="1" smtClean="0">
+              <a:rPr lang="en-US" sz="3200" b="1" dirty="0" smtClean="0">
                 <a:solidFill>
                   <a:schemeClr val="bg1">
                     <a:lumMod val="85000"/>
                   </a:schemeClr>
                 </a:solidFill>
               </a:rPr>
-              <a:t>Autoreminder</a:t>
+              <a:t>Issues in </a:t>
             </a:r>
             <a:r>
               <a:rPr lang="en-US" sz="3200" b="1" dirty="0" smtClean="0">
@@ -5134,7 +5504,37 @@
                   </a:schemeClr>
                 </a:solidFill>
               </a:rPr>
-              <a:t> SWF Workflow Architecture</a:t>
+              <a:t>the </a:t>
+            </a:r>
+            <a:r>
+              <a:rPr lang="en-US" sz="3200" b="1" dirty="0" err="1" smtClean="0">
+                <a:solidFill>
+                  <a:schemeClr val="bg1">
+                    <a:lumMod val="85000"/>
+                  </a:schemeClr>
+                </a:solidFill>
+              </a:rPr>
+              <a:t>Cron</a:t>
+            </a:r>
+            <a:r>
+              <a:rPr lang="en-US" sz="3200" b="1" dirty="0" smtClean="0">
+                <a:solidFill>
+                  <a:schemeClr val="bg1">
+                    <a:lumMod val="85000"/>
+                  </a:schemeClr>
+                </a:solidFill>
+              </a:rPr>
+              <a:t> </a:t>
+            </a:r>
+            <a:r>
+              <a:rPr lang="en-US" sz="3200" b="1" dirty="0" smtClean="0">
+                <a:solidFill>
+                  <a:schemeClr val="bg1">
+                    <a:lumMod val="85000"/>
+                  </a:schemeClr>
+                </a:solidFill>
+              </a:rPr>
+              <a:t>workflow</a:t>
             </a:r>
           </a:p>
           <a:p>
@@ -5150,7 +5550,17 @@
                   </a:schemeClr>
                 </a:solidFill>
               </a:rPr>
-              <a:t>Workflow setup</a:t>
+              <a:t>SWF </a:t>
+            </a:r>
+            <a:r>
+              <a:rPr lang="en-US" sz="3200" b="1" dirty="0" smtClean="0">
+                <a:solidFill>
+                  <a:schemeClr val="bg1">
+                    <a:lumMod val="85000"/>
+                  </a:schemeClr>
+                </a:solidFill>
+              </a:rPr>
+              <a:t>Workflow Architecture</a:t>
             </a:r>
           </a:p>
           <a:p>
@@ -5166,8 +5576,15 @@
                   </a:schemeClr>
                 </a:solidFill>
               </a:rPr>
-              <a:t>Monitoring</a:t>
-            </a:r>
+              <a:t>Monitoring workflows</a:t>
+            </a:r>
+            <a:endParaRPr lang="en-US" sz="3200" b="1" dirty="0" smtClean="0">
+              <a:solidFill>
+                <a:schemeClr val="bg1">
+                  <a:lumMod val="85000"/>
+                </a:schemeClr>
+              </a:solidFill>
+            </a:endParaRPr>
           </a:p>
           <a:p>
             <a:pPr marL="571500" indent="-571500">
@@ -5197,7 +5614,7 @@
     </p:spTree>
     <p:extLst>
       <p:ext uri="{BB962C8B-B14F-4D97-AF65-F5344CB8AC3E}">
-        <p14:creationId xmlns:p14="http://schemas.microsoft.com/office/powerpoint/2010/main" val="2076129216"/>
+        <p14:creationId xmlns:p14="http://schemas.microsoft.com/office/powerpoint/2010/main" val="3421037829"/>
       </p:ext>
     </p:extLst>
   </p:cSld>
@@ -5249,8 +5666,8 @@
         </p:nvSpPr>
         <p:spPr>
           <a:xfrm>
-            <a:off x="182881" y="1790301"/>
-            <a:ext cx="4292867" cy="584775"/>
+            <a:off x="3272590" y="130628"/>
+            <a:ext cx="5646820" cy="584775"/>
           </a:xfrm>
           <a:prstGeom prst="rect">
             <a:avLst/>
@@ -5263,6 +5680,7 @@
           </a:bodyPr>
           <a:lstStyle/>
           <a:p>
+            <a:pPr algn="ctr"/>
             <a:r>
               <a:rPr lang="en-US" sz="3200" b="1" dirty="0" smtClean="0">
                 <a:solidFill>
@@ -5272,7 +5690,29 @@
                   </a:schemeClr>
                 </a:solidFill>
               </a:rPr>
-              <a:t>Existing Cron workflow</a:t>
+              <a:t>Context – </a:t>
+            </a:r>
+            <a:r>
+              <a:rPr lang="en-US" sz="3200" b="1" dirty="0" err="1" smtClean="0">
+                <a:solidFill>
+                  <a:schemeClr val="accent2">
+                    <a:lumMod val="60000"/>
+                    <a:lumOff val="40000"/>
+                  </a:schemeClr>
+                </a:solidFill>
+              </a:rPr>
+              <a:t>Cron</a:t>
+            </a:r>
+            <a:r>
+              <a:rPr lang="en-US" sz="3200" b="1" dirty="0" smtClean="0">
+                <a:solidFill>
+                  <a:schemeClr val="accent2">
+                    <a:lumMod val="60000"/>
+                    <a:lumOff val="40000"/>
+                  </a:schemeClr>
+                </a:solidFill>
+              </a:rPr>
+              <a:t> based workflows</a:t>
             </a:r>
             <a:endParaRPr lang="en-US" sz="3200" b="1" dirty="0">
               <a:solidFill>
@@ -5285,34 +5725,171 @@
           </a:p>
         </p:txBody>
       </p:sp>
-      <p:pic>
-        <p:nvPicPr>
-          <p:cNvPr id="5" name="Picture 4"/>
-          <p:cNvPicPr>
-            <a:picLocks noChangeAspect="1"/>
-          </p:cNvPicPr>
+      <p:sp>
+        <p:nvSpPr>
+          <p:cNvPr id="3" name="TextBox 2"/>
+          <p:cNvSpPr txBox="1"/>
           <p:nvPr/>
-        </p:nvPicPr>
-        <p:blipFill>
-          <a:blip r:embed="rId3"/>
-          <a:stretch>
-            <a:fillRect/>
-          </a:stretch>
-        </p:blipFill>
+        </p:nvSpPr>
         <p:spPr>
           <a:xfrm>
-            <a:off x="2827376" y="119132"/>
-            <a:ext cx="9136068" cy="6738868"/>
+            <a:off x="969507" y="1308532"/>
+            <a:ext cx="10596146" cy="5016758"/>
           </a:xfrm>
           <a:prstGeom prst="rect">
             <a:avLst/>
           </a:prstGeom>
+          <a:noFill/>
         </p:spPr>
-      </p:pic>
+        <p:txBody>
+          <a:bodyPr wrap="square" rtlCol="0">
+            <a:spAutoFit/>
+          </a:bodyPr>
+          <a:lstStyle/>
+          <a:p>
+            <a:pPr marL="457200" indent="-457200">
+              <a:buFont typeface="Arial" panose="020B0604020202020204" pitchFamily="34" charset="0"/>
+              <a:buChar char="•"/>
+            </a:pPr>
+            <a:r>
+              <a:rPr lang="en-US" sz="3200" dirty="0" smtClean="0">
+                <a:solidFill>
+                  <a:schemeClr val="bg1">
+                    <a:lumMod val="85000"/>
+                  </a:schemeClr>
+                </a:solidFill>
+              </a:rPr>
+              <a:t>Scheduled background jobs are typical requirement for any application. </a:t>
+            </a:r>
+          </a:p>
+          <a:p>
+            <a:pPr marL="457200" indent="-457200">
+              <a:buFont typeface="Arial" panose="020B0604020202020204" pitchFamily="34" charset="0"/>
+              <a:buChar char="•"/>
+            </a:pPr>
+            <a:r>
+              <a:rPr lang="en-US" sz="3200" dirty="0" smtClean="0">
+                <a:solidFill>
+                  <a:schemeClr val="bg1">
+                    <a:lumMod val="85000"/>
+                  </a:schemeClr>
+                </a:solidFill>
+              </a:rPr>
+              <a:t>Problems get multipled when the background has to execute as a distributed application in a cluster.</a:t>
+            </a:r>
+          </a:p>
+          <a:p>
+            <a:pPr marL="457200" indent="-457200">
+              <a:buFont typeface="Arial" panose="020B0604020202020204" pitchFamily="34" charset="0"/>
+              <a:buChar char="•"/>
+            </a:pPr>
+            <a:r>
+              <a:rPr lang="en-US" sz="3200" dirty="0">
+                <a:solidFill>
+                  <a:schemeClr val="bg1">
+                    <a:lumMod val="85000"/>
+                  </a:schemeClr>
+                </a:solidFill>
+              </a:rPr>
+              <a:t>In our case we </a:t>
+            </a:r>
+            <a:r>
+              <a:rPr lang="en-US" sz="3200" dirty="0" smtClean="0">
+                <a:solidFill>
+                  <a:schemeClr val="bg1">
+                    <a:lumMod val="85000"/>
+                  </a:schemeClr>
+                </a:solidFill>
+              </a:rPr>
+              <a:t>need to send automatic reminders on behalf of Small Business Owners (spread across more than dozen clusters) to millions of their customers when the invoices are overdue.</a:t>
+            </a:r>
+            <a:endParaRPr lang="en-US" sz="3200" dirty="0">
+              <a:solidFill>
+                <a:schemeClr val="bg1">
+                  <a:lumMod val="85000"/>
+                </a:schemeClr>
+              </a:solidFill>
+            </a:endParaRPr>
+          </a:p>
+          <a:p>
+            <a:pPr marL="457200" indent="-457200">
+              <a:buFont typeface="Arial" panose="020B0604020202020204" pitchFamily="34" charset="0"/>
+              <a:buChar char="•"/>
+            </a:pPr>
+            <a:r>
+              <a:rPr lang="en-US" sz="3200" dirty="0" smtClean="0">
+                <a:solidFill>
+                  <a:schemeClr val="bg1">
+                    <a:lumMod val="85000"/>
+                  </a:schemeClr>
+                </a:solidFill>
+              </a:rPr>
+              <a:t>In the old way there was a </a:t>
+            </a:r>
+            <a:r>
+              <a:rPr lang="en-US" sz="3200" dirty="0" err="1">
+                <a:solidFill>
+                  <a:schemeClr val="bg1">
+                    <a:lumMod val="85000"/>
+                  </a:schemeClr>
+                </a:solidFill>
+              </a:rPr>
+              <a:t>C</a:t>
+            </a:r>
+            <a:r>
+              <a:rPr lang="en-US" sz="3200" dirty="0" err="1" smtClean="0">
+                <a:solidFill>
+                  <a:schemeClr val="bg1">
+                    <a:lumMod val="85000"/>
+                  </a:schemeClr>
+                </a:solidFill>
+              </a:rPr>
+              <a:t>ron</a:t>
+            </a:r>
+            <a:r>
+              <a:rPr lang="en-US" sz="3200" dirty="0" smtClean="0">
+                <a:solidFill>
+                  <a:schemeClr val="bg1">
+                    <a:lumMod val="85000"/>
+                  </a:schemeClr>
+                </a:solidFill>
+              </a:rPr>
+              <a:t> based workflow approach to achieve this feature “</a:t>
+            </a:r>
+            <a:r>
+              <a:rPr lang="en-US" sz="3200" b="1" dirty="0" smtClean="0">
+                <a:solidFill>
+                  <a:schemeClr val="bg1">
+                    <a:lumMod val="85000"/>
+                  </a:schemeClr>
+                </a:solidFill>
+              </a:rPr>
+              <a:t>Auto Reminder</a:t>
+            </a:r>
+            <a:r>
+              <a:rPr lang="en-US" sz="3200" dirty="0" smtClean="0">
+                <a:solidFill>
+                  <a:schemeClr val="bg1">
+                    <a:lumMod val="85000"/>
+                  </a:schemeClr>
+                </a:solidFill>
+              </a:rPr>
+              <a:t>”.</a:t>
+            </a:r>
+            <a:endParaRPr lang="en-US" sz="3200" b="1" dirty="0">
+              <a:solidFill>
+                <a:schemeClr val="bg1">
+                  <a:lumMod val="85000"/>
+                </a:schemeClr>
+              </a:solidFill>
+            </a:endParaRPr>
+          </a:p>
+        </p:txBody>
+      </p:sp>
     </p:spTree>
     <p:extLst>
       <p:ext uri="{BB962C8B-B14F-4D97-AF65-F5344CB8AC3E}">
-        <p14:creationId xmlns:p14="http://schemas.microsoft.com/office/powerpoint/2010/main" val="3895088945"/>
+        <p14:creationId xmlns:p14="http://schemas.microsoft.com/office/powerpoint/2010/main" val="2076129216"/>
       </p:ext>
     </p:extLst>
   </p:cSld>
@@ -5356,16 +5933,40 @@
           <a:chExt cx="0" cy="0"/>
         </a:xfrm>
       </p:grpSpPr>
-      <p:sp>
-        <p:nvSpPr>
-          <p:cNvPr id="4" name="TextBox 3"/>
+      <p:pic>
+        <p:nvPicPr>
+          <p:cNvPr id="7" name="Picture 6"/>
+          <p:cNvPicPr>
+            <a:picLocks noChangeAspect="1"/>
+          </p:cNvPicPr>
+          <p:nvPr/>
+        </p:nvPicPr>
+        <p:blipFill>
+          <a:blip r:embed="rId3"/>
+          <a:stretch>
+            <a:fillRect/>
+          </a:stretch>
+        </p:blipFill>
+        <p:spPr>
+          <a:xfrm>
+            <a:off x="1546407" y="0"/>
+            <a:ext cx="10097740" cy="6858000"/>
+          </a:xfrm>
+          <a:prstGeom prst="rect">
+            <a:avLst/>
+          </a:prstGeom>
+        </p:spPr>
+      </p:pic>
+      <p:sp>
+        <p:nvSpPr>
+          <p:cNvPr id="8" name="TextBox 7"/>
           <p:cNvSpPr txBox="1"/>
           <p:nvPr/>
         </p:nvSpPr>
         <p:spPr>
           <a:xfrm>
-            <a:off x="3949567" y="0"/>
-            <a:ext cx="5646820" cy="584775"/>
+            <a:off x="1115366" y="2391507"/>
+            <a:ext cx="3587261" cy="584775"/>
           </a:xfrm>
           <a:prstGeom prst="rect">
             <a:avLst/>
@@ -5379,7 +5980,7 @@
           <a:lstStyle/>
           <a:p>
             <a:r>
-              <a:rPr lang="en-US" sz="3200" b="1" dirty="0" smtClean="0">
+              <a:rPr lang="en-US" sz="3200" b="1" dirty="0">
                 <a:solidFill>
                   <a:schemeClr val="accent2">
                     <a:lumMod val="60000"/>
@@ -5387,7 +5988,29 @@
                   </a:schemeClr>
                 </a:solidFill>
               </a:rPr>
-              <a:t>Existing Cron workflow - Issues</a:t>
+              <a:t>Old </a:t>
+            </a:r>
+            <a:r>
+              <a:rPr lang="en-US" sz="3200" b="1" dirty="0" err="1">
+                <a:solidFill>
+                  <a:schemeClr val="accent2">
+                    <a:lumMod val="60000"/>
+                    <a:lumOff val="40000"/>
+                  </a:schemeClr>
+                </a:solidFill>
+              </a:rPr>
+              <a:t>Cron</a:t>
+            </a:r>
+            <a:r>
+              <a:rPr lang="en-US" sz="3200" b="1" dirty="0">
+                <a:solidFill>
+                  <a:schemeClr val="accent2">
+                    <a:lumMod val="60000"/>
+                    <a:lumOff val="40000"/>
+                  </a:schemeClr>
+                </a:solidFill>
+              </a:rPr>
+              <a:t> workflow</a:t>
             </a:r>
             <a:endParaRPr lang="en-US" sz="3200" b="1" dirty="0">
               <a:solidFill>
@@ -5400,138 +6023,10 @@
           </a:p>
         </p:txBody>
       </p:sp>
-      <p:sp>
-        <p:nvSpPr>
-          <p:cNvPr id="3" name="TextBox 2"/>
-          <p:cNvSpPr txBox="1"/>
-          <p:nvPr/>
-        </p:nvSpPr>
-        <p:spPr>
-          <a:xfrm>
-            <a:off x="1260909" y="1386038"/>
-            <a:ext cx="10596146" cy="3046988"/>
-          </a:xfrm>
-          <a:prstGeom prst="rect">
-            <a:avLst/>
-          </a:prstGeom>
-          <a:noFill/>
-        </p:spPr>
-        <p:txBody>
-          <a:bodyPr wrap="square" rtlCol="0">
-            <a:spAutoFit/>
-          </a:bodyPr>
-          <a:lstStyle/>
-          <a:p>
-            <a:pPr marL="571500" indent="-571500">
-              <a:buFont typeface="Arial" panose="020B0604020202020204" pitchFamily="34" charset="0"/>
-              <a:buChar char="•"/>
-            </a:pPr>
-            <a:r>
-              <a:rPr lang="en-US" sz="3200" b="1" dirty="0" smtClean="0">
-                <a:solidFill>
-                  <a:schemeClr val="bg1"/>
-                </a:solidFill>
-              </a:rPr>
-              <a:t>Lost schedules</a:t>
-            </a:r>
-          </a:p>
-          <a:p>
-            <a:pPr marL="571500" indent="-571500">
-              <a:buFont typeface="Arial" panose="020B0604020202020204" pitchFamily="34" charset="0"/>
-              <a:buChar char="•"/>
-            </a:pPr>
-            <a:r>
-              <a:rPr lang="en-US" sz="3200" b="1" dirty="0" smtClean="0">
-                <a:solidFill>
-                  <a:schemeClr val="bg1"/>
-                </a:solidFill>
-              </a:rPr>
-              <a:t>Co-ordination among Admin host and Cron Hosts</a:t>
-            </a:r>
-          </a:p>
-          <a:p>
-            <a:pPr marL="571500" indent="-571500">
-              <a:buFont typeface="Arial" panose="020B0604020202020204" pitchFamily="34" charset="0"/>
-              <a:buChar char="•"/>
-            </a:pPr>
-            <a:r>
-              <a:rPr lang="en-US" sz="3200" b="1" dirty="0" smtClean="0">
-                <a:solidFill>
-                  <a:schemeClr val="bg1"/>
-                </a:solidFill>
-              </a:rPr>
-              <a:t>Reliability</a:t>
-            </a:r>
-          </a:p>
-          <a:p>
-            <a:pPr marL="571500" indent="-571500">
-              <a:buFont typeface="Arial" panose="020B0604020202020204" pitchFamily="34" charset="0"/>
-              <a:buChar char="•"/>
-            </a:pPr>
-            <a:r>
-              <a:rPr lang="en-US" sz="3200" b="1" dirty="0" smtClean="0">
-                <a:solidFill>
-                  <a:schemeClr val="bg1"/>
-                </a:solidFill>
-              </a:rPr>
-              <a:t>Scalability</a:t>
-            </a:r>
-          </a:p>
-          <a:p>
-            <a:pPr marL="571500" indent="-571500">
-              <a:buFont typeface="Arial" panose="020B0604020202020204" pitchFamily="34" charset="0"/>
-              <a:buChar char="•"/>
-            </a:pPr>
-            <a:r>
-              <a:rPr lang="en-US" sz="3200" b="1" dirty="0" smtClean="0">
-                <a:solidFill>
-                  <a:schemeClr val="bg1"/>
-                </a:solidFill>
-              </a:rPr>
-              <a:t>Failure Handling</a:t>
-            </a:r>
-          </a:p>
-          <a:p>
-            <a:pPr marL="571500" indent="-571500">
-              <a:buFont typeface="Arial" panose="020B0604020202020204" pitchFamily="34" charset="0"/>
-              <a:buChar char="•"/>
-            </a:pPr>
-            <a:r>
-              <a:rPr lang="en-US" sz="3200" b="1" dirty="0" smtClean="0">
-                <a:solidFill>
-                  <a:schemeClr val="bg1"/>
-                </a:solidFill>
-              </a:rPr>
-              <a:t>Pre assigning </a:t>
-            </a:r>
-            <a:r>
-              <a:rPr lang="en-US" sz="3200" b="1" dirty="0" err="1" smtClean="0">
-                <a:solidFill>
-                  <a:schemeClr val="bg1"/>
-                </a:solidFill>
-              </a:rPr>
-              <a:t>CompanyID’s</a:t>
-            </a:r>
-            <a:r>
-              <a:rPr lang="en-US" sz="3200" b="1" dirty="0" smtClean="0">
-                <a:solidFill>
-                  <a:schemeClr val="bg1"/>
-                </a:solidFill>
-              </a:rPr>
-              <a:t> to JVM’s</a:t>
-            </a:r>
-            <a:endParaRPr lang="en-US" sz="3200" b="1" dirty="0">
-              <a:solidFill>
-                <a:schemeClr val="bg1"/>
-              </a:solidFill>
-            </a:endParaRPr>
-          </a:p>
-        </p:txBody>
-      </p:sp>
     </p:spTree>
     <p:extLst>
       <p:ext uri="{BB962C8B-B14F-4D97-AF65-F5344CB8AC3E}">
-        <p14:creationId xmlns:p14="http://schemas.microsoft.com/office/powerpoint/2010/main" val="1809965741"/>
+        <p14:creationId xmlns:p14="http://schemas.microsoft.com/office/powerpoint/2010/main" val="3895088945"/>
       </p:ext>
     </p:extLst>
   </p:cSld>
@@ -5577,14 +6072,14 @@
       </p:grpSpPr>
       <p:sp>
         <p:nvSpPr>
-          <p:cNvPr id="19" name="TextBox 18"/>
+          <p:cNvPr id="4" name="TextBox 3"/>
           <p:cNvSpPr txBox="1"/>
           <p:nvPr/>
         </p:nvSpPr>
         <p:spPr>
           <a:xfrm>
-            <a:off x="-46949" y="3258533"/>
-            <a:ext cx="3201457" cy="1077218"/>
+            <a:off x="3949567" y="0"/>
+            <a:ext cx="5646820" cy="584775"/>
           </a:xfrm>
           <a:prstGeom prst="rect">
             <a:avLst/>
@@ -5597,9 +6092,8 @@
           </a:bodyPr>
           <a:lstStyle/>
           <a:p>
-            <a:pPr algn="ctr"/>
-            <a:r>
-              <a:rPr lang="en-US" sz="3200" b="1" dirty="0" smtClean="0">
+            <a:r>
+              <a:rPr lang="en-US" sz="3200" b="1" dirty="0" err="1" smtClean="0">
                 <a:solidFill>
                   <a:schemeClr val="accent2">
                     <a:lumMod val="60000"/>
@@ -5607,7 +6101,7 @@
                   </a:schemeClr>
                 </a:solidFill>
               </a:rPr>
-              <a:t>Auto Reminder SWF </a:t>
+              <a:t>Cron</a:t>
             </a:r>
             <a:r>
               <a:rPr lang="en-US" sz="3200" b="1" dirty="0" smtClean="0">
@@ -5618,7 +6112,18 @@
                   </a:schemeClr>
                 </a:solidFill>
               </a:rPr>
-              <a:t>Workflow</a:t>
+              <a:t> </a:t>
+            </a:r>
+            <a:r>
+              <a:rPr lang="en-US" sz="3200" b="1" dirty="0" smtClean="0">
+                <a:solidFill>
+                  <a:schemeClr val="accent2">
+                    <a:lumMod val="60000"/>
+                    <a:lumOff val="40000"/>
+                  </a:schemeClr>
+                </a:solidFill>
+              </a:rPr>
+              <a:t>workflow - Issues</a:t>
             </a:r>
             <a:endParaRPr lang="en-US" sz="3200" b="1" dirty="0">
               <a:solidFill>
@@ -5633,342 +6138,266 @@
       </p:sp>
       <p:sp>
         <p:nvSpPr>
-          <p:cNvPr id="14" name="Rectangle 13"/>
-          <p:cNvSpPr/>
+          <p:cNvPr id="3" name="TextBox 2"/>
+          <p:cNvSpPr txBox="1"/>
           <p:nvPr/>
         </p:nvSpPr>
         <p:spPr>
           <a:xfrm>
-            <a:off x="4637774" y="5203877"/>
-            <a:ext cx="1491915" cy="519764"/>
-          </a:xfrm>
-          <a:prstGeom prst="rect">
-            <a:avLst/>
-          </a:prstGeom>
-          <a:solidFill>
-            <a:schemeClr val="bg2">
-              <a:lumMod val="50000"/>
-            </a:schemeClr>
-          </a:solidFill>
-          <a:ln>
-            <a:noFill/>
-          </a:ln>
-        </p:spPr>
-        <p:style>
-          <a:lnRef idx="2">
-            <a:schemeClr val="accent1">
-              <a:shade val="50000"/>
-            </a:schemeClr>
-          </a:lnRef>
-          <a:fillRef idx="1">
-            <a:schemeClr val="accent1"/>
-          </a:fillRef>
-          <a:effectRef idx="0">
-            <a:schemeClr val="accent1"/>
-          </a:effectRef>
-          <a:fontRef idx="minor">
-            <a:schemeClr val="lt1"/>
-          </a:fontRef>
-        </p:style>
-        <p:txBody>
-          <a:bodyPr rtlCol="0" anchor="ctr"/>
-          <a:lstStyle/>
-          <a:p>
-            <a:pPr algn="ctr"/>
-            <a:endParaRPr lang="en-US"/>
-          </a:p>
-        </p:txBody>
-      </p:sp>
-      <p:sp>
-        <p:nvSpPr>
-          <p:cNvPr id="16" name="Rectangle 15"/>
-          <p:cNvSpPr/>
-          <p:nvPr/>
-        </p:nvSpPr>
-        <p:spPr>
-          <a:xfrm>
-            <a:off x="4290646" y="401934"/>
-            <a:ext cx="944545" cy="854110"/>
-          </a:xfrm>
-          <a:prstGeom prst="rect">
-            <a:avLst/>
-          </a:prstGeom>
-          <a:solidFill>
-            <a:schemeClr val="bg2">
-              <a:lumMod val="50000"/>
-            </a:schemeClr>
-          </a:solidFill>
-          <a:ln>
-            <a:noFill/>
-          </a:ln>
-        </p:spPr>
-        <p:style>
-          <a:lnRef idx="2">
-            <a:schemeClr val="accent1">
-              <a:shade val="50000"/>
-            </a:schemeClr>
-          </a:lnRef>
-          <a:fillRef idx="1">
-            <a:schemeClr val="accent1"/>
-          </a:fillRef>
-          <a:effectRef idx="0">
-            <a:schemeClr val="accent1"/>
-          </a:effectRef>
-          <a:fontRef idx="minor">
-            <a:schemeClr val="lt1"/>
-          </a:fontRef>
-        </p:style>
-        <p:txBody>
-          <a:bodyPr rtlCol="0" anchor="ctr"/>
-          <a:lstStyle/>
-          <a:p>
-            <a:pPr algn="ctr"/>
-            <a:endParaRPr lang="en-US"/>
-          </a:p>
-        </p:txBody>
-      </p:sp>
-      <p:sp>
-        <p:nvSpPr>
-          <p:cNvPr id="21" name="Rectangle 20"/>
-          <p:cNvSpPr/>
-          <p:nvPr/>
-        </p:nvSpPr>
-        <p:spPr>
-          <a:xfrm>
-            <a:off x="5255287" y="401934"/>
-            <a:ext cx="258105" cy="311497"/>
-          </a:xfrm>
-          <a:prstGeom prst="rect">
-            <a:avLst/>
-          </a:prstGeom>
-          <a:solidFill>
-            <a:schemeClr val="bg2">
-              <a:lumMod val="50000"/>
-            </a:schemeClr>
-          </a:solidFill>
-          <a:ln>
-            <a:noFill/>
-          </a:ln>
-        </p:spPr>
-        <p:style>
-          <a:lnRef idx="2">
-            <a:schemeClr val="accent1">
-              <a:shade val="50000"/>
-            </a:schemeClr>
-          </a:lnRef>
-          <a:fillRef idx="1">
-            <a:schemeClr val="accent1"/>
-          </a:fillRef>
-          <a:effectRef idx="0">
-            <a:schemeClr val="accent1"/>
-          </a:effectRef>
-          <a:fontRef idx="minor">
-            <a:schemeClr val="lt1"/>
-          </a:fontRef>
-        </p:style>
-        <p:txBody>
-          <a:bodyPr rtlCol="0" anchor="ctr"/>
-          <a:lstStyle/>
-          <a:p>
-            <a:pPr algn="ctr"/>
-            <a:endParaRPr lang="en-US"/>
-          </a:p>
-        </p:txBody>
-      </p:sp>
-      <p:pic>
-        <p:nvPicPr>
-          <p:cNvPr id="5" name="Picture 4"/>
-          <p:cNvPicPr>
-            <a:picLocks noChangeAspect="1"/>
-          </p:cNvPicPr>
-          <p:nvPr/>
-        </p:nvPicPr>
-        <p:blipFill>
-          <a:blip r:embed="rId3"/>
-          <a:stretch>
-            <a:fillRect/>
-          </a:stretch>
-        </p:blipFill>
-        <p:spPr>
-          <a:xfrm>
-            <a:off x="2859898" y="15284"/>
-            <a:ext cx="9332102" cy="6797497"/>
-          </a:xfrm>
-          <a:prstGeom prst="rect">
-            <a:avLst/>
-          </a:prstGeom>
-        </p:spPr>
-      </p:pic>
-      <p:cxnSp>
-        <p:nvCxnSpPr>
-          <p:cNvPr id="9" name="Straight Connector 8"/>
-          <p:cNvCxnSpPr/>
-          <p:nvPr/>
-        </p:nvCxnSpPr>
-        <p:spPr>
-          <a:xfrm>
-            <a:off x="10903263" y="1506240"/>
-            <a:ext cx="40193" cy="4371033"/>
-          </a:xfrm>
-          <a:prstGeom prst="line">
-            <a:avLst/>
-          </a:prstGeom>
-          <a:ln w="12700">
-            <a:solidFill>
-              <a:srgbClr val="00B0F0"/>
-            </a:solidFill>
-          </a:ln>
-        </p:spPr>
-        <p:style>
-          <a:lnRef idx="1">
-            <a:schemeClr val="accent1"/>
-          </a:lnRef>
-          <a:fillRef idx="0">
-            <a:schemeClr val="accent1"/>
-          </a:fillRef>
-          <a:effectRef idx="0">
-            <a:schemeClr val="accent1"/>
-          </a:effectRef>
-          <a:fontRef idx="minor">
-            <a:schemeClr val="tx1"/>
-          </a:fontRef>
-        </p:style>
-      </p:cxnSp>
-      <p:cxnSp>
-        <p:nvCxnSpPr>
-          <p:cNvPr id="17" name="Straight Connector 16"/>
-          <p:cNvCxnSpPr/>
-          <p:nvPr/>
-        </p:nvCxnSpPr>
-        <p:spPr>
-          <a:xfrm>
-            <a:off x="9569491" y="1508963"/>
-            <a:ext cx="40193" cy="4371033"/>
-          </a:xfrm>
-          <a:prstGeom prst="line">
-            <a:avLst/>
-          </a:prstGeom>
-          <a:ln w="12700">
-            <a:solidFill>
-              <a:srgbClr val="00B0F0"/>
-            </a:solidFill>
-          </a:ln>
-        </p:spPr>
-        <p:style>
-          <a:lnRef idx="1">
-            <a:schemeClr val="accent1"/>
-          </a:lnRef>
-          <a:fillRef idx="0">
-            <a:schemeClr val="accent1"/>
-          </a:fillRef>
-          <a:effectRef idx="0">
-            <a:schemeClr val="accent1"/>
-          </a:effectRef>
-          <a:fontRef idx="minor">
-            <a:schemeClr val="tx1"/>
-          </a:fontRef>
-        </p:style>
-      </p:cxnSp>
-      <p:sp>
-        <p:nvSpPr>
-          <p:cNvPr id="23" name="Rectangle 22"/>
-          <p:cNvSpPr/>
-          <p:nvPr/>
-        </p:nvSpPr>
-        <p:spPr>
-          <a:xfrm>
-            <a:off x="8131760" y="1516288"/>
-            <a:ext cx="4034937" cy="4343400"/>
+            <a:off x="1160425" y="752992"/>
+            <a:ext cx="10596146" cy="6001643"/>
           </a:xfrm>
           <a:prstGeom prst="rect">
             <a:avLst/>
           </a:prstGeom>
           <a:noFill/>
-          <a:ln w="19050">
-            <a:solidFill>
-              <a:srgbClr val="00B0F0"/>
-            </a:solidFill>
-          </a:ln>
         </p:spPr>
-        <p:style>
-          <a:lnRef idx="2">
-            <a:schemeClr val="accent1">
-              <a:shade val="50000"/>
-            </a:schemeClr>
-          </a:lnRef>
-          <a:fillRef idx="1">
-            <a:schemeClr val="accent1"/>
-          </a:fillRef>
-          <a:effectRef idx="0">
-            <a:schemeClr val="accent1"/>
-          </a:effectRef>
-          <a:fontRef idx="minor">
-            <a:schemeClr val="lt1"/>
-          </a:fontRef>
-        </p:style>
         <p:txBody>
-          <a:bodyPr rtlCol="0" anchor="ctr"/>
+          <a:bodyPr wrap="square" rtlCol="0">
+            <a:spAutoFit/>
+          </a:bodyPr>
           <a:lstStyle/>
           <a:p>
-            <a:pPr algn="ctr"/>
-            <a:endParaRPr lang="en-US">
+            <a:pPr marL="571500" indent="-571500">
+              <a:buFont typeface="Arial" panose="020B0604020202020204" pitchFamily="34" charset="0"/>
+              <a:buChar char="•"/>
+            </a:pPr>
+            <a:r>
+              <a:rPr lang="en-US" sz="3200" b="1" dirty="0" smtClean="0">
+                <a:solidFill>
+                  <a:srgbClr val="00B0F0"/>
+                </a:solidFill>
+              </a:rPr>
+              <a:t>Lost </a:t>
+            </a:r>
+            <a:r>
+              <a:rPr lang="en-US" sz="3200" b="1" dirty="0" smtClean="0">
+                <a:solidFill>
+                  <a:srgbClr val="00B0F0"/>
+                </a:solidFill>
+              </a:rPr>
+              <a:t>schedules</a:t>
+            </a:r>
+            <a:endParaRPr lang="en-US" sz="3200" b="1" dirty="0" smtClean="0">
               <a:solidFill>
                 <a:srgbClr val="00B0F0"/>
               </a:solidFill>
             </a:endParaRPr>
           </a:p>
-        </p:txBody>
-      </p:sp>
-      <p:sp>
-        <p:nvSpPr>
-          <p:cNvPr id="7" name="Rectangle 6"/>
-          <p:cNvSpPr/>
-          <p:nvPr/>
-        </p:nvSpPr>
-        <p:spPr>
-          <a:xfrm>
-            <a:off x="5828042" y="20096"/>
-            <a:ext cx="1708220" cy="3697794"/>
-          </a:xfrm>
-          <a:prstGeom prst="rect">
-            <a:avLst/>
-          </a:prstGeom>
-          <a:noFill/>
-          <a:ln w="22225">
-            <a:solidFill>
-              <a:srgbClr val="00B0F0"/>
-            </a:solidFill>
-          </a:ln>
-        </p:spPr>
-        <p:style>
-          <a:lnRef idx="2">
-            <a:schemeClr val="accent1">
-              <a:shade val="50000"/>
-            </a:schemeClr>
-          </a:lnRef>
-          <a:fillRef idx="1">
-            <a:schemeClr val="accent1"/>
-          </a:fillRef>
-          <a:effectRef idx="0">
-            <a:schemeClr val="accent1"/>
-          </a:effectRef>
-          <a:fontRef idx="minor">
-            <a:schemeClr val="lt1"/>
-          </a:fontRef>
-        </p:style>
-        <p:txBody>
-          <a:bodyPr rtlCol="0" anchor="ctr"/>
-          <a:lstStyle/>
-          <a:p>
-            <a:pPr algn="ctr"/>
-            <a:endParaRPr lang="en-US"/>
+          <a:p>
+            <a:pPr marL="571500" indent="-571500">
+              <a:buFont typeface="Arial" panose="020B0604020202020204" pitchFamily="34" charset="0"/>
+              <a:buChar char="•"/>
+            </a:pPr>
+            <a:r>
+              <a:rPr lang="en-US" sz="3200" b="1" dirty="0">
+                <a:solidFill>
+                  <a:srgbClr val="00B0F0"/>
+                </a:solidFill>
+              </a:rPr>
+              <a:t>Co-ordination among Admin host and </a:t>
+            </a:r>
+            <a:r>
+              <a:rPr lang="en-US" sz="3200" b="1" dirty="0" err="1">
+                <a:solidFill>
+                  <a:srgbClr val="00B0F0"/>
+                </a:solidFill>
+              </a:rPr>
+              <a:t>Cron</a:t>
+            </a:r>
+            <a:r>
+              <a:rPr lang="en-US" sz="3200" b="1" dirty="0">
+                <a:solidFill>
+                  <a:srgbClr val="00B0F0"/>
+                </a:solidFill>
+              </a:rPr>
+              <a:t> Hosts</a:t>
+            </a:r>
+          </a:p>
+          <a:p>
+            <a:pPr marL="1028700" lvl="1" indent="-571500">
+              <a:buFont typeface="Arial" panose="020B0604020202020204" pitchFamily="34" charset="0"/>
+              <a:buChar char="•"/>
+            </a:pPr>
+            <a:r>
+              <a:rPr lang="en-US" sz="3200" b="1" dirty="0" smtClean="0">
+                <a:solidFill>
+                  <a:schemeClr val="bg1"/>
+                </a:solidFill>
+              </a:rPr>
+              <a:t>Admin host crash can be Single Point of Failure</a:t>
+            </a:r>
+          </a:p>
+          <a:p>
+            <a:pPr marL="571500" indent="-571500">
+              <a:buFont typeface="Arial" panose="020B0604020202020204" pitchFamily="34" charset="0"/>
+              <a:buChar char="•"/>
+            </a:pPr>
+            <a:r>
+              <a:rPr lang="en-US" sz="3200" b="1" dirty="0">
+                <a:solidFill>
+                  <a:srgbClr val="00B0F0"/>
+                </a:solidFill>
+              </a:rPr>
+              <a:t>Reliability</a:t>
+            </a:r>
+          </a:p>
+          <a:p>
+            <a:pPr marL="1028700" lvl="1" indent="-571500">
+              <a:buFont typeface="Arial" panose="020B0604020202020204" pitchFamily="34" charset="0"/>
+              <a:buChar char="•"/>
+            </a:pPr>
+            <a:r>
+              <a:rPr lang="en-US" sz="3200" b="1" dirty="0" err="1" smtClean="0">
+                <a:solidFill>
+                  <a:schemeClr val="bg1"/>
+                </a:solidFill>
+              </a:rPr>
+              <a:t>Cron</a:t>
+            </a:r>
+            <a:r>
+              <a:rPr lang="en-US" sz="3200" b="1" dirty="0" smtClean="0">
+                <a:solidFill>
+                  <a:schemeClr val="bg1"/>
+                </a:solidFill>
+              </a:rPr>
+              <a:t> host crash/fail can halt the processing</a:t>
+            </a:r>
+            <a:endParaRPr lang="en-US" sz="3200" b="1" dirty="0" smtClean="0">
+              <a:solidFill>
+                <a:schemeClr val="bg1"/>
+              </a:solidFill>
+            </a:endParaRPr>
+          </a:p>
+          <a:p>
+            <a:pPr marL="571500" indent="-571500">
+              <a:buFont typeface="Arial" panose="020B0604020202020204" pitchFamily="34" charset="0"/>
+              <a:buChar char="•"/>
+            </a:pPr>
+            <a:r>
+              <a:rPr lang="en-US" sz="3200" b="1" dirty="0">
+                <a:solidFill>
+                  <a:srgbClr val="00B0F0"/>
+                </a:solidFill>
+              </a:rPr>
+              <a:t>Scalability</a:t>
+            </a:r>
+          </a:p>
+          <a:p>
+            <a:pPr marL="1028700" lvl="1" indent="-571500">
+              <a:buFont typeface="Arial" panose="020B0604020202020204" pitchFamily="34" charset="0"/>
+              <a:buChar char="•"/>
+            </a:pPr>
+            <a:r>
+              <a:rPr lang="en-US" sz="3200" b="1" dirty="0" smtClean="0">
+                <a:solidFill>
+                  <a:schemeClr val="bg1"/>
+                </a:solidFill>
+              </a:rPr>
+              <a:t>Without configuration change we cannot scale out</a:t>
+            </a:r>
+            <a:endParaRPr lang="en-US" sz="3200" b="1" dirty="0" smtClean="0">
+              <a:solidFill>
+                <a:schemeClr val="bg1"/>
+              </a:solidFill>
+            </a:endParaRPr>
+          </a:p>
+          <a:p>
+            <a:pPr marL="571500" indent="-571500">
+              <a:buFont typeface="Arial" panose="020B0604020202020204" pitchFamily="34" charset="0"/>
+              <a:buChar char="•"/>
+            </a:pPr>
+            <a:r>
+              <a:rPr lang="en-US" sz="3200" b="1" dirty="0">
+                <a:solidFill>
+                  <a:srgbClr val="00B0F0"/>
+                </a:solidFill>
+              </a:rPr>
+              <a:t>Failure Handling</a:t>
+            </a:r>
+          </a:p>
+          <a:p>
+            <a:pPr marL="1028700" lvl="1" indent="-571500">
+              <a:buFont typeface="Arial" panose="020B0604020202020204" pitchFamily="34" charset="0"/>
+              <a:buChar char="•"/>
+            </a:pPr>
+            <a:r>
+              <a:rPr lang="en-US" sz="3200" b="1" dirty="0" smtClean="0">
+                <a:solidFill>
+                  <a:schemeClr val="bg1"/>
+                </a:solidFill>
+              </a:rPr>
+              <a:t>Failures in </a:t>
+            </a:r>
+            <a:r>
+              <a:rPr lang="en-US" sz="3200" b="1" dirty="0" err="1" smtClean="0">
+                <a:solidFill>
+                  <a:schemeClr val="bg1"/>
+                </a:solidFill>
+              </a:rPr>
+              <a:t>Cron</a:t>
+            </a:r>
+            <a:r>
+              <a:rPr lang="en-US" sz="3200" b="1" dirty="0" smtClean="0">
+                <a:solidFill>
+                  <a:schemeClr val="bg1"/>
+                </a:solidFill>
+              </a:rPr>
+              <a:t> hosts cannot be detected by Admin host</a:t>
+            </a:r>
+            <a:endParaRPr lang="en-US" sz="3200" b="1" dirty="0" smtClean="0">
+              <a:solidFill>
+                <a:schemeClr val="bg1"/>
+              </a:solidFill>
+            </a:endParaRPr>
+          </a:p>
+          <a:p>
+            <a:pPr marL="571500" indent="-571500">
+              <a:buFont typeface="Arial" panose="020B0604020202020204" pitchFamily="34" charset="0"/>
+              <a:buChar char="•"/>
+            </a:pPr>
+            <a:r>
+              <a:rPr lang="en-US" sz="3200" b="1" dirty="0">
+                <a:solidFill>
+                  <a:srgbClr val="00B0F0"/>
+                </a:solidFill>
+              </a:rPr>
+              <a:t>Inefficient</a:t>
+            </a:r>
+          </a:p>
+          <a:p>
+            <a:pPr marL="1028700" lvl="1" indent="-571500">
+              <a:buFont typeface="Arial" panose="020B0604020202020204" pitchFamily="34" charset="0"/>
+              <a:buChar char="•"/>
+            </a:pPr>
+            <a:r>
+              <a:rPr lang="en-US" sz="3200" b="1" dirty="0" smtClean="0">
+                <a:solidFill>
+                  <a:schemeClr val="bg1"/>
+                </a:solidFill>
+              </a:rPr>
+              <a:t>Uneven distribution of </a:t>
+            </a:r>
+            <a:r>
+              <a:rPr lang="en-US" sz="3200" b="1" dirty="0" smtClean="0">
+                <a:solidFill>
+                  <a:schemeClr val="bg1"/>
+                </a:solidFill>
+              </a:rPr>
+              <a:t>workload</a:t>
+            </a:r>
+            <a:endParaRPr lang="en-US" sz="3200" b="1" dirty="0">
+              <a:solidFill>
+                <a:schemeClr val="bg1"/>
+              </a:solidFill>
+            </a:endParaRPr>
           </a:p>
         </p:txBody>
       </p:sp>
     </p:spTree>
     <p:extLst>
       <p:ext uri="{BB962C8B-B14F-4D97-AF65-F5344CB8AC3E}">
-        <p14:creationId xmlns:p14="http://schemas.microsoft.com/office/powerpoint/2010/main" val="1183947200"/>
+        <p14:creationId xmlns:p14="http://schemas.microsoft.com/office/powerpoint/2010/main" val="1809965741"/>
       </p:ext>
     </p:extLst>
   </p:cSld>
@@ -5986,6 +6415,214 @@
 </file>
 
 <file path=ppt/slides/slide6.xml><?xml version="1.0" encoding="utf-8"?>
+<p:sld xmlns:a="http://schemas.openxmlformats.org/drawingml/2006/main" xmlns:r="http://schemas.openxmlformats.org/officeDocument/2006/relationships" xmlns:p="http://schemas.openxmlformats.org/presentationml/2006/main">
+  <p:cSld>
+    <p:bg>
+      <p:bgPr>
+        <a:solidFill>
+          <a:schemeClr val="bg2">
+            <a:lumMod val="50000"/>
+          </a:schemeClr>
+        </a:solidFill>
+        <a:effectLst/>
+      </p:bgPr>
+    </p:bg>
+    <p:spTree>
+      <p:nvGrpSpPr>
+        <p:cNvPr id="1" name=""/>
+        <p:cNvGrpSpPr/>
+        <p:nvPr/>
+      </p:nvGrpSpPr>
+      <p:grpSpPr>
+        <a:xfrm>
+          <a:off x="0" y="0"/>
+          <a:ext cx="0" cy="0"/>
+          <a:chOff x="0" y="0"/>
+          <a:chExt cx="0" cy="0"/>
+        </a:xfrm>
+      </p:grpSpPr>
+      <p:sp>
+        <p:nvSpPr>
+          <p:cNvPr id="42" name="TextBox 41"/>
+          <p:cNvSpPr txBox="1"/>
+          <p:nvPr/>
+        </p:nvSpPr>
+        <p:spPr>
+          <a:xfrm>
+            <a:off x="2158466" y="127840"/>
+            <a:ext cx="7875069" cy="584775"/>
+          </a:xfrm>
+          <a:prstGeom prst="rect">
+            <a:avLst/>
+          </a:prstGeom>
+          <a:noFill/>
+        </p:spPr>
+        <p:txBody>
+          <a:bodyPr wrap="square" rtlCol="0">
+            <a:spAutoFit/>
+          </a:bodyPr>
+          <a:lstStyle/>
+          <a:p>
+            <a:pPr algn="ctr"/>
+            <a:r>
+              <a:rPr lang="en-US" sz="3200" b="1" dirty="0" smtClean="0">
+                <a:solidFill>
+                  <a:schemeClr val="accent2">
+                    <a:lumMod val="60000"/>
+                    <a:lumOff val="40000"/>
+                  </a:schemeClr>
+                </a:solidFill>
+              </a:rPr>
+              <a:t>How SWF helps</a:t>
+            </a:r>
+            <a:endParaRPr lang="en-US" sz="3200" b="1" dirty="0">
+              <a:solidFill>
+                <a:schemeClr val="accent2">
+                  <a:lumMod val="60000"/>
+                  <a:lumOff val="40000"/>
+                </a:schemeClr>
+              </a:solidFill>
+            </a:endParaRPr>
+          </a:p>
+        </p:txBody>
+      </p:sp>
+      <p:sp>
+        <p:nvSpPr>
+          <p:cNvPr id="2" name="TextBox 1"/>
+          <p:cNvSpPr txBox="1"/>
+          <p:nvPr/>
+        </p:nvSpPr>
+        <p:spPr>
+          <a:xfrm>
+            <a:off x="1075174" y="1316334"/>
+            <a:ext cx="10128738" cy="4524315"/>
+          </a:xfrm>
+          <a:prstGeom prst="rect">
+            <a:avLst/>
+          </a:prstGeom>
+          <a:noFill/>
+        </p:spPr>
+        <p:txBody>
+          <a:bodyPr wrap="square" rtlCol="0">
+            <a:spAutoFit/>
+          </a:bodyPr>
+          <a:lstStyle/>
+          <a:p>
+            <a:pPr marL="457200" indent="-457200">
+              <a:buFont typeface="Arial" panose="020B0604020202020204" pitchFamily="34" charset="0"/>
+              <a:buChar char="•"/>
+            </a:pPr>
+            <a:r>
+              <a:rPr lang="en-US" sz="3200" dirty="0" smtClean="0">
+                <a:solidFill>
+                  <a:schemeClr val="bg1">
+                    <a:lumMod val="85000"/>
+                  </a:schemeClr>
+                </a:solidFill>
+              </a:rPr>
+              <a:t>SWF provides framework/services for executing </a:t>
+            </a:r>
+            <a:r>
+              <a:rPr lang="en-US" sz="3200" dirty="0">
+                <a:solidFill>
+                  <a:schemeClr val="bg1">
+                    <a:lumMod val="85000"/>
+                  </a:schemeClr>
+                </a:solidFill>
+              </a:rPr>
+              <a:t>distributed workflow </a:t>
+            </a:r>
+            <a:r>
+              <a:rPr lang="en-US" sz="3200" dirty="0" smtClean="0">
+                <a:solidFill>
+                  <a:schemeClr val="bg1">
+                    <a:lumMod val="85000"/>
+                  </a:schemeClr>
+                </a:solidFill>
+              </a:rPr>
+              <a:t>on a periodic basis</a:t>
+            </a:r>
+          </a:p>
+          <a:p>
+            <a:endParaRPr lang="en-US" sz="3200" dirty="0" smtClean="0">
+              <a:solidFill>
+                <a:schemeClr val="bg1">
+                  <a:lumMod val="85000"/>
+                </a:schemeClr>
+              </a:solidFill>
+            </a:endParaRPr>
+          </a:p>
+          <a:p>
+            <a:pPr marL="457200" indent="-457200">
+              <a:buFont typeface="Arial" panose="020B0604020202020204" pitchFamily="34" charset="0"/>
+              <a:buChar char="•"/>
+            </a:pPr>
+            <a:r>
+              <a:rPr lang="en-US" sz="3200" dirty="0" smtClean="0">
+                <a:solidFill>
+                  <a:schemeClr val="bg1">
+                    <a:lumMod val="85000"/>
+                  </a:schemeClr>
+                </a:solidFill>
+              </a:rPr>
+              <a:t>Workflows can offload/divide the work to several workers running altogether in different machines through SWF as the medium</a:t>
+            </a:r>
+          </a:p>
+          <a:p>
+            <a:endParaRPr lang="en-US" sz="3200" dirty="0" smtClean="0">
+              <a:solidFill>
+                <a:schemeClr val="bg1">
+                  <a:lumMod val="85000"/>
+                </a:schemeClr>
+              </a:solidFill>
+            </a:endParaRPr>
+          </a:p>
+          <a:p>
+            <a:pPr marL="457200" indent="-457200">
+              <a:buFont typeface="Arial" panose="020B0604020202020204" pitchFamily="34" charset="0"/>
+              <a:buChar char="•"/>
+            </a:pPr>
+            <a:r>
+              <a:rPr lang="en-US" sz="3200" dirty="0" smtClean="0">
+                <a:solidFill>
+                  <a:schemeClr val="bg1">
+                    <a:lumMod val="85000"/>
+                  </a:schemeClr>
+                </a:solidFill>
+              </a:rPr>
+              <a:t>SWF takes care of co-ordination, scalability and failure handling among other things</a:t>
+            </a:r>
+            <a:endParaRPr lang="en-US" sz="3200" dirty="0">
+              <a:solidFill>
+                <a:schemeClr val="bg1">
+                  <a:lumMod val="85000"/>
+                </a:schemeClr>
+              </a:solidFill>
+            </a:endParaRPr>
+          </a:p>
+        </p:txBody>
+      </p:sp>
+    </p:spTree>
+    <p:extLst>
+      <p:ext uri="{BB962C8B-B14F-4D97-AF65-F5344CB8AC3E}">
+        <p14:creationId xmlns:p14="http://schemas.microsoft.com/office/powerpoint/2010/main" val="693611482"/>
+      </p:ext>
+    </p:extLst>
+  </p:cSld>
+  <p:clrMapOvr>
+    <a:masterClrMapping/>
+  </p:clrMapOvr>
+  <p:timing>
+    <p:tnLst>
+      <p:par>
+        <p:cTn id="1" dur="indefinite" restart="never" nodeType="tmRoot"/>
+      </p:par>
+    </p:tnLst>
+  </p:timing>
+</p:sld>
+</file>
+
+<file path=ppt/slides/slide7.xml><?xml version="1.0" encoding="utf-8"?>
 <p:sld xmlns:a="http://schemas.openxmlformats.org/drawingml/2006/main" xmlns:r="http://schemas.openxmlformats.org/officeDocument/2006/relationships" xmlns:p="http://schemas.openxmlformats.org/presentationml/2006/main">
   <p:cSld>
     <p:bg>
@@ -6306,9 +6943,9 @@
         <p:grpSpPr>
           <a:xfrm>
             <a:off x="5438274" y="673765"/>
-            <a:ext cx="6713159" cy="2118896"/>
+            <a:ext cx="6516303" cy="2225987"/>
             <a:chOff x="5438274" y="673765"/>
-            <a:chExt cx="6713159" cy="2118896"/>
+            <a:chExt cx="6516303" cy="2225987"/>
           </a:xfrm>
         </p:grpSpPr>
         <p:sp>
@@ -6365,9 +7002,9 @@
           <p:grpSpPr>
             <a:xfrm>
               <a:off x="5438274" y="1211509"/>
-              <a:ext cx="6713159" cy="1581152"/>
+              <a:ext cx="6220790" cy="1688243"/>
               <a:chOff x="5438274" y="1211509"/>
-              <a:chExt cx="6713159" cy="1581152"/>
+              <a:chExt cx="6220790" cy="1688243"/>
             </a:xfrm>
           </p:grpSpPr>
           <p:grpSp>
@@ -6378,10 +7015,10 @@
             </p:nvGrpSpPr>
             <p:grpSpPr>
               <a:xfrm>
-                <a:off x="5438274" y="1223147"/>
-                <a:ext cx="6713159" cy="1569514"/>
-                <a:chOff x="5438274" y="1223147"/>
-                <a:chExt cx="6713159" cy="1569514"/>
+                <a:off x="5438274" y="1469413"/>
+                <a:ext cx="6220790" cy="1430339"/>
+                <a:chOff x="5438274" y="1469413"/>
+                <a:chExt cx="6220790" cy="1430339"/>
               </a:xfrm>
             </p:grpSpPr>
             <p:sp>
@@ -6450,36 +7087,12 @@
               </p:nvGrpSpPr>
               <p:grpSpPr>
                 <a:xfrm>
-                  <a:off x="8533143" y="1223147"/>
-                  <a:ext cx="3618290" cy="1304819"/>
-                  <a:chOff x="8537604" y="4159441"/>
-                  <a:chExt cx="3618290" cy="1304819"/>
+                  <a:off x="8533143" y="1469413"/>
+                  <a:ext cx="3125921" cy="1430339"/>
+                  <a:chOff x="8537604" y="4405707"/>
+                  <a:chExt cx="3125921" cy="1430339"/>
                 </a:xfrm>
               </p:grpSpPr>
-              <p:pic>
-                <p:nvPicPr>
-                  <p:cNvPr id="47" name="Picture 46"/>
-                  <p:cNvPicPr>
-                    <a:picLocks noChangeAspect="1"/>
-                  </p:cNvPicPr>
-                  <p:nvPr/>
-                </p:nvPicPr>
-                <p:blipFill>
-                  <a:blip r:embed="rId4"/>
-                  <a:stretch>
-                    <a:fillRect/>
-                  </a:stretch>
-                </p:blipFill>
-                <p:spPr>
-                  <a:xfrm>
-                    <a:off x="10025414" y="4405707"/>
-                    <a:ext cx="1020278" cy="1058553"/>
-                  </a:xfrm>
-                  <a:prstGeom prst="rect">
-                    <a:avLst/>
-                  </a:prstGeom>
-                </p:spPr>
-              </p:pic>
               <p:pic>
                 <p:nvPicPr>
                   <p:cNvPr id="48" name="Picture 10" descr="Image result for settings"/>
@@ -6489,7 +7102,7 @@
                   <p:nvPr/>
                 </p:nvPicPr>
                 <p:blipFill>
-                  <a:blip r:embed="rId5" cstate="print">
+                  <a:blip r:embed="rId4" cstate="print">
                     <a:extLst>
                       <a:ext uri="{28A0092B-C50C-407E-A947-70E740481C1C}">
                         <a14:useLocalDpi xmlns:a14="http://schemas.microsoft.com/office/drawing/2010/main" val="0"/>
@@ -6503,7 +7116,7 @@
                 </p:blipFill>
                 <p:spPr bwMode="auto">
                   <a:xfrm>
-                    <a:off x="11377056" y="5016786"/>
+                    <a:off x="10884687" y="5388572"/>
                     <a:ext cx="447474" cy="447474"/>
                   </a:xfrm>
                   <a:prstGeom prst="rect">
@@ -6529,7 +7142,7 @@
                 </p:nvSpPr>
                 <p:spPr>
                   <a:xfrm>
-                    <a:off x="11045692" y="4159441"/>
+                    <a:off x="10553323" y="4531227"/>
                     <a:ext cx="1110202" cy="923330"/>
                   </a:xfrm>
                   <a:prstGeom prst="rect">
@@ -6706,9 +7319,9 @@
         <p:grpSpPr>
           <a:xfrm>
             <a:off x="7267074" y="2527966"/>
-            <a:ext cx="4892956" cy="2055899"/>
+            <a:ext cx="4470927" cy="2457834"/>
             <a:chOff x="7267074" y="2527966"/>
-            <a:chExt cx="4892956" cy="2055899"/>
+            <a:chExt cx="4470927" cy="2457834"/>
           </a:xfrm>
         </p:grpSpPr>
         <p:grpSp>
@@ -6720,9 +7333,9 @@
           <p:grpSpPr>
             <a:xfrm>
               <a:off x="7267074" y="2527966"/>
-              <a:ext cx="4892956" cy="2055899"/>
+              <a:ext cx="4470927" cy="2457834"/>
               <a:chOff x="7267074" y="2527966"/>
-              <a:chExt cx="4892956" cy="2055899"/>
+              <a:chExt cx="4470927" cy="2457834"/>
             </a:xfrm>
           </p:grpSpPr>
           <p:grpSp>
@@ -6733,36 +7346,12 @@
             </p:nvGrpSpPr>
             <p:grpSpPr>
               <a:xfrm>
-                <a:off x="8541740" y="3289096"/>
-                <a:ext cx="3618290" cy="1294769"/>
-                <a:chOff x="8537604" y="4169491"/>
-                <a:chExt cx="3618290" cy="1294769"/>
+                <a:off x="8541740" y="3525312"/>
+                <a:ext cx="3196261" cy="1460488"/>
+                <a:chOff x="8537604" y="4405707"/>
+                <a:chExt cx="3196261" cy="1460488"/>
               </a:xfrm>
             </p:grpSpPr>
-            <p:pic>
-              <p:nvPicPr>
-                <p:cNvPr id="52" name="Picture 51"/>
-                <p:cNvPicPr>
-                  <a:picLocks noChangeAspect="1"/>
-                </p:cNvPicPr>
-                <p:nvPr/>
-              </p:nvPicPr>
-              <p:blipFill>
-                <a:blip r:embed="rId4"/>
-                <a:stretch>
-                  <a:fillRect/>
-                </a:stretch>
-              </p:blipFill>
-              <p:spPr>
-                <a:xfrm>
-                  <a:off x="10025414" y="4405707"/>
-                  <a:ext cx="1020278" cy="1058553"/>
-                </a:xfrm>
-                <a:prstGeom prst="rect">
-                  <a:avLst/>
-                </a:prstGeom>
-              </p:spPr>
-            </p:pic>
             <p:pic>
               <p:nvPicPr>
                 <p:cNvPr id="53" name="Picture 10" descr="Image result for settings"/>
@@ -6772,7 +7361,7 @@
                 <p:nvPr/>
               </p:nvPicPr>
               <p:blipFill>
-                <a:blip r:embed="rId5" cstate="print">
+                <a:blip r:embed="rId4" cstate="print">
                   <a:extLst>
                     <a:ext uri="{28A0092B-C50C-407E-A947-70E740481C1C}">
                       <a14:useLocalDpi xmlns:a14="http://schemas.microsoft.com/office/drawing/2010/main" val="0"/>
@@ -6786,7 +7375,7 @@
               </p:blipFill>
               <p:spPr bwMode="auto">
                 <a:xfrm>
-                  <a:off x="11377056" y="5016786"/>
+                  <a:off x="10955027" y="5418721"/>
                   <a:ext cx="447474" cy="447474"/>
                 </a:xfrm>
                 <a:prstGeom prst="rect">
@@ -6812,7 +7401,7 @@
               </p:nvSpPr>
               <p:spPr>
                 <a:xfrm>
-                  <a:off x="11045692" y="4169491"/>
+                  <a:off x="10623663" y="4571426"/>
                   <a:ext cx="1110202" cy="923330"/>
                 </a:xfrm>
                 <a:prstGeom prst="rect">
@@ -7213,9 +7802,9 @@
         <p:grpSpPr>
           <a:xfrm>
             <a:off x="5439952" y="2959691"/>
-            <a:ext cx="6715942" cy="3803976"/>
+            <a:ext cx="6283860" cy="3864264"/>
             <a:chOff x="5439952" y="2959691"/>
-            <a:chExt cx="6715942" cy="3803976"/>
+            <a:chExt cx="6283860" cy="3864264"/>
           </a:xfrm>
         </p:grpSpPr>
         <p:sp>
@@ -7269,9 +7858,9 @@
           <p:grpSpPr>
             <a:xfrm>
               <a:off x="5439952" y="2959691"/>
-              <a:ext cx="6715942" cy="3803976"/>
+              <a:ext cx="6283860" cy="3864264"/>
               <a:chOff x="5439952" y="2959691"/>
-              <a:chExt cx="6715942" cy="3803976"/>
+              <a:chExt cx="6283860" cy="3864264"/>
             </a:xfrm>
           </p:grpSpPr>
           <p:grpSp>
@@ -7282,36 +7871,12 @@
             </p:nvGrpSpPr>
             <p:grpSpPr>
               <a:xfrm>
-                <a:off x="8537604" y="5468898"/>
-                <a:ext cx="3618290" cy="1294769"/>
-                <a:chOff x="8537604" y="4169491"/>
-                <a:chExt cx="3618290" cy="1294769"/>
+                <a:off x="8537604" y="5529186"/>
+                <a:ext cx="3186208" cy="1294769"/>
+                <a:chOff x="8537604" y="4229779"/>
+                <a:chExt cx="3186208" cy="1294769"/>
               </a:xfrm>
             </p:grpSpPr>
-            <p:pic>
-              <p:nvPicPr>
-                <p:cNvPr id="11" name="Picture 10"/>
-                <p:cNvPicPr>
-                  <a:picLocks noChangeAspect="1"/>
-                </p:cNvPicPr>
-                <p:nvPr/>
-              </p:nvPicPr>
-              <p:blipFill>
-                <a:blip r:embed="rId4"/>
-                <a:stretch>
-                  <a:fillRect/>
-                </a:stretch>
-              </p:blipFill>
-              <p:spPr>
-                <a:xfrm>
-                  <a:off x="10025414" y="4405707"/>
-                  <a:ext cx="1020278" cy="1058553"/>
-                </a:xfrm>
-                <a:prstGeom prst="rect">
-                  <a:avLst/>
-                </a:prstGeom>
-              </p:spPr>
-            </p:pic>
             <p:pic>
               <p:nvPicPr>
                 <p:cNvPr id="1034" name="Picture 10" descr="Image result for settings"/>
@@ -7321,7 +7886,7 @@
                 <p:nvPr/>
               </p:nvPicPr>
               <p:blipFill>
-                <a:blip r:embed="rId5" cstate="print">
+                <a:blip r:embed="rId4" cstate="print">
                   <a:extLst>
                     <a:ext uri="{28A0092B-C50C-407E-A947-70E740481C1C}">
                       <a14:useLocalDpi xmlns:a14="http://schemas.microsoft.com/office/drawing/2010/main" val="0"/>
@@ -7335,7 +7900,7 @@
               </p:blipFill>
               <p:spPr bwMode="auto">
                 <a:xfrm>
-                  <a:off x="11377056" y="5016786"/>
+                  <a:off x="10944974" y="5077074"/>
                   <a:ext cx="447474" cy="447474"/>
                 </a:xfrm>
                 <a:prstGeom prst="rect">
@@ -7361,7 +7926,7 @@
               </p:nvSpPr>
               <p:spPr>
                 <a:xfrm>
-                  <a:off x="11045692" y="4169491"/>
+                  <a:off x="10613610" y="4229779"/>
                   <a:ext cx="1110202" cy="923330"/>
                 </a:xfrm>
                 <a:prstGeom prst="rect">
@@ -7642,9 +8207,9 @@
         <p:grpSpPr>
           <a:xfrm>
             <a:off x="311498" y="3717138"/>
-            <a:ext cx="6966631" cy="2517252"/>
+            <a:ext cx="6966631" cy="2498022"/>
             <a:chOff x="311498" y="3717138"/>
-            <a:chExt cx="6966631" cy="2517252"/>
+            <a:chExt cx="6966631" cy="2498022"/>
           </a:xfrm>
         </p:grpSpPr>
         <p:sp>
@@ -7714,9 +8279,9 @@
           <p:grpSpPr>
             <a:xfrm>
               <a:off x="311498" y="4850046"/>
-              <a:ext cx="4096436" cy="1384344"/>
+              <a:ext cx="4096437" cy="1365114"/>
               <a:chOff x="311498" y="4850046"/>
-              <a:chExt cx="4096436" cy="1384344"/>
+              <a:chExt cx="4096437" cy="1365114"/>
             </a:xfrm>
           </p:grpSpPr>
           <p:grpSp>
@@ -7728,35 +8293,11 @@
             <p:grpSpPr>
               <a:xfrm>
                 <a:off x="311498" y="4850046"/>
-                <a:ext cx="2461388" cy="1384344"/>
+                <a:ext cx="1656235" cy="1365114"/>
                 <a:chOff x="311498" y="4850046"/>
-                <a:chExt cx="2461388" cy="1384344"/>
+                <a:chExt cx="1656235" cy="1365114"/>
               </a:xfrm>
             </p:grpSpPr>
-            <p:pic>
-              <p:nvPicPr>
-                <p:cNvPr id="79" name="Picture 78"/>
-                <p:cNvPicPr>
-                  <a:picLocks noChangeAspect="1"/>
-                </p:cNvPicPr>
-                <p:nvPr/>
-              </p:nvPicPr>
-              <p:blipFill>
-                <a:blip r:embed="rId4"/>
-                <a:stretch>
-                  <a:fillRect/>
-                </a:stretch>
-              </p:blipFill>
-              <p:spPr>
-                <a:xfrm>
-                  <a:off x="1752608" y="5175837"/>
-                  <a:ext cx="1020278" cy="1058553"/>
-                </a:xfrm>
-                <a:prstGeom prst="rect">
-                  <a:avLst/>
-                </a:prstGeom>
-              </p:spPr>
-            </p:pic>
             <p:pic>
               <p:nvPicPr>
                 <p:cNvPr id="80" name="Picture 10" descr="Image result for settings"/>
@@ -7766,7 +8307,7 @@
                 <p:nvPr/>
               </p:nvPicPr>
               <p:blipFill>
-                <a:blip r:embed="rId5" cstate="print">
+                <a:blip r:embed="rId4" cstate="print">
                   <a:extLst>
                     <a:ext uri="{28A0092B-C50C-407E-A947-70E740481C1C}">
                       <a14:useLocalDpi xmlns:a14="http://schemas.microsoft.com/office/drawing/2010/main" val="0"/>
@@ -7852,8 +8393,8 @@
             </p:nvSpPr>
             <p:spPr>
               <a:xfrm>
-                <a:off x="2987501" y="5305926"/>
-                <a:ext cx="1420433" cy="611079"/>
+                <a:off x="2481715" y="5305926"/>
+                <a:ext cx="1926220" cy="611079"/>
               </a:xfrm>
               <a:prstGeom prst="leftRightArrow">
                 <a:avLst/>
@@ -7946,11 +8487,11 @@
           <p:spPr>
             <a:xfrm rot="10800000" flipV="1">
               <a:off x="4407935" y="3981832"/>
-              <a:ext cx="1041395" cy="1629633"/>
+              <a:ext cx="1041394" cy="1629633"/>
             </a:xfrm>
             <a:prstGeom prst="bentConnector3">
               <a:avLst>
-                <a:gd name="adj1" fmla="val 75087"/>
+                <a:gd name="adj1" fmla="val 50000"/>
               </a:avLst>
             </a:prstGeom>
             <a:ln w="25400">
@@ -7987,7 +8528,7 @@
           <p:nvPr/>
         </p:nvPicPr>
         <p:blipFill>
-          <a:blip r:embed="rId6" cstate="print">
+          <a:blip r:embed="rId5" cstate="print">
             <a:extLst>
               <a:ext uri="{28A0092B-C50C-407E-A947-70E740481C1C}">
                 <a14:useLocalDpi xmlns:a14="http://schemas.microsoft.com/office/drawing/2010/main" val="0"/>
@@ -8019,10 +8560,380 @@
           </a:extLst>
         </p:spPr>
       </p:pic>
+      <p:sp>
+        <p:nvSpPr>
+          <p:cNvPr id="2" name="Rectangle 1"/>
+          <p:cNvSpPr/>
+          <p:nvPr/>
+        </p:nvSpPr>
+        <p:spPr>
+          <a:xfrm>
+            <a:off x="279582" y="4409928"/>
+            <a:ext cx="2174399" cy="2098248"/>
+          </a:xfrm>
+          <a:prstGeom prst="rect">
+            <a:avLst/>
+          </a:prstGeom>
+          <a:noFill/>
+          <a:ln w="15875">
+            <a:solidFill>
+              <a:srgbClr val="FFFF00"/>
+            </a:solidFill>
+            <a:prstDash val="dash"/>
+          </a:ln>
+        </p:spPr>
+        <p:style>
+          <a:lnRef idx="2">
+            <a:schemeClr val="accent1">
+              <a:shade val="50000"/>
+            </a:schemeClr>
+          </a:lnRef>
+          <a:fillRef idx="1">
+            <a:schemeClr val="accent1"/>
+          </a:fillRef>
+          <a:effectRef idx="0">
+            <a:schemeClr val="accent1"/>
+          </a:effectRef>
+          <a:fontRef idx="minor">
+            <a:schemeClr val="lt1"/>
+          </a:fontRef>
+        </p:style>
+        <p:txBody>
+          <a:bodyPr rtlCol="0" anchor="ctr"/>
+          <a:lstStyle/>
+          <a:p>
+            <a:pPr algn="ctr"/>
+            <a:endParaRPr lang="en-US" dirty="0"/>
+          </a:p>
+        </p:txBody>
+      </p:sp>
+      <p:sp>
+        <p:nvSpPr>
+          <p:cNvPr id="3" name="TextBox 2"/>
+          <p:cNvSpPr txBox="1"/>
+          <p:nvPr/>
+        </p:nvSpPr>
+        <p:spPr>
+          <a:xfrm>
+            <a:off x="874250" y="4408262"/>
+            <a:ext cx="1630395" cy="369332"/>
+          </a:xfrm>
+          <a:prstGeom prst="rect">
+            <a:avLst/>
+          </a:prstGeom>
+          <a:noFill/>
+        </p:spPr>
+        <p:txBody>
+          <a:bodyPr wrap="square" rtlCol="0">
+            <a:spAutoFit/>
+          </a:bodyPr>
+          <a:lstStyle/>
+          <a:p>
+            <a:r>
+              <a:rPr lang="en-US" dirty="0" smtClean="0">
+                <a:solidFill>
+                  <a:srgbClr val="FFFF00"/>
+                </a:solidFill>
+              </a:rPr>
+              <a:t>Trust boundary</a:t>
+            </a:r>
+            <a:endParaRPr lang="en-US" dirty="0">
+              <a:solidFill>
+                <a:srgbClr val="FFFF00"/>
+              </a:solidFill>
+            </a:endParaRPr>
+          </a:p>
+        </p:txBody>
+      </p:sp>
+      <p:grpSp>
+        <p:nvGrpSpPr>
+          <p:cNvPr id="64" name="Group 63"/>
+          <p:cNvGrpSpPr/>
+          <p:nvPr/>
+        </p:nvGrpSpPr>
+        <p:grpSpPr>
+          <a:xfrm>
+            <a:off x="9978081" y="3205213"/>
+            <a:ext cx="2201524" cy="1930247"/>
+            <a:chOff x="1475007" y="3595922"/>
+            <a:chExt cx="2256307" cy="2118994"/>
+          </a:xfrm>
+        </p:grpSpPr>
+        <p:sp>
+          <p:nvSpPr>
+            <p:cNvPr id="65" name="Rectangle 64"/>
+            <p:cNvSpPr/>
+            <p:nvPr/>
+          </p:nvSpPr>
+          <p:spPr>
+            <a:xfrm>
+              <a:off x="1475007" y="3616668"/>
+              <a:ext cx="2174399" cy="2098248"/>
+            </a:xfrm>
+            <a:prstGeom prst="rect">
+              <a:avLst/>
+            </a:prstGeom>
+            <a:noFill/>
+            <a:ln w="15875">
+              <a:solidFill>
+                <a:srgbClr val="FFFF00"/>
+              </a:solidFill>
+              <a:prstDash val="dash"/>
+            </a:ln>
+          </p:spPr>
+          <p:style>
+            <a:lnRef idx="2">
+              <a:schemeClr val="accent1">
+                <a:shade val="50000"/>
+              </a:schemeClr>
+            </a:lnRef>
+            <a:fillRef idx="1">
+              <a:schemeClr val="accent1"/>
+            </a:fillRef>
+            <a:effectRef idx="0">
+              <a:schemeClr val="accent1"/>
+            </a:effectRef>
+            <a:fontRef idx="minor">
+              <a:schemeClr val="lt1"/>
+            </a:fontRef>
+          </p:style>
+          <p:txBody>
+            <a:bodyPr rtlCol="0" anchor="ctr"/>
+            <a:lstStyle/>
+            <a:p>
+              <a:pPr algn="ctr"/>
+              <a:endParaRPr lang="en-US" dirty="0"/>
+            </a:p>
+          </p:txBody>
+        </p:sp>
+        <p:sp>
+          <p:nvSpPr>
+            <p:cNvPr id="66" name="TextBox 65"/>
+            <p:cNvSpPr txBox="1"/>
+            <p:nvPr/>
+          </p:nvSpPr>
+          <p:spPr>
+            <a:xfrm>
+              <a:off x="2007328" y="3595922"/>
+              <a:ext cx="1723986" cy="369332"/>
+            </a:xfrm>
+            <a:prstGeom prst="rect">
+              <a:avLst/>
+            </a:prstGeom>
+            <a:noFill/>
+          </p:spPr>
+          <p:txBody>
+            <a:bodyPr wrap="square" rtlCol="0">
+              <a:spAutoFit/>
+            </a:bodyPr>
+            <a:lstStyle/>
+            <a:p>
+              <a:r>
+                <a:rPr lang="en-US" dirty="0" smtClean="0">
+                  <a:solidFill>
+                    <a:srgbClr val="FFFF00"/>
+                  </a:solidFill>
+                </a:rPr>
+                <a:t>Trust boundary</a:t>
+              </a:r>
+              <a:endParaRPr lang="en-US" dirty="0">
+                <a:solidFill>
+                  <a:srgbClr val="FFFF00"/>
+                </a:solidFill>
+              </a:endParaRPr>
+            </a:p>
+          </p:txBody>
+        </p:sp>
+      </p:grpSp>
+      <p:sp>
+        <p:nvSpPr>
+          <p:cNvPr id="68" name="Rectangle 67"/>
+          <p:cNvSpPr/>
+          <p:nvPr/>
+        </p:nvSpPr>
+        <p:spPr>
+          <a:xfrm>
+            <a:off x="9982806" y="1158708"/>
+            <a:ext cx="2121605" cy="1911349"/>
+          </a:xfrm>
+          <a:prstGeom prst="rect">
+            <a:avLst/>
+          </a:prstGeom>
+          <a:noFill/>
+          <a:ln w="15875">
+            <a:solidFill>
+              <a:srgbClr val="FFFF00"/>
+            </a:solidFill>
+            <a:prstDash val="dash"/>
+          </a:ln>
+        </p:spPr>
+        <p:style>
+          <a:lnRef idx="2">
+            <a:schemeClr val="accent1">
+              <a:shade val="50000"/>
+            </a:schemeClr>
+          </a:lnRef>
+          <a:fillRef idx="1">
+            <a:schemeClr val="accent1"/>
+          </a:fillRef>
+          <a:effectRef idx="0">
+            <a:schemeClr val="accent1"/>
+          </a:effectRef>
+          <a:fontRef idx="minor">
+            <a:schemeClr val="lt1"/>
+          </a:fontRef>
+        </p:style>
+        <p:txBody>
+          <a:bodyPr rtlCol="0" anchor="ctr"/>
+          <a:lstStyle/>
+          <a:p>
+            <a:pPr algn="ctr"/>
+            <a:endParaRPr lang="en-US" dirty="0"/>
+          </a:p>
+        </p:txBody>
+      </p:sp>
+      <p:sp>
+        <p:nvSpPr>
+          <p:cNvPr id="69" name="TextBox 68"/>
+          <p:cNvSpPr txBox="1"/>
+          <p:nvPr/>
+        </p:nvSpPr>
+        <p:spPr>
+          <a:xfrm>
+            <a:off x="10509872" y="1138675"/>
+            <a:ext cx="1682128" cy="336434"/>
+          </a:xfrm>
+          <a:prstGeom prst="rect">
+            <a:avLst/>
+          </a:prstGeom>
+          <a:noFill/>
+        </p:spPr>
+        <p:txBody>
+          <a:bodyPr wrap="square" rtlCol="0">
+            <a:spAutoFit/>
+          </a:bodyPr>
+          <a:lstStyle/>
+          <a:p>
+            <a:r>
+              <a:rPr lang="en-US" dirty="0" smtClean="0">
+                <a:solidFill>
+                  <a:srgbClr val="FFFF00"/>
+                </a:solidFill>
+              </a:rPr>
+              <a:t>Trust boundary</a:t>
+            </a:r>
+            <a:endParaRPr lang="en-US" dirty="0">
+              <a:solidFill>
+                <a:srgbClr val="FFFF00"/>
+              </a:solidFill>
+            </a:endParaRPr>
+          </a:p>
+        </p:txBody>
+      </p:sp>
+      <p:grpSp>
+        <p:nvGrpSpPr>
+          <p:cNvPr id="70" name="Group 69"/>
+          <p:cNvGrpSpPr/>
+          <p:nvPr/>
+        </p:nvGrpSpPr>
+        <p:grpSpPr>
+          <a:xfrm>
+            <a:off x="10012816" y="5250037"/>
+            <a:ext cx="2201524" cy="1607964"/>
+            <a:chOff x="1475007" y="3595922"/>
+            <a:chExt cx="2256307" cy="2118994"/>
+          </a:xfrm>
+        </p:grpSpPr>
+        <p:sp>
+          <p:nvSpPr>
+            <p:cNvPr id="71" name="Rectangle 70"/>
+            <p:cNvSpPr/>
+            <p:nvPr/>
+          </p:nvSpPr>
+          <p:spPr>
+            <a:xfrm>
+              <a:off x="1475007" y="3616668"/>
+              <a:ext cx="2174399" cy="2098248"/>
+            </a:xfrm>
+            <a:prstGeom prst="rect">
+              <a:avLst/>
+            </a:prstGeom>
+            <a:noFill/>
+            <a:ln w="15875">
+              <a:solidFill>
+                <a:srgbClr val="FFFF00"/>
+              </a:solidFill>
+              <a:prstDash val="dash"/>
+            </a:ln>
+          </p:spPr>
+          <p:style>
+            <a:lnRef idx="2">
+              <a:schemeClr val="accent1">
+                <a:shade val="50000"/>
+              </a:schemeClr>
+            </a:lnRef>
+            <a:fillRef idx="1">
+              <a:schemeClr val="accent1"/>
+            </a:fillRef>
+            <a:effectRef idx="0">
+              <a:schemeClr val="accent1"/>
+            </a:effectRef>
+            <a:fontRef idx="minor">
+              <a:schemeClr val="lt1"/>
+            </a:fontRef>
+          </p:style>
+          <p:txBody>
+            <a:bodyPr rtlCol="0" anchor="ctr"/>
+            <a:lstStyle/>
+            <a:p>
+              <a:pPr algn="ctr"/>
+              <a:endParaRPr lang="en-US" dirty="0"/>
+            </a:p>
+          </p:txBody>
+        </p:sp>
+        <p:sp>
+          <p:nvSpPr>
+            <p:cNvPr id="73" name="TextBox 72"/>
+            <p:cNvSpPr txBox="1"/>
+            <p:nvPr/>
+          </p:nvSpPr>
+          <p:spPr>
+            <a:xfrm>
+              <a:off x="2007328" y="3595922"/>
+              <a:ext cx="1723986" cy="369332"/>
+            </a:xfrm>
+            <a:prstGeom prst="rect">
+              <a:avLst/>
+            </a:prstGeom>
+            <a:noFill/>
+          </p:spPr>
+          <p:txBody>
+            <a:bodyPr wrap="square" rtlCol="0">
+              <a:spAutoFit/>
+            </a:bodyPr>
+            <a:lstStyle/>
+            <a:p>
+              <a:r>
+                <a:rPr lang="en-US" dirty="0" smtClean="0">
+                  <a:solidFill>
+                    <a:srgbClr val="FFFF00"/>
+                  </a:solidFill>
+                </a:rPr>
+                <a:t>Trust boundary</a:t>
+              </a:r>
+              <a:endParaRPr lang="en-US" dirty="0">
+                <a:solidFill>
+                  <a:srgbClr val="FFFF00"/>
+                </a:solidFill>
+              </a:endParaRPr>
+            </a:p>
+          </p:txBody>
+        </p:sp>
+      </p:grpSp>
     </p:spTree>
     <p:extLst>
       <p:ext uri="{BB962C8B-B14F-4D97-AF65-F5344CB8AC3E}">
-        <p14:creationId xmlns:p14="http://schemas.microsoft.com/office/powerpoint/2010/main" val="693611482"/>
+        <p14:creationId xmlns:p14="http://schemas.microsoft.com/office/powerpoint/2010/main" val="3452910135"/>
       </p:ext>
     </p:extLst>
   </p:cSld>
@@ -8032,307 +8943,440 @@
   <p:timing>
     <p:tnLst>
       <p:par>
-        <p:cTn id="1" dur="indefinite" restart="never" nodeType="tmRoot">
-          <p:childTnLst>
-            <p:seq concurrent="1" nextAc="seek">
-              <p:cTn id="2" dur="indefinite" nodeType="mainSeq">
-                <p:childTnLst>
-                  <p:par>
-                    <p:cTn id="3" fill="hold">
-                      <p:stCondLst>
-                        <p:cond delay="indefinite"/>
-                      </p:stCondLst>
-                      <p:childTnLst>
-                        <p:par>
-                          <p:cTn id="4" fill="hold">
-                            <p:stCondLst>
-                              <p:cond delay="0"/>
-                            </p:stCondLst>
-                            <p:childTnLst>
-                              <p:par>
-                                <p:cTn id="5" presetID="1" presetClass="entr" presetSubtype="0" fill="hold" nodeType="clickEffect">
-                                  <p:stCondLst>
-                                    <p:cond delay="0"/>
-                                  </p:stCondLst>
-                                  <p:childTnLst>
-                                    <p:set>
-                                      <p:cBhvr>
-                                        <p:cTn id="6" dur="1" fill="hold">
-                                          <p:stCondLst>
-                                            <p:cond delay="0"/>
-                                          </p:stCondLst>
-                                        </p:cTn>
-                                        <p:tgtEl>
-                                          <p:spTgt spid="17"/>
-                                        </p:tgtEl>
-                                        <p:attrNameLst>
-                                          <p:attrName>style.visibility</p:attrName>
-                                        </p:attrNameLst>
-                                      </p:cBhvr>
-                                      <p:to>
-                                        <p:strVal val="visible"/>
-                                      </p:to>
-                                    </p:set>
-                                  </p:childTnLst>
-                                </p:cTn>
-                              </p:par>
-                            </p:childTnLst>
-                          </p:cTn>
-                        </p:par>
-                      </p:childTnLst>
-                    </p:cTn>
-                  </p:par>
-                  <p:par>
-                    <p:cTn id="7" fill="hold">
-                      <p:stCondLst>
-                        <p:cond delay="indefinite"/>
-                      </p:stCondLst>
-                      <p:childTnLst>
-                        <p:par>
-                          <p:cTn id="8" fill="hold">
-                            <p:stCondLst>
-                              <p:cond delay="0"/>
-                            </p:stCondLst>
-                            <p:childTnLst>
-                              <p:par>
-                                <p:cTn id="9" presetID="1" presetClass="entr" presetSubtype="0" fill="hold" nodeType="clickEffect">
-                                  <p:stCondLst>
-                                    <p:cond delay="0"/>
-                                  </p:stCondLst>
-                                  <p:childTnLst>
-                                    <p:set>
-                                      <p:cBhvr>
-                                        <p:cTn id="10" dur="1" fill="hold">
-                                          <p:stCondLst>
-                                            <p:cond delay="0"/>
-                                          </p:stCondLst>
-                                        </p:cTn>
-                                        <p:tgtEl>
-                                          <p:spTgt spid="26"/>
-                                        </p:tgtEl>
-                                        <p:attrNameLst>
-                                          <p:attrName>style.visibility</p:attrName>
-                                        </p:attrNameLst>
-                                      </p:cBhvr>
-                                      <p:to>
-                                        <p:strVal val="visible"/>
-                                      </p:to>
-                                    </p:set>
-                                  </p:childTnLst>
-                                </p:cTn>
-                              </p:par>
-                            </p:childTnLst>
-                          </p:cTn>
-                        </p:par>
-                      </p:childTnLst>
-                    </p:cTn>
-                  </p:par>
-                  <p:par>
-                    <p:cTn id="11" fill="hold">
-                      <p:stCondLst>
-                        <p:cond delay="indefinite"/>
-                      </p:stCondLst>
-                      <p:childTnLst>
-                        <p:par>
-                          <p:cTn id="12" fill="hold">
-                            <p:stCondLst>
-                              <p:cond delay="0"/>
-                            </p:stCondLst>
-                            <p:childTnLst>
-                              <p:par>
-                                <p:cTn id="13" presetID="1" presetClass="entr" presetSubtype="0" fill="hold" nodeType="clickEffect">
-                                  <p:stCondLst>
-                                    <p:cond delay="0"/>
-                                  </p:stCondLst>
-                                  <p:childTnLst>
-                                    <p:set>
-                                      <p:cBhvr>
-                                        <p:cTn id="14" dur="1" fill="hold">
-                                          <p:stCondLst>
-                                            <p:cond delay="0"/>
-                                          </p:stCondLst>
-                                        </p:cTn>
-                                        <p:tgtEl>
-                                          <p:spTgt spid="36"/>
-                                        </p:tgtEl>
-                                        <p:attrNameLst>
-                                          <p:attrName>style.visibility</p:attrName>
-                                        </p:attrNameLst>
-                                      </p:cBhvr>
-                                      <p:to>
-                                        <p:strVal val="visible"/>
-                                      </p:to>
-                                    </p:set>
-                                  </p:childTnLst>
-                                </p:cTn>
-                              </p:par>
-                            </p:childTnLst>
-                          </p:cTn>
-                        </p:par>
-                      </p:childTnLst>
-                    </p:cTn>
-                  </p:par>
-                  <p:par>
-                    <p:cTn id="15" fill="hold">
-                      <p:stCondLst>
-                        <p:cond delay="indefinite"/>
-                      </p:stCondLst>
-                      <p:childTnLst>
-                        <p:par>
-                          <p:cTn id="16" fill="hold">
-                            <p:stCondLst>
-                              <p:cond delay="0"/>
-                            </p:stCondLst>
-                            <p:childTnLst>
-                              <p:par>
-                                <p:cTn id="17" presetID="1" presetClass="entr" presetSubtype="0" fill="hold" nodeType="clickEffect">
-                                  <p:stCondLst>
-                                    <p:cond delay="0"/>
-                                  </p:stCondLst>
-                                  <p:childTnLst>
-                                    <p:set>
-                                      <p:cBhvr>
-                                        <p:cTn id="18" dur="1" fill="hold">
-                                          <p:stCondLst>
-                                            <p:cond delay="0"/>
-                                          </p:stCondLst>
-                                        </p:cTn>
-                                        <p:tgtEl>
-                                          <p:spTgt spid="29"/>
-                                        </p:tgtEl>
-                                        <p:attrNameLst>
-                                          <p:attrName>style.visibility</p:attrName>
-                                        </p:attrNameLst>
-                                      </p:cBhvr>
-                                      <p:to>
-                                        <p:strVal val="visible"/>
-                                      </p:to>
-                                    </p:set>
-                                  </p:childTnLst>
-                                </p:cTn>
-                              </p:par>
-                            </p:childTnLst>
-                          </p:cTn>
-                        </p:par>
-                      </p:childTnLst>
-                    </p:cTn>
-                  </p:par>
-                  <p:par>
-                    <p:cTn id="19" fill="hold">
-                      <p:stCondLst>
-                        <p:cond delay="indefinite"/>
-                      </p:stCondLst>
-                      <p:childTnLst>
-                        <p:par>
-                          <p:cTn id="20" fill="hold">
-                            <p:stCondLst>
-                              <p:cond delay="0"/>
-                            </p:stCondLst>
-                            <p:childTnLst>
-                              <p:par>
-                                <p:cTn id="21" presetID="1" presetClass="entr" presetSubtype="0" fill="hold" nodeType="clickEffect">
-                                  <p:stCondLst>
-                                    <p:cond delay="0"/>
-                                  </p:stCondLst>
-                                  <p:childTnLst>
-                                    <p:set>
-                                      <p:cBhvr>
-                                        <p:cTn id="22" dur="1" fill="hold">
-                                          <p:stCondLst>
-                                            <p:cond delay="0"/>
-                                          </p:stCondLst>
-                                        </p:cTn>
-                                        <p:tgtEl>
-                                          <p:spTgt spid="22"/>
-                                        </p:tgtEl>
-                                        <p:attrNameLst>
-                                          <p:attrName>style.visibility</p:attrName>
-                                        </p:attrNameLst>
-                                      </p:cBhvr>
-                                      <p:to>
-                                        <p:strVal val="visible"/>
-                                      </p:to>
-                                    </p:set>
-                                  </p:childTnLst>
-                                </p:cTn>
-                              </p:par>
-                            </p:childTnLst>
-                          </p:cTn>
-                        </p:par>
-                      </p:childTnLst>
-                    </p:cTn>
-                  </p:par>
-                  <p:par>
-                    <p:cTn id="23" fill="hold">
-                      <p:stCondLst>
-                        <p:cond delay="indefinite"/>
-                      </p:stCondLst>
-                      <p:childTnLst>
-                        <p:par>
-                          <p:cTn id="24" fill="hold">
-                            <p:stCondLst>
-                              <p:cond delay="0"/>
-                            </p:stCondLst>
-                            <p:childTnLst>
-                              <p:par>
-                                <p:cTn id="25" presetID="1" presetClass="entr" presetSubtype="0" fill="hold" nodeType="clickEffect">
-                                  <p:stCondLst>
-                                    <p:cond delay="0"/>
-                                  </p:stCondLst>
-                                  <p:childTnLst>
-                                    <p:set>
-                                      <p:cBhvr>
-                                        <p:cTn id="26" dur="1" fill="hold">
-                                          <p:stCondLst>
-                                            <p:cond delay="0"/>
-                                          </p:stCondLst>
-                                        </p:cTn>
-                                        <p:tgtEl>
-                                          <p:spTgt spid="23"/>
-                                        </p:tgtEl>
-                                        <p:attrNameLst>
-                                          <p:attrName>style.visibility</p:attrName>
-                                        </p:attrNameLst>
-                                      </p:cBhvr>
-                                      <p:to>
-                                        <p:strVal val="visible"/>
-                                      </p:to>
-                                    </p:set>
-                                  </p:childTnLst>
-                                </p:cTn>
-                              </p:par>
-                            </p:childTnLst>
-                          </p:cTn>
-                        </p:par>
-                      </p:childTnLst>
-                    </p:cTn>
-                  </p:par>
-                </p:childTnLst>
-              </p:cTn>
-              <p:prevCondLst>
-                <p:cond evt="onPrev" delay="0">
-                  <p:tgtEl>
-                    <p:sldTgt/>
-                  </p:tgtEl>
-                </p:cond>
-              </p:prevCondLst>
-              <p:nextCondLst>
-                <p:cond evt="onNext" delay="0">
-                  <p:tgtEl>
-                    <p:sldTgt/>
-                  </p:tgtEl>
-                </p:cond>
-              </p:nextCondLst>
-            </p:seq>
-          </p:childTnLst>
-        </p:cTn>
+        <p:cTn id="1" dur="indefinite" restart="never" nodeType="tmRoot"/>
       </p:par>
     </p:tnLst>
   </p:timing>
 </p:sld>
 </file>
 
-<file path=ppt/slides/slide7.xml><?xml version="1.0" encoding="utf-8"?>
+<file path=ppt/slides/slide8.xml><?xml version="1.0" encoding="utf-8"?>
+<p:sld xmlns:a="http://schemas.openxmlformats.org/drawingml/2006/main" xmlns:r="http://schemas.openxmlformats.org/officeDocument/2006/relationships" xmlns:p="http://schemas.openxmlformats.org/presentationml/2006/main">
+  <p:cSld>
+    <p:bg>
+      <p:bgPr>
+        <a:solidFill>
+          <a:schemeClr val="bg2">
+            <a:lumMod val="50000"/>
+          </a:schemeClr>
+        </a:solidFill>
+        <a:effectLst/>
+      </p:bgPr>
+    </p:bg>
+    <p:spTree>
+      <p:nvGrpSpPr>
+        <p:cNvPr id="1" name=""/>
+        <p:cNvGrpSpPr/>
+        <p:nvPr/>
+      </p:nvGrpSpPr>
+      <p:grpSpPr>
+        <a:xfrm>
+          <a:off x="0" y="0"/>
+          <a:ext cx="0" cy="0"/>
+          <a:chOff x="0" y="0"/>
+          <a:chExt cx="0" cy="0"/>
+        </a:xfrm>
+      </p:grpSpPr>
+      <p:sp>
+        <p:nvSpPr>
+          <p:cNvPr id="19" name="TextBox 18"/>
+          <p:cNvSpPr txBox="1"/>
+          <p:nvPr/>
+        </p:nvSpPr>
+        <p:spPr>
+          <a:xfrm>
+            <a:off x="-187480" y="1600555"/>
+            <a:ext cx="3201457" cy="1077218"/>
+          </a:xfrm>
+          <a:prstGeom prst="rect">
+            <a:avLst/>
+          </a:prstGeom>
+          <a:noFill/>
+        </p:spPr>
+        <p:txBody>
+          <a:bodyPr wrap="square" rtlCol="0">
+            <a:spAutoFit/>
+          </a:bodyPr>
+          <a:lstStyle/>
+          <a:p>
+            <a:pPr algn="ctr"/>
+            <a:r>
+              <a:rPr lang="en-US" sz="3200" b="1" dirty="0" smtClean="0">
+                <a:solidFill>
+                  <a:schemeClr val="accent2">
+                    <a:lumMod val="60000"/>
+                    <a:lumOff val="40000"/>
+                  </a:schemeClr>
+                </a:solidFill>
+              </a:rPr>
+              <a:t>Auto Reminder SWF Workflow</a:t>
+            </a:r>
+            <a:endParaRPr lang="en-US" sz="3200" b="1" dirty="0">
+              <a:solidFill>
+                <a:schemeClr val="accent2">
+                  <a:lumMod val="60000"/>
+                  <a:lumOff val="40000"/>
+                </a:schemeClr>
+              </a:solidFill>
+            </a:endParaRPr>
+          </a:p>
+        </p:txBody>
+      </p:sp>
+      <p:sp>
+        <p:nvSpPr>
+          <p:cNvPr id="14" name="Rectangle 13"/>
+          <p:cNvSpPr/>
+          <p:nvPr/>
+        </p:nvSpPr>
+        <p:spPr>
+          <a:xfrm>
+            <a:off x="4637774" y="5203877"/>
+            <a:ext cx="1491915" cy="519764"/>
+          </a:xfrm>
+          <a:prstGeom prst="rect">
+            <a:avLst/>
+          </a:prstGeom>
+          <a:solidFill>
+            <a:schemeClr val="bg2">
+              <a:lumMod val="50000"/>
+            </a:schemeClr>
+          </a:solidFill>
+          <a:ln>
+            <a:noFill/>
+          </a:ln>
+        </p:spPr>
+        <p:style>
+          <a:lnRef idx="2">
+            <a:schemeClr val="accent1">
+              <a:shade val="50000"/>
+            </a:schemeClr>
+          </a:lnRef>
+          <a:fillRef idx="1">
+            <a:schemeClr val="accent1"/>
+          </a:fillRef>
+          <a:effectRef idx="0">
+            <a:schemeClr val="accent1"/>
+          </a:effectRef>
+          <a:fontRef idx="minor">
+            <a:schemeClr val="lt1"/>
+          </a:fontRef>
+        </p:style>
+        <p:txBody>
+          <a:bodyPr rtlCol="0" anchor="ctr"/>
+          <a:lstStyle/>
+          <a:p>
+            <a:pPr algn="ctr"/>
+            <a:endParaRPr lang="en-US"/>
+          </a:p>
+        </p:txBody>
+      </p:sp>
+      <p:sp>
+        <p:nvSpPr>
+          <p:cNvPr id="16" name="Rectangle 15"/>
+          <p:cNvSpPr/>
+          <p:nvPr/>
+        </p:nvSpPr>
+        <p:spPr>
+          <a:xfrm>
+            <a:off x="4290646" y="401934"/>
+            <a:ext cx="944545" cy="854110"/>
+          </a:xfrm>
+          <a:prstGeom prst="rect">
+            <a:avLst/>
+          </a:prstGeom>
+          <a:solidFill>
+            <a:schemeClr val="bg2">
+              <a:lumMod val="50000"/>
+            </a:schemeClr>
+          </a:solidFill>
+          <a:ln>
+            <a:noFill/>
+          </a:ln>
+        </p:spPr>
+        <p:style>
+          <a:lnRef idx="2">
+            <a:schemeClr val="accent1">
+              <a:shade val="50000"/>
+            </a:schemeClr>
+          </a:lnRef>
+          <a:fillRef idx="1">
+            <a:schemeClr val="accent1"/>
+          </a:fillRef>
+          <a:effectRef idx="0">
+            <a:schemeClr val="accent1"/>
+          </a:effectRef>
+          <a:fontRef idx="minor">
+            <a:schemeClr val="lt1"/>
+          </a:fontRef>
+        </p:style>
+        <p:txBody>
+          <a:bodyPr rtlCol="0" anchor="ctr"/>
+          <a:lstStyle/>
+          <a:p>
+            <a:pPr algn="ctr"/>
+            <a:endParaRPr lang="en-US"/>
+          </a:p>
+        </p:txBody>
+      </p:sp>
+      <p:sp>
+        <p:nvSpPr>
+          <p:cNvPr id="21" name="Rectangle 20"/>
+          <p:cNvSpPr/>
+          <p:nvPr/>
+        </p:nvSpPr>
+        <p:spPr>
+          <a:xfrm>
+            <a:off x="5255287" y="401934"/>
+            <a:ext cx="258105" cy="311497"/>
+          </a:xfrm>
+          <a:prstGeom prst="rect">
+            <a:avLst/>
+          </a:prstGeom>
+          <a:solidFill>
+            <a:schemeClr val="bg2">
+              <a:lumMod val="50000"/>
+            </a:schemeClr>
+          </a:solidFill>
+          <a:ln>
+            <a:noFill/>
+          </a:ln>
+        </p:spPr>
+        <p:style>
+          <a:lnRef idx="2">
+            <a:schemeClr val="accent1">
+              <a:shade val="50000"/>
+            </a:schemeClr>
+          </a:lnRef>
+          <a:fillRef idx="1">
+            <a:schemeClr val="accent1"/>
+          </a:fillRef>
+          <a:effectRef idx="0">
+            <a:schemeClr val="accent1"/>
+          </a:effectRef>
+          <a:fontRef idx="minor">
+            <a:schemeClr val="lt1"/>
+          </a:fontRef>
+        </p:style>
+        <p:txBody>
+          <a:bodyPr rtlCol="0" anchor="ctr"/>
+          <a:lstStyle/>
+          <a:p>
+            <a:pPr algn="ctr"/>
+            <a:endParaRPr lang="en-US"/>
+          </a:p>
+        </p:txBody>
+      </p:sp>
+      <p:pic>
+        <p:nvPicPr>
+          <p:cNvPr id="3" name="Picture 2"/>
+          <p:cNvPicPr>
+            <a:picLocks noChangeAspect="1"/>
+          </p:cNvPicPr>
+          <p:nvPr/>
+        </p:nvPicPr>
+        <p:blipFill>
+          <a:blip r:embed="rId3"/>
+          <a:stretch>
+            <a:fillRect/>
+          </a:stretch>
+        </p:blipFill>
+        <p:spPr>
+          <a:xfrm>
+            <a:off x="2460347" y="-40193"/>
+            <a:ext cx="9706350" cy="6898194"/>
+          </a:xfrm>
+          <a:prstGeom prst="rect">
+            <a:avLst/>
+          </a:prstGeom>
+        </p:spPr>
+      </p:pic>
+      <p:cxnSp>
+        <p:nvCxnSpPr>
+          <p:cNvPr id="9" name="Straight Connector 8"/>
+          <p:cNvCxnSpPr/>
+          <p:nvPr/>
+        </p:nvCxnSpPr>
+        <p:spPr>
+          <a:xfrm>
+            <a:off x="10903263" y="1506240"/>
+            <a:ext cx="40193" cy="4371033"/>
+          </a:xfrm>
+          <a:prstGeom prst="line">
+            <a:avLst/>
+          </a:prstGeom>
+          <a:ln w="12700">
+            <a:solidFill>
+              <a:srgbClr val="00B0F0"/>
+            </a:solidFill>
+          </a:ln>
+        </p:spPr>
+        <p:style>
+          <a:lnRef idx="1">
+            <a:schemeClr val="accent1"/>
+          </a:lnRef>
+          <a:fillRef idx="0">
+            <a:schemeClr val="accent1"/>
+          </a:fillRef>
+          <a:effectRef idx="0">
+            <a:schemeClr val="accent1"/>
+          </a:effectRef>
+          <a:fontRef idx="minor">
+            <a:schemeClr val="tx1"/>
+          </a:fontRef>
+        </p:style>
+      </p:cxnSp>
+      <p:cxnSp>
+        <p:nvCxnSpPr>
+          <p:cNvPr id="17" name="Straight Connector 16"/>
+          <p:cNvCxnSpPr/>
+          <p:nvPr/>
+        </p:nvCxnSpPr>
+        <p:spPr>
+          <a:xfrm>
+            <a:off x="9569491" y="1508963"/>
+            <a:ext cx="40193" cy="4371033"/>
+          </a:xfrm>
+          <a:prstGeom prst="line">
+            <a:avLst/>
+          </a:prstGeom>
+          <a:ln w="12700">
+            <a:solidFill>
+              <a:srgbClr val="00B0F0"/>
+            </a:solidFill>
+          </a:ln>
+        </p:spPr>
+        <p:style>
+          <a:lnRef idx="1">
+            <a:schemeClr val="accent1"/>
+          </a:lnRef>
+          <a:fillRef idx="0">
+            <a:schemeClr val="accent1"/>
+          </a:fillRef>
+          <a:effectRef idx="0">
+            <a:schemeClr val="accent1"/>
+          </a:effectRef>
+          <a:fontRef idx="minor">
+            <a:schemeClr val="tx1"/>
+          </a:fontRef>
+        </p:style>
+      </p:cxnSp>
+      <p:sp>
+        <p:nvSpPr>
+          <p:cNvPr id="23" name="Rectangle 22"/>
+          <p:cNvSpPr/>
+          <p:nvPr/>
+        </p:nvSpPr>
+        <p:spPr>
+          <a:xfrm>
+            <a:off x="8111660" y="1516288"/>
+            <a:ext cx="4034937" cy="4343400"/>
+          </a:xfrm>
+          <a:prstGeom prst="rect">
+            <a:avLst/>
+          </a:prstGeom>
+          <a:noFill/>
+          <a:ln w="19050">
+            <a:solidFill>
+              <a:srgbClr val="00B0F0"/>
+            </a:solidFill>
+          </a:ln>
+        </p:spPr>
+        <p:style>
+          <a:lnRef idx="2">
+            <a:schemeClr val="accent1">
+              <a:shade val="50000"/>
+            </a:schemeClr>
+          </a:lnRef>
+          <a:fillRef idx="1">
+            <a:schemeClr val="accent1"/>
+          </a:fillRef>
+          <a:effectRef idx="0">
+            <a:schemeClr val="accent1"/>
+          </a:effectRef>
+          <a:fontRef idx="minor">
+            <a:schemeClr val="lt1"/>
+          </a:fontRef>
+        </p:style>
+        <p:txBody>
+          <a:bodyPr rtlCol="0" anchor="ctr"/>
+          <a:lstStyle/>
+          <a:p>
+            <a:pPr algn="ctr"/>
+            <a:endParaRPr lang="en-US">
+              <a:solidFill>
+                <a:srgbClr val="00B0F0"/>
+              </a:solidFill>
+            </a:endParaRPr>
+          </a:p>
+        </p:txBody>
+      </p:sp>
+      <p:sp>
+        <p:nvSpPr>
+          <p:cNvPr id="7" name="Rectangle 6"/>
+          <p:cNvSpPr/>
+          <p:nvPr/>
+        </p:nvSpPr>
+        <p:spPr>
+          <a:xfrm>
+            <a:off x="5697418" y="20096"/>
+            <a:ext cx="1708220" cy="3697794"/>
+          </a:xfrm>
+          <a:prstGeom prst="rect">
+            <a:avLst/>
+          </a:prstGeom>
+          <a:noFill/>
+          <a:ln w="22225">
+            <a:solidFill>
+              <a:srgbClr val="00B0F0"/>
+            </a:solidFill>
+          </a:ln>
+        </p:spPr>
+        <p:style>
+          <a:lnRef idx="2">
+            <a:schemeClr val="accent1">
+              <a:shade val="50000"/>
+            </a:schemeClr>
+          </a:lnRef>
+          <a:fillRef idx="1">
+            <a:schemeClr val="accent1"/>
+          </a:fillRef>
+          <a:effectRef idx="0">
+            <a:schemeClr val="accent1"/>
+          </a:effectRef>
+          <a:fontRef idx="minor">
+            <a:schemeClr val="lt1"/>
+          </a:fontRef>
+        </p:style>
+        <p:txBody>
+          <a:bodyPr rtlCol="0" anchor="ctr"/>
+          <a:lstStyle/>
+          <a:p>
+            <a:pPr algn="ctr"/>
+            <a:endParaRPr lang="en-US"/>
+          </a:p>
+        </p:txBody>
+      </p:sp>
+    </p:spTree>
+    <p:extLst>
+      <p:ext uri="{BB962C8B-B14F-4D97-AF65-F5344CB8AC3E}">
+        <p14:creationId xmlns:p14="http://schemas.microsoft.com/office/powerpoint/2010/main" val="1183947200"/>
+      </p:ext>
+    </p:extLst>
+  </p:cSld>
+  <p:clrMapOvr>
+    <a:masterClrMapping/>
+  </p:clrMapOvr>
+  <p:timing>
+    <p:tnLst>
+      <p:par>
+        <p:cTn id="1" dur="indefinite" restart="never" nodeType="tmRoot"/>
+      </p:par>
+    </p:tnLst>
+  </p:timing>
+</p:sld>
+</file>
+
+<file path=ppt/slides/slide9.xml><?xml version="1.0" encoding="utf-8"?>
 <p:sld xmlns:a="http://schemas.openxmlformats.org/drawingml/2006/main" xmlns:r="http://schemas.openxmlformats.org/officeDocument/2006/relationships" xmlns:p="http://schemas.openxmlformats.org/presentationml/2006/main">
   <p:cSld>
     <p:bg>
@@ -8568,8 +9612,8 @@
         </p:nvSpPr>
         <p:spPr>
           <a:xfrm>
-            <a:off x="1953228" y="6134068"/>
-            <a:ext cx="1424576" cy="369332"/>
+            <a:off x="1653348" y="6107910"/>
+            <a:ext cx="1619445" cy="369332"/>
           </a:xfrm>
           <a:prstGeom prst="rect">
             <a:avLst/>
@@ -8588,7 +9632,15 @@
                   <a:srgbClr val="00B0F0"/>
                 </a:solidFill>
               </a:rPr>
-              <a:t>Admin Host</a:t>
+              <a:t>Workflow </a:t>
+            </a:r>
+            <a:r>
+              <a:rPr lang="en-US" dirty="0" smtClean="0">
+                <a:solidFill>
+                  <a:srgbClr val="00B0F0"/>
+                </a:solidFill>
+              </a:rPr>
+              <a:t>Host</a:t>
             </a:r>
             <a:endParaRPr lang="en-US" dirty="0">
               <a:solidFill>
@@ -8607,297 +9659,21 @@
         <p:grpSpPr>
           <a:xfrm>
             <a:off x="6567108" y="406010"/>
-            <a:ext cx="5633516" cy="1671491"/>
+            <a:ext cx="5476606" cy="1688763"/>
             <a:chOff x="6558484" y="718418"/>
-            <a:chExt cx="5633516" cy="1671491"/>
-          </a:xfrm>
-        </p:grpSpPr>
-        <p:grpSp>
-          <p:nvGrpSpPr>
-            <p:cNvPr id="27" name="Group 26"/>
-            <p:cNvGrpSpPr/>
-            <p:nvPr/>
-          </p:nvGrpSpPr>
-          <p:grpSpPr>
-            <a:xfrm>
-              <a:off x="6558484" y="718418"/>
-              <a:ext cx="5377703" cy="1671491"/>
-              <a:chOff x="3949567" y="883227"/>
-              <a:chExt cx="5287951" cy="1717694"/>
-            </a:xfrm>
-          </p:grpSpPr>
-          <p:sp>
-            <p:nvSpPr>
-              <p:cNvPr id="8" name="TextBox 7"/>
-              <p:cNvSpPr txBox="1"/>
-              <p:nvPr/>
-            </p:nvSpPr>
-            <p:spPr>
-              <a:xfrm>
-                <a:off x="6350665" y="1372700"/>
-                <a:ext cx="2724555" cy="379541"/>
-              </a:xfrm>
-              <a:prstGeom prst="rect">
-                <a:avLst/>
-              </a:prstGeom>
-              <a:noFill/>
-              <a:ln>
-                <a:noFill/>
-              </a:ln>
-            </p:spPr>
-            <p:txBody>
-              <a:bodyPr wrap="square" rtlCol="0">
-                <a:spAutoFit/>
-              </a:bodyPr>
-              <a:lstStyle/>
-              <a:p>
-                <a:pPr algn="ctr"/>
-                <a:r>
-                  <a:rPr lang="en-US" b="1" dirty="0" smtClean="0">
-                    <a:solidFill>
-                      <a:schemeClr val="bg1">
-                        <a:lumMod val="85000"/>
-                      </a:schemeClr>
-                    </a:solidFill>
-                  </a:rPr>
-                  <a:t>“</a:t>
-                </a:r>
-                <a:r>
-                  <a:rPr lang="en-US" b="1" dirty="0" err="1" smtClean="0">
-                    <a:solidFill>
-                      <a:schemeClr val="bg1">
-                        <a:lumMod val="85000"/>
-                      </a:schemeClr>
-                    </a:solidFill>
-                  </a:rPr>
-                  <a:t>RunSendAutoReminder</a:t>
-                </a:r>
-                <a:r>
-                  <a:rPr lang="en-US" b="1" dirty="0" smtClean="0">
-                    <a:solidFill>
-                      <a:schemeClr val="bg1">
-                        <a:lumMod val="85000"/>
-                      </a:schemeClr>
-                    </a:solidFill>
-                  </a:rPr>
-                  <a:t>”</a:t>
-                </a:r>
-                <a:endParaRPr lang="en-US" b="1" dirty="0">
-                  <a:solidFill>
-                    <a:schemeClr val="bg1">
-                      <a:lumMod val="85000"/>
-                    </a:schemeClr>
-                  </a:solidFill>
-                </a:endParaRPr>
-              </a:p>
-            </p:txBody>
-          </p:sp>
-          <p:sp>
-            <p:nvSpPr>
-              <p:cNvPr id="24" name="Rounded Rectangle 23"/>
-              <p:cNvSpPr/>
-              <p:nvPr/>
-            </p:nvSpPr>
-            <p:spPr>
-              <a:xfrm>
-                <a:off x="3949567" y="883227"/>
-                <a:ext cx="5287951" cy="1717694"/>
-              </a:xfrm>
-              <a:prstGeom prst="roundRect">
-                <a:avLst/>
-              </a:prstGeom>
-              <a:noFill/>
-              <a:ln>
-                <a:solidFill>
-                  <a:schemeClr val="bg1">
-                    <a:lumMod val="85000"/>
-                  </a:schemeClr>
-                </a:solidFill>
-              </a:ln>
-            </p:spPr>
-            <p:style>
-              <a:lnRef idx="2">
-                <a:schemeClr val="accent1">
-                  <a:shade val="50000"/>
-                </a:schemeClr>
-              </a:lnRef>
-              <a:fillRef idx="1">
-                <a:schemeClr val="accent1"/>
-              </a:fillRef>
-              <a:effectRef idx="0">
-                <a:schemeClr val="accent1"/>
-              </a:effectRef>
-              <a:fontRef idx="minor">
-                <a:schemeClr val="lt1"/>
-              </a:fontRef>
-            </p:style>
-            <p:txBody>
-              <a:bodyPr rtlCol="0" anchor="ctr"/>
-              <a:lstStyle/>
-              <a:p>
-                <a:pPr algn="ctr"/>
-                <a:endParaRPr lang="en-US"/>
-              </a:p>
-            </p:txBody>
-          </p:sp>
-        </p:grpSp>
-        <p:sp>
-          <p:nvSpPr>
-            <p:cNvPr id="30" name="TextBox 29"/>
-            <p:cNvSpPr txBox="1"/>
-            <p:nvPr/>
-          </p:nvSpPr>
-          <p:spPr>
-            <a:xfrm>
-              <a:off x="10743245" y="2008749"/>
-              <a:ext cx="1448755" cy="369332"/>
-            </a:xfrm>
-            <a:prstGeom prst="rect">
-              <a:avLst/>
-            </a:prstGeom>
-            <a:noFill/>
-          </p:spPr>
-          <p:txBody>
-            <a:bodyPr wrap="square" rtlCol="0">
-              <a:spAutoFit/>
-            </a:bodyPr>
-            <a:lstStyle/>
-            <a:p>
-              <a:r>
-                <a:rPr lang="en-US" dirty="0" smtClean="0">
-                  <a:solidFill>
-                    <a:srgbClr val="00B0F0"/>
-                  </a:solidFill>
-                </a:rPr>
-                <a:t>Cron Host</a:t>
-              </a:r>
-              <a:endParaRPr lang="en-US" dirty="0">
-                <a:solidFill>
-                  <a:srgbClr val="00B0F0"/>
-                </a:solidFill>
-              </a:endParaRPr>
-            </a:p>
-          </p:txBody>
-        </p:sp>
-      </p:grpSp>
-      <p:sp>
-        <p:nvSpPr>
-          <p:cNvPr id="35" name="Rounded Rectangle 34"/>
-          <p:cNvSpPr/>
-          <p:nvPr/>
-        </p:nvSpPr>
-        <p:spPr>
-          <a:xfrm>
-            <a:off x="197427" y="284480"/>
-            <a:ext cx="3179169" cy="6251403"/>
-          </a:xfrm>
-          <a:prstGeom prst="roundRect">
-            <a:avLst/>
-          </a:prstGeom>
-          <a:noFill/>
-          <a:ln>
-            <a:solidFill>
-              <a:schemeClr val="bg1">
-                <a:lumMod val="85000"/>
-              </a:schemeClr>
-            </a:solidFill>
-          </a:ln>
-        </p:spPr>
-        <p:style>
-          <a:lnRef idx="2">
-            <a:schemeClr val="accent1">
-              <a:shade val="50000"/>
-            </a:schemeClr>
-          </a:lnRef>
-          <a:fillRef idx="1">
-            <a:schemeClr val="accent1"/>
-          </a:fillRef>
-          <a:effectRef idx="0">
-            <a:schemeClr val="accent1"/>
-          </a:effectRef>
-          <a:fontRef idx="minor">
-            <a:schemeClr val="lt1"/>
-          </a:fontRef>
-        </p:style>
-        <p:txBody>
-          <a:bodyPr rtlCol="0" anchor="ctr"/>
-          <a:lstStyle/>
-          <a:p>
-            <a:pPr algn="ctr"/>
-            <a:endParaRPr lang="en-US"/>
-          </a:p>
-        </p:txBody>
-      </p:sp>
-      <p:grpSp>
-        <p:nvGrpSpPr>
-          <p:cNvPr id="39" name="Group 38"/>
-          <p:cNvGrpSpPr/>
-          <p:nvPr/>
-        </p:nvGrpSpPr>
-        <p:grpSpPr>
-          <a:xfrm>
-            <a:off x="465462" y="5342143"/>
-            <a:ext cx="2269204" cy="777713"/>
-            <a:chOff x="3300323" y="3763690"/>
-            <a:chExt cx="2269204" cy="777713"/>
+            <a:chExt cx="5476606" cy="1688763"/>
           </a:xfrm>
         </p:grpSpPr>
         <p:sp>
           <p:nvSpPr>
-            <p:cNvPr id="12" name="TextBox 11"/>
-            <p:cNvSpPr txBox="1"/>
-            <p:nvPr/>
-          </p:nvSpPr>
-          <p:spPr>
-            <a:xfrm>
-              <a:off x="3300323" y="3765871"/>
-              <a:ext cx="2180728" cy="646331"/>
-            </a:xfrm>
-            <a:prstGeom prst="rect">
-              <a:avLst/>
-            </a:prstGeom>
-            <a:noFill/>
-            <a:ln>
-              <a:noFill/>
-            </a:ln>
-          </p:spPr>
-          <p:txBody>
-            <a:bodyPr wrap="square" rtlCol="0">
-              <a:spAutoFit/>
-            </a:bodyPr>
-            <a:lstStyle/>
-            <a:p>
-              <a:pPr algn="ctr"/>
-              <a:r>
-                <a:rPr lang="en-US" b="1" dirty="0" smtClean="0">
-                  <a:solidFill>
-                    <a:schemeClr val="bg1">
-                      <a:lumMod val="85000"/>
-                    </a:schemeClr>
-                  </a:solidFill>
-                </a:rPr>
-                <a:t>QBO “GetCompaniesList”</a:t>
-              </a:r>
-              <a:endParaRPr lang="en-US" b="1" dirty="0">
-                <a:solidFill>
-                  <a:schemeClr val="bg1">
-                    <a:lumMod val="85000"/>
-                  </a:schemeClr>
-                </a:solidFill>
-              </a:endParaRPr>
-            </a:p>
-          </p:txBody>
-        </p:sp>
-        <p:sp>
-          <p:nvSpPr>
-            <p:cNvPr id="36" name="Rounded Rectangle 35"/>
+            <p:cNvPr id="24" name="Rounded Rectangle 23"/>
             <p:cNvSpPr/>
             <p:nvPr/>
           </p:nvSpPr>
           <p:spPr>
             <a:xfrm>
-              <a:off x="3300323" y="3763690"/>
-              <a:ext cx="2269204" cy="777713"/>
+              <a:off x="6558484" y="718418"/>
+              <a:ext cx="5377703" cy="1671491"/>
             </a:xfrm>
             <a:prstGeom prst="roundRect">
               <a:avLst/>
@@ -8936,7 +9712,93 @@
             </a:p>
           </p:txBody>
         </p:sp>
+        <p:sp>
+          <p:nvSpPr>
+            <p:cNvPr id="30" name="TextBox 29"/>
+            <p:cNvSpPr txBox="1"/>
+            <p:nvPr/>
+          </p:nvSpPr>
+          <p:spPr>
+            <a:xfrm>
+              <a:off x="10586335" y="2037849"/>
+              <a:ext cx="1448755" cy="369332"/>
+            </a:xfrm>
+            <a:prstGeom prst="rect">
+              <a:avLst/>
+            </a:prstGeom>
+            <a:noFill/>
+          </p:spPr>
+          <p:txBody>
+            <a:bodyPr wrap="square" rtlCol="0">
+              <a:spAutoFit/>
+            </a:bodyPr>
+            <a:lstStyle/>
+            <a:p>
+              <a:r>
+                <a:rPr lang="en-US" dirty="0" smtClean="0">
+                  <a:solidFill>
+                    <a:srgbClr val="00B0F0"/>
+                  </a:solidFill>
+                </a:rPr>
+                <a:t>Activity Host</a:t>
+              </a:r>
+              <a:endParaRPr lang="en-US" dirty="0">
+                <a:solidFill>
+                  <a:srgbClr val="00B0F0"/>
+                </a:solidFill>
+              </a:endParaRPr>
+            </a:p>
+          </p:txBody>
+        </p:sp>
       </p:grpSp>
+      <p:sp>
+        <p:nvSpPr>
+          <p:cNvPr id="35" name="Rounded Rectangle 34"/>
+          <p:cNvSpPr/>
+          <p:nvPr/>
+        </p:nvSpPr>
+        <p:spPr>
+          <a:xfrm>
+            <a:off x="197427" y="284480"/>
+            <a:ext cx="3179169" cy="6251403"/>
+          </a:xfrm>
+          <a:prstGeom prst="roundRect">
+            <a:avLst/>
+          </a:prstGeom>
+          <a:noFill/>
+          <a:ln>
+            <a:solidFill>
+              <a:schemeClr val="bg1">
+                <a:lumMod val="85000"/>
+              </a:schemeClr>
+            </a:solidFill>
+          </a:ln>
+        </p:spPr>
+        <p:style>
+          <a:lnRef idx="2">
+            <a:schemeClr val="accent1">
+              <a:shade val="50000"/>
+            </a:schemeClr>
+          </a:lnRef>
+          <a:fillRef idx="1">
+            <a:schemeClr val="accent1"/>
+          </a:fillRef>
+          <a:effectRef idx="0">
+            <a:schemeClr val="accent1"/>
+          </a:effectRef>
+          <a:fontRef idx="minor">
+            <a:schemeClr val="lt1"/>
+          </a:fontRef>
+        </p:style>
+        <p:txBody>
+          <a:bodyPr rtlCol="0" anchor="ctr"/>
+          <a:lstStyle/>
+          <a:p>
+            <a:pPr algn="ctr"/>
+            <a:endParaRPr lang="en-US"/>
+          </a:p>
+        </p:txBody>
+      </p:sp>
       <p:grpSp>
         <p:nvGrpSpPr>
           <p:cNvPr id="88" name="Group 87"/>
@@ -8945,7 +9807,7 @@
         </p:nvGrpSpPr>
         <p:grpSpPr>
           <a:xfrm>
-            <a:off x="680690" y="3165758"/>
+            <a:off x="761189" y="3757192"/>
             <a:ext cx="1895819" cy="1630083"/>
             <a:chOff x="878550" y="3535843"/>
             <a:chExt cx="1895819" cy="1630083"/>
@@ -9159,250 +10021,30 @@
           </a:p>
         </p:txBody>
       </p:sp>
-      <p:sp>
-        <p:nvSpPr>
-          <p:cNvPr id="73" name="Rounded Rectangle 72"/>
-          <p:cNvSpPr/>
-          <p:nvPr/>
-        </p:nvSpPr>
-        <p:spPr>
-          <a:xfrm>
-            <a:off x="9100670" y="741507"/>
-            <a:ext cx="2597727" cy="820994"/>
-          </a:xfrm>
-          <a:prstGeom prst="roundRect">
-            <a:avLst/>
-          </a:prstGeom>
-          <a:noFill/>
-          <a:ln>
-            <a:solidFill>
-              <a:schemeClr val="bg1">
-                <a:lumMod val="85000"/>
-              </a:schemeClr>
-            </a:solidFill>
-          </a:ln>
-        </p:spPr>
-        <p:style>
-          <a:lnRef idx="2">
-            <a:schemeClr val="accent1">
-              <a:shade val="50000"/>
-            </a:schemeClr>
-          </a:lnRef>
-          <a:fillRef idx="1">
-            <a:schemeClr val="accent1"/>
-          </a:fillRef>
-          <a:effectRef idx="0">
-            <a:schemeClr val="accent1"/>
-          </a:effectRef>
-          <a:fontRef idx="minor">
-            <a:schemeClr val="lt1"/>
-          </a:fontRef>
-        </p:style>
-        <p:txBody>
-          <a:bodyPr rtlCol="0" anchor="ctr"/>
-          <a:lstStyle/>
-          <a:p>
-            <a:pPr algn="ctr"/>
-            <a:endParaRPr lang="en-US"/>
-          </a:p>
-        </p:txBody>
-      </p:sp>
       <p:grpSp>
         <p:nvGrpSpPr>
-          <p:cNvPr id="116" name="Group 115"/>
+          <p:cNvPr id="54" name="Group 53"/>
           <p:cNvGrpSpPr/>
           <p:nvPr/>
         </p:nvGrpSpPr>
         <p:grpSpPr>
           <a:xfrm>
             <a:off x="6558484" y="2324178"/>
-            <a:ext cx="5633516" cy="1671491"/>
-            <a:chOff x="6558484" y="2324178"/>
-            <a:chExt cx="5633516" cy="1671491"/>
+            <a:ext cx="5438684" cy="1683517"/>
+            <a:chOff x="6558484" y="718418"/>
+            <a:chExt cx="5438684" cy="1683517"/>
           </a:xfrm>
         </p:grpSpPr>
-        <p:grpSp>
-          <p:nvGrpSpPr>
-            <p:cNvPr id="54" name="Group 53"/>
-            <p:cNvGrpSpPr/>
-            <p:nvPr/>
-          </p:nvGrpSpPr>
-          <p:grpSpPr>
-            <a:xfrm>
-              <a:off x="6558484" y="2324178"/>
-              <a:ext cx="5633516" cy="1671491"/>
-              <a:chOff x="6558484" y="718418"/>
-              <a:chExt cx="5633516" cy="1671491"/>
-            </a:xfrm>
-          </p:grpSpPr>
-          <p:grpSp>
-            <p:nvGrpSpPr>
-              <p:cNvPr id="55" name="Group 54"/>
-              <p:cNvGrpSpPr/>
-              <p:nvPr/>
-            </p:nvGrpSpPr>
-            <p:grpSpPr>
-              <a:xfrm>
-                <a:off x="6558484" y="718418"/>
-                <a:ext cx="5377703" cy="1671491"/>
-                <a:chOff x="3949567" y="883227"/>
-                <a:chExt cx="5287951" cy="1717694"/>
-              </a:xfrm>
-            </p:grpSpPr>
-            <p:sp>
-              <p:nvSpPr>
-                <p:cNvPr id="59" name="TextBox 58"/>
-                <p:cNvSpPr txBox="1"/>
-                <p:nvPr/>
-              </p:nvSpPr>
-              <p:spPr>
-                <a:xfrm>
-                  <a:off x="6350665" y="1362259"/>
-                  <a:ext cx="2724555" cy="379541"/>
-                </a:xfrm>
-                <a:prstGeom prst="rect">
-                  <a:avLst/>
-                </a:prstGeom>
-                <a:noFill/>
-                <a:ln>
-                  <a:noFill/>
-                </a:ln>
-              </p:spPr>
-              <p:txBody>
-                <a:bodyPr wrap="square" rtlCol="0">
-                  <a:spAutoFit/>
-                </a:bodyPr>
-                <a:lstStyle/>
-                <a:p>
-                  <a:pPr algn="ctr"/>
-                  <a:r>
-                    <a:rPr lang="en-US" b="1" dirty="0" smtClean="0">
-                      <a:solidFill>
-                        <a:schemeClr val="bg1">
-                          <a:lumMod val="85000"/>
-                        </a:schemeClr>
-                      </a:solidFill>
-                    </a:rPr>
-                    <a:t>“</a:t>
-                  </a:r>
-                  <a:r>
-                    <a:rPr lang="en-US" b="1" dirty="0" smtClean="0">
-                      <a:solidFill>
-                        <a:schemeClr val="bg1">
-                          <a:lumMod val="85000"/>
-                        </a:schemeClr>
-                      </a:solidFill>
-                    </a:rPr>
-                    <a:t>RunSendAutoReminder”</a:t>
-                  </a:r>
-                  <a:endParaRPr lang="en-US" b="1" dirty="0">
-                    <a:solidFill>
-                      <a:schemeClr val="bg1">
-                        <a:lumMod val="85000"/>
-                      </a:schemeClr>
-                    </a:solidFill>
-                  </a:endParaRPr>
-                </a:p>
-              </p:txBody>
-            </p:sp>
-            <p:sp>
-              <p:nvSpPr>
-                <p:cNvPr id="58" name="Rounded Rectangle 57"/>
-                <p:cNvSpPr/>
-                <p:nvPr/>
-              </p:nvSpPr>
-              <p:spPr>
-                <a:xfrm>
-                  <a:off x="3949567" y="883227"/>
-                  <a:ext cx="5287951" cy="1717694"/>
-                </a:xfrm>
-                <a:prstGeom prst="roundRect">
-                  <a:avLst/>
-                </a:prstGeom>
-                <a:noFill/>
-                <a:ln>
-                  <a:solidFill>
-                    <a:schemeClr val="bg1">
-                      <a:lumMod val="85000"/>
-                    </a:schemeClr>
-                  </a:solidFill>
-                </a:ln>
-              </p:spPr>
-              <p:style>
-                <a:lnRef idx="2">
-                  <a:schemeClr val="accent1">
-                    <a:shade val="50000"/>
-                  </a:schemeClr>
-                </a:lnRef>
-                <a:fillRef idx="1">
-                  <a:schemeClr val="accent1"/>
-                </a:fillRef>
-                <a:effectRef idx="0">
-                  <a:schemeClr val="accent1"/>
-                </a:effectRef>
-                <a:fontRef idx="minor">
-                  <a:schemeClr val="lt1"/>
-                </a:fontRef>
-              </p:style>
-              <p:txBody>
-                <a:bodyPr rtlCol="0" anchor="ctr"/>
-                <a:lstStyle/>
-                <a:p>
-                  <a:pPr algn="ctr"/>
-                  <a:endParaRPr lang="en-US"/>
-                </a:p>
-              </p:txBody>
-            </p:sp>
-          </p:grpSp>
-          <p:sp>
-            <p:nvSpPr>
-              <p:cNvPr id="56" name="TextBox 55"/>
-              <p:cNvSpPr txBox="1"/>
-              <p:nvPr/>
-            </p:nvSpPr>
-            <p:spPr>
-              <a:xfrm>
-                <a:off x="10743245" y="1998589"/>
-                <a:ext cx="1448755" cy="369332"/>
-              </a:xfrm>
-              <a:prstGeom prst="rect">
-                <a:avLst/>
-              </a:prstGeom>
-              <a:noFill/>
-            </p:spPr>
-            <p:txBody>
-              <a:bodyPr wrap="square" rtlCol="0">
-                <a:spAutoFit/>
-              </a:bodyPr>
-              <a:lstStyle/>
-              <a:p>
-                <a:r>
-                  <a:rPr lang="en-US" dirty="0" smtClean="0">
-                    <a:solidFill>
-                      <a:srgbClr val="00B0F0"/>
-                    </a:solidFill>
-                  </a:rPr>
-                  <a:t>Cron Host</a:t>
-                </a:r>
-                <a:endParaRPr lang="en-US" dirty="0">
-                  <a:solidFill>
-                    <a:srgbClr val="00B0F0"/>
-                  </a:solidFill>
-                </a:endParaRPr>
-              </a:p>
-            </p:txBody>
-          </p:sp>
-        </p:grpSp>
         <p:sp>
           <p:nvSpPr>
-            <p:cNvPr id="74" name="Rounded Rectangle 73"/>
+            <p:cNvPr id="58" name="Rounded Rectangle 57"/>
             <p:cNvSpPr/>
             <p:nvPr/>
           </p:nvSpPr>
           <p:spPr>
             <a:xfrm>
-              <a:off x="9100670" y="2758154"/>
-              <a:ext cx="2597727" cy="820994"/>
+              <a:off x="6558484" y="718418"/>
+              <a:ext cx="5377703" cy="1671491"/>
             </a:xfrm>
             <a:prstGeom prst="roundRect">
               <a:avLst/>
@@ -9441,55 +10083,45 @@
             </a:p>
           </p:txBody>
         </p:sp>
+        <p:sp>
+          <p:nvSpPr>
+            <p:cNvPr id="56" name="TextBox 55"/>
+            <p:cNvSpPr txBox="1"/>
+            <p:nvPr/>
+          </p:nvSpPr>
+          <p:spPr>
+            <a:xfrm>
+              <a:off x="10548413" y="2032603"/>
+              <a:ext cx="1448755" cy="369332"/>
+            </a:xfrm>
+            <a:prstGeom prst="rect">
+              <a:avLst/>
+            </a:prstGeom>
+            <a:noFill/>
+          </p:spPr>
+          <p:txBody>
+            <a:bodyPr wrap="square" rtlCol="0">
+              <a:spAutoFit/>
+            </a:bodyPr>
+            <a:lstStyle/>
+            <a:p>
+              <a:r>
+                <a:rPr lang="en-US" dirty="0" smtClean="0">
+                  <a:solidFill>
+                    <a:srgbClr val="00B0F0"/>
+                  </a:solidFill>
+                </a:rPr>
+                <a:t>Activity Host</a:t>
+              </a:r>
+              <a:endParaRPr lang="en-US" dirty="0">
+                <a:solidFill>
+                  <a:srgbClr val="00B0F0"/>
+                </a:solidFill>
+              </a:endParaRPr>
+            </a:p>
+          </p:txBody>
+        </p:sp>
       </p:grpSp>
-      <p:sp>
-        <p:nvSpPr>
-          <p:cNvPr id="75" name="Rounded Rectangle 74"/>
-          <p:cNvSpPr/>
-          <p:nvPr/>
-        </p:nvSpPr>
-        <p:spPr>
-          <a:xfrm>
-            <a:off x="9100670" y="5081567"/>
-            <a:ext cx="2597727" cy="820994"/>
-          </a:xfrm>
-          <a:prstGeom prst="roundRect">
-            <a:avLst/>
-          </a:prstGeom>
-          <a:noFill/>
-          <a:ln>
-            <a:solidFill>
-              <a:schemeClr val="bg1">
-                <a:lumMod val="85000"/>
-              </a:schemeClr>
-            </a:solidFill>
-          </a:ln>
-        </p:spPr>
-        <p:style>
-          <a:lnRef idx="2">
-            <a:schemeClr val="accent1">
-              <a:shade val="50000"/>
-            </a:schemeClr>
-          </a:lnRef>
-          <a:fillRef idx="1">
-            <a:schemeClr val="accent1"/>
-          </a:fillRef>
-          <a:effectRef idx="0">
-            <a:schemeClr val="accent1"/>
-          </a:effectRef>
-          <a:fontRef idx="minor">
-            <a:schemeClr val="lt1"/>
-          </a:fontRef>
-        </p:style>
-        <p:txBody>
-          <a:bodyPr rtlCol="0" anchor="ctr"/>
-          <a:lstStyle/>
-          <a:p>
-            <a:pPr algn="ctr"/>
-            <a:endParaRPr lang="en-US"/>
-          </a:p>
-        </p:txBody>
-      </p:sp>
       <p:grpSp>
         <p:nvGrpSpPr>
           <p:cNvPr id="80" name="Group 79"/>
@@ -9499,9 +10131,9 @@
         <p:grpSpPr>
           <a:xfrm>
             <a:off x="6558484" y="4637062"/>
-            <a:ext cx="5633516" cy="1700303"/>
+            <a:ext cx="5395627" cy="1717727"/>
             <a:chOff x="6558484" y="5002822"/>
-            <a:chExt cx="5633516" cy="1700303"/>
+            <a:chExt cx="5395627" cy="1717727"/>
           </a:xfrm>
         </p:grpSpPr>
         <p:grpSp>
@@ -9513,9 +10145,9 @@
           <p:grpSpPr>
             <a:xfrm>
               <a:off x="6558484" y="5002822"/>
-              <a:ext cx="5633516" cy="1700303"/>
+              <a:ext cx="5395627" cy="1717727"/>
               <a:chOff x="6558484" y="718418"/>
-              <a:chExt cx="5633516" cy="1700303"/>
+              <a:chExt cx="5395627" cy="1717727"/>
             </a:xfrm>
           </p:grpSpPr>
           <p:grpSp>
@@ -9534,28 +10166,76 @@
             </p:grpSpPr>
             <p:grpSp>
               <p:nvGrpSpPr>
-                <p:cNvPr id="66" name="Group 65"/>
+                <p:cNvPr id="69" name="Group 68"/>
                 <p:cNvGrpSpPr/>
                 <p:nvPr/>
               </p:nvGrpSpPr>
               <p:grpSpPr>
                 <a:xfrm>
                   <a:off x="4205292" y="1052419"/>
-                  <a:ext cx="4869928" cy="1182775"/>
-                  <a:chOff x="4413112" y="1696658"/>
-                  <a:chExt cx="4869928" cy="1182775"/>
+                  <a:ext cx="1647718" cy="1182775"/>
+                  <a:chOff x="11041231" y="732016"/>
+                  <a:chExt cx="1647718" cy="1182775"/>
                 </a:xfrm>
               </p:grpSpPr>
+              <p:pic>
+                <p:nvPicPr>
+                  <p:cNvPr id="70" name="Picture 10" descr="Image result for settings"/>
+                  <p:cNvPicPr>
+                    <a:picLocks noChangeAspect="1" noChangeArrowheads="1"/>
+                  </p:cNvPicPr>
+                  <p:nvPr/>
+                </p:nvPicPr>
+                <p:blipFill>
+                  <a:blip r:embed="rId3" cstate="print">
+                    <a:extLst>
+                      <a:ext uri="{28A0092B-C50C-407E-A947-70E740481C1C}">
+                        <a14:useLocalDpi xmlns:a14="http://schemas.microsoft.com/office/drawing/2010/main" val="0"/>
+                      </a:ext>
+                    </a:extLst>
+                  </a:blip>
+                  <a:srcRect/>
+                  <a:stretch>
+                    <a:fillRect/>
+                  </a:stretch>
+                </p:blipFill>
+                <p:spPr bwMode="auto">
+                  <a:xfrm>
+                    <a:off x="11641353" y="1467317"/>
+                    <a:ext cx="447474" cy="447474"/>
+                  </a:xfrm>
+                  <a:prstGeom prst="rect">
+                    <a:avLst/>
+                  </a:prstGeom>
+                  <a:noFill/>
+                  <a:ln>
+                    <a:solidFill>
+                      <a:schemeClr val="bg1">
+                        <a:lumMod val="85000"/>
+                      </a:schemeClr>
+                    </a:solidFill>
+                  </a:ln>
+                  <a:extLst>
+                    <a:ext uri="{909E8E84-426E-40DD-AFC4-6F175D3DCCD1}">
+                      <a14:hiddenFill xmlns:a14="http://schemas.microsoft.com/office/drawing/2010/main">
+                        <a:solidFill>
+                          <a:srgbClr val="FFFFFF"/>
+                        </a:solidFill>
+                      </a14:hiddenFill>
+                    </a:ext>
+                  </a:extLst>
+                </p:spPr>
+              </p:pic>
               <p:sp>
                 <p:nvSpPr>
-                  <p:cNvPr id="68" name="TextBox 67"/>
+                  <p:cNvPr id="71" name="TextBox 70"/>
                   <p:cNvSpPr txBox="1"/>
                   <p:nvPr/>
                 </p:nvSpPr>
                 <p:spPr>
                   <a:xfrm>
-                    <a:off x="6558485" y="2069143"/>
-                    <a:ext cx="2724555" cy="379541"/>
+                    <a:off x="11041231" y="732016"/>
+                    <a:ext cx="1647718" cy="923330"/>
                   </a:xfrm>
                   <a:prstGeom prst="rect">
                     <a:avLst/>
@@ -9580,17 +10260,7 @@
                           </a:schemeClr>
                         </a:solidFill>
                       </a:rPr>
-                      <a:t>“</a:t>
-                    </a:r>
-                    <a:r>
-                      <a:rPr lang="en-US" b="1" dirty="0" smtClean="0">
-                        <a:solidFill>
-                          <a:schemeClr val="bg1">
-                            <a:lumMod val="85000"/>
-                          </a:schemeClr>
-                        </a:solidFill>
-                      </a:rPr>
-                      <a:t>RunSendAutoReminder”</a:t>
+                      <a:t>Send Reminder Activity Worker</a:t>
                     </a:r>
                     <a:endParaRPr lang="en-US" b="1" dirty="0">
                       <a:solidFill>
@@ -9602,115 +10272,6 @@
                   </a:p>
                 </p:txBody>
               </p:sp>
-              <p:grpSp>
-                <p:nvGrpSpPr>
-                  <p:cNvPr id="69" name="Group 68"/>
-                  <p:cNvGrpSpPr/>
-                  <p:nvPr/>
-                </p:nvGrpSpPr>
-                <p:grpSpPr>
-                  <a:xfrm>
-                    <a:off x="4413112" y="1696658"/>
-                    <a:ext cx="1647718" cy="1182775"/>
-                    <a:chOff x="11041231" y="732016"/>
-                    <a:chExt cx="1647718" cy="1182775"/>
-                  </a:xfrm>
-                </p:grpSpPr>
-                <p:pic>
-                  <p:nvPicPr>
-                    <p:cNvPr id="70" name="Picture 10" descr="Image result for settings"/>
-                    <p:cNvPicPr>
-                      <a:picLocks noChangeAspect="1" noChangeArrowheads="1"/>
-                    </p:cNvPicPr>
-                    <p:nvPr/>
-                  </p:nvPicPr>
-                  <p:blipFill>
-                    <a:blip r:embed="rId3" cstate="print">
-                      <a:extLst>
-                        <a:ext uri="{28A0092B-C50C-407E-A947-70E740481C1C}">
-                          <a14:useLocalDpi xmlns:a14="http://schemas.microsoft.com/office/drawing/2010/main" val="0"/>
-                        </a:ext>
-                      </a:extLst>
-                    </a:blip>
-                    <a:srcRect/>
-                    <a:stretch>
-                      <a:fillRect/>
-                    </a:stretch>
-                  </p:blipFill>
-                  <p:spPr bwMode="auto">
-                    <a:xfrm>
-                      <a:off x="11641353" y="1467317"/>
-                      <a:ext cx="447474" cy="447474"/>
-                    </a:xfrm>
-                    <a:prstGeom prst="rect">
-                      <a:avLst/>
-                    </a:prstGeom>
-                    <a:noFill/>
-                    <a:ln>
-                      <a:solidFill>
-                        <a:schemeClr val="bg1">
-                          <a:lumMod val="85000"/>
-                        </a:schemeClr>
-                      </a:solidFill>
-                    </a:ln>
-                    <a:extLst>
-                      <a:ext uri="{909E8E84-426E-40DD-AFC4-6F175D3DCCD1}">
-                        <a14:hiddenFill xmlns:a14="http://schemas.microsoft.com/office/drawing/2010/main">
-                          <a:solidFill>
-                            <a:srgbClr val="FFFFFF"/>
-                          </a:solidFill>
-                        </a14:hiddenFill>
-                      </a:ext>
-                    </a:extLst>
-                  </p:spPr>
-                </p:pic>
-                <p:sp>
-                  <p:nvSpPr>
-                    <p:cNvPr id="71" name="TextBox 70"/>
-                    <p:cNvSpPr txBox="1"/>
-                    <p:nvPr/>
-                  </p:nvSpPr>
-                  <p:spPr>
-                    <a:xfrm>
-                      <a:off x="11041231" y="732016"/>
-                      <a:ext cx="1647718" cy="923330"/>
-                    </a:xfrm>
-                    <a:prstGeom prst="rect">
-                      <a:avLst/>
-                    </a:prstGeom>
-                    <a:noFill/>
-                    <a:ln>
-                      <a:noFill/>
-                    </a:ln>
-                  </p:spPr>
-                  <p:txBody>
-                    <a:bodyPr wrap="square" rtlCol="0">
-                      <a:spAutoFit/>
-                    </a:bodyPr>
-                    <a:lstStyle/>
-                    <a:p>
-                      <a:pPr algn="ctr"/>
-                      <a:r>
-                        <a:rPr lang="en-US" b="1" dirty="0" smtClean="0">
-                          <a:solidFill>
-                            <a:schemeClr val="bg1">
-                              <a:lumMod val="85000"/>
-                            </a:schemeClr>
-                          </a:solidFill>
-                        </a:rPr>
-                        <a:t>Send Reminder Activity Worker</a:t>
-                      </a:r>
-                      <a:endParaRPr lang="en-US" b="1" dirty="0">
-                        <a:solidFill>
-                          <a:schemeClr val="bg1">
-                            <a:lumMod val="85000"/>
-                          </a:schemeClr>
-                        </a:solidFill>
-                      </a:endParaRPr>
-                    </a:p>
-                  </p:txBody>
-                </p:sp>
-              </p:grpSp>
             </p:grpSp>
             <p:sp>
               <p:nvSpPr>
@@ -9769,7 +10330,7 @@
             </p:nvSpPr>
             <p:spPr>
               <a:xfrm>
-                <a:off x="10743245" y="2049389"/>
+                <a:off x="10505356" y="2066813"/>
                 <a:ext cx="1448755" cy="369332"/>
               </a:xfrm>
               <a:prstGeom prst="rect">
@@ -9789,7 +10350,7 @@
                       <a:srgbClr val="00B0F0"/>
                     </a:solidFill>
                   </a:rPr>
-                  <a:t>Cron Host</a:t>
+                  <a:t>Activity Host</a:t>
                 </a:r>
                 <a:endParaRPr lang="en-US" dirty="0">
                   <a:solidFill>
@@ -10400,7 +10961,7 @@
         </p:nvCxnSpPr>
         <p:spPr>
           <a:xfrm>
-            <a:off x="700630" y="3016054"/>
+            <a:off x="850976" y="3336631"/>
             <a:ext cx="1784808" cy="20503"/>
           </a:xfrm>
           <a:prstGeom prst="line">
@@ -10428,166 +10989,6 @@
           </a:fontRef>
         </p:style>
       </p:cxnSp>
-      <p:sp>
-        <p:nvSpPr>
-          <p:cNvPr id="105" name="Right Arrow 104"/>
-          <p:cNvSpPr/>
-          <p:nvPr/>
-        </p:nvSpPr>
-        <p:spPr>
-          <a:xfrm>
-            <a:off x="8561787" y="1032436"/>
-            <a:ext cx="498503" cy="279030"/>
-          </a:xfrm>
-          <a:prstGeom prst="rightArrow">
-            <a:avLst/>
-          </a:prstGeom>
-        </p:spPr>
-        <p:style>
-          <a:lnRef idx="2">
-            <a:schemeClr val="accent1">
-              <a:shade val="50000"/>
-            </a:schemeClr>
-          </a:lnRef>
-          <a:fillRef idx="1">
-            <a:schemeClr val="accent1"/>
-          </a:fillRef>
-          <a:effectRef idx="0">
-            <a:schemeClr val="accent1"/>
-          </a:effectRef>
-          <a:fontRef idx="minor">
-            <a:schemeClr val="lt1"/>
-          </a:fontRef>
-        </p:style>
-        <p:txBody>
-          <a:bodyPr rtlCol="0" anchor="ctr"/>
-          <a:lstStyle/>
-          <a:p>
-            <a:pPr algn="ctr"/>
-            <a:endParaRPr lang="en-US"/>
-          </a:p>
-        </p:txBody>
-      </p:sp>
-      <p:sp>
-        <p:nvSpPr>
-          <p:cNvPr id="106" name="Right Arrow 105"/>
-          <p:cNvSpPr/>
-          <p:nvPr/>
-        </p:nvSpPr>
-        <p:spPr>
-          <a:xfrm>
-            <a:off x="8586032" y="3102151"/>
-            <a:ext cx="498503" cy="279030"/>
-          </a:xfrm>
-          <a:prstGeom prst="rightArrow">
-            <a:avLst/>
-          </a:prstGeom>
-        </p:spPr>
-        <p:style>
-          <a:lnRef idx="2">
-            <a:schemeClr val="accent1">
-              <a:shade val="50000"/>
-            </a:schemeClr>
-          </a:lnRef>
-          <a:fillRef idx="1">
-            <a:schemeClr val="accent1"/>
-          </a:fillRef>
-          <a:effectRef idx="0">
-            <a:schemeClr val="accent1"/>
-          </a:effectRef>
-          <a:fontRef idx="minor">
-            <a:schemeClr val="lt1"/>
-          </a:fontRef>
-        </p:style>
-        <p:txBody>
-          <a:bodyPr rtlCol="0" anchor="ctr"/>
-          <a:lstStyle/>
-          <a:p>
-            <a:pPr algn="ctr"/>
-            <a:endParaRPr lang="en-US"/>
-          </a:p>
-        </p:txBody>
-      </p:sp>
-      <p:sp>
-        <p:nvSpPr>
-          <p:cNvPr id="41" name="Right Arrow 40"/>
-          <p:cNvSpPr/>
-          <p:nvPr/>
-        </p:nvSpPr>
-        <p:spPr>
-          <a:xfrm rot="5400000">
-            <a:off x="1314525" y="4906500"/>
-            <a:ext cx="490110" cy="352751"/>
-          </a:xfrm>
-          <a:prstGeom prst="rightArrow">
-            <a:avLst/>
-          </a:prstGeom>
-        </p:spPr>
-        <p:style>
-          <a:lnRef idx="2">
-            <a:schemeClr val="accent1">
-              <a:shade val="50000"/>
-            </a:schemeClr>
-          </a:lnRef>
-          <a:fillRef idx="1">
-            <a:schemeClr val="accent1"/>
-          </a:fillRef>
-          <a:effectRef idx="0">
-            <a:schemeClr val="accent1"/>
-          </a:effectRef>
-          <a:fontRef idx="minor">
-            <a:schemeClr val="lt1"/>
-          </a:fontRef>
-        </p:style>
-        <p:txBody>
-          <a:bodyPr rtlCol="0" anchor="ctr"/>
-          <a:lstStyle/>
-          <a:p>
-            <a:pPr algn="ctr"/>
-            <a:endParaRPr lang="en-US"/>
-          </a:p>
-        </p:txBody>
-      </p:sp>
-      <p:sp>
-        <p:nvSpPr>
-          <p:cNvPr id="107" name="Right Arrow 106"/>
-          <p:cNvSpPr/>
-          <p:nvPr/>
-        </p:nvSpPr>
-        <p:spPr>
-          <a:xfrm>
-            <a:off x="8594569" y="5383997"/>
-            <a:ext cx="498503" cy="279030"/>
-          </a:xfrm>
-          <a:prstGeom prst="rightArrow">
-            <a:avLst/>
-          </a:prstGeom>
-        </p:spPr>
-        <p:style>
-          <a:lnRef idx="2">
-            <a:schemeClr val="accent1">
-              <a:shade val="50000"/>
-            </a:schemeClr>
-          </a:lnRef>
-          <a:fillRef idx="1">
-            <a:schemeClr val="accent1"/>
-          </a:fillRef>
-          <a:effectRef idx="0">
-            <a:schemeClr val="accent1"/>
-          </a:effectRef>
-          <a:fontRef idx="minor">
-            <a:schemeClr val="lt1"/>
-          </a:fontRef>
-        </p:style>
-        <p:txBody>
-          <a:bodyPr rtlCol="0" anchor="ctr"/>
-          <a:lstStyle/>
-          <a:p>
-            <a:pPr algn="ctr"/>
-            <a:endParaRPr lang="en-US"/>
-          </a:p>
-        </p:txBody>
-      </p:sp>
       <p:cxnSp>
         <p:nvCxnSpPr>
           <p:cNvPr id="112" name="Straight Connector 111"/>
@@ -10712,121 +11113,78 @@
           </a:p>
         </p:txBody>
       </p:sp>
-    </p:spTree>
-    <p:extLst>
-      <p:ext uri="{BB962C8B-B14F-4D97-AF65-F5344CB8AC3E}">
-        <p14:creationId xmlns:p14="http://schemas.microsoft.com/office/powerpoint/2010/main" val="572027381"/>
-      </p:ext>
-    </p:extLst>
-  </p:cSld>
-  <p:clrMapOvr>
-    <a:masterClrMapping/>
-  </p:clrMapOvr>
-  <p:timing>
-    <p:tnLst>
-      <p:par>
-        <p:cTn id="1" dur="indefinite" restart="never" nodeType="tmRoot"/>
-      </p:par>
-    </p:tnLst>
-  </p:timing>
-</p:sld>
-</file>
-
-<file path=ppt/slides/slide8.xml><?xml version="1.0" encoding="utf-8"?>
-<p:sld xmlns:a="http://schemas.openxmlformats.org/drawingml/2006/main" xmlns:r="http://schemas.openxmlformats.org/officeDocument/2006/relationships" xmlns:p="http://schemas.openxmlformats.org/presentationml/2006/main">
-  <p:cSld>
-    <p:bg>
-      <p:bgPr>
-        <a:solidFill>
-          <a:schemeClr val="bg2">
-            <a:lumMod val="50000"/>
-          </a:schemeClr>
-        </a:solidFill>
-        <a:effectLst/>
-      </p:bgPr>
-    </p:bg>
-    <p:spTree>
-      <p:nvGrpSpPr>
-        <p:cNvPr id="1" name=""/>
-        <p:cNvGrpSpPr/>
-        <p:nvPr/>
-      </p:nvGrpSpPr>
-      <p:grpSpPr>
-        <a:xfrm>
-          <a:off x="0" y="0"/>
-          <a:ext cx="0" cy="0"/>
-          <a:chOff x="0" y="0"/>
-          <a:chExt cx="0" cy="0"/>
-        </a:xfrm>
-      </p:grpSpPr>
-      <p:sp>
-        <p:nvSpPr>
-          <p:cNvPr id="4" name="TextBox 3"/>
-          <p:cNvSpPr txBox="1"/>
-          <p:nvPr/>
-        </p:nvSpPr>
-        <p:spPr>
-          <a:xfrm>
-            <a:off x="3949567" y="0"/>
-            <a:ext cx="5646820" cy="584775"/>
-          </a:xfrm>
-          <a:prstGeom prst="rect">
-            <a:avLst/>
-          </a:prstGeom>
-          <a:noFill/>
-        </p:spPr>
-        <p:txBody>
-          <a:bodyPr wrap="square" rtlCol="0">
-            <a:spAutoFit/>
-          </a:bodyPr>
-          <a:lstStyle/>
-          <a:p>
-            <a:r>
-              <a:rPr lang="en-US" sz="3200" b="1" dirty="0" smtClean="0">
-                <a:solidFill>
-                  <a:schemeClr val="accent2">
-                    <a:lumMod val="60000"/>
-                    <a:lumOff val="40000"/>
-                  </a:schemeClr>
-                </a:solidFill>
-              </a:rPr>
-              <a:t>Autoreminder SWF setup</a:t>
-            </a:r>
-            <a:endParaRPr lang="en-US" sz="3200" b="1" dirty="0">
-              <a:solidFill>
-                <a:schemeClr val="accent2">
-                  <a:lumMod val="60000"/>
-                  <a:lumOff val="40000"/>
-                </a:schemeClr>
-              </a:solidFill>
-            </a:endParaRPr>
-          </a:p>
-        </p:txBody>
-      </p:sp>
       <p:grpSp>
         <p:nvGrpSpPr>
-          <p:cNvPr id="13" name="Group 12"/>
+          <p:cNvPr id="77" name="Group 76"/>
           <p:cNvGrpSpPr/>
           <p:nvPr/>
         </p:nvGrpSpPr>
         <p:grpSpPr>
           <a:xfrm>
-            <a:off x="5951672" y="5802437"/>
-            <a:ext cx="1895819" cy="921823"/>
-            <a:chOff x="1317746" y="1117791"/>
-            <a:chExt cx="1895819" cy="1630083"/>
+            <a:off x="8898492" y="563922"/>
+            <a:ext cx="1696467" cy="1369957"/>
+            <a:chOff x="6787199" y="912091"/>
+            <a:chExt cx="1696467" cy="1369957"/>
           </a:xfrm>
         </p:grpSpPr>
+        <p:pic>
+          <p:nvPicPr>
+            <p:cNvPr id="78" name="Picture 10" descr="Image result for settings"/>
+            <p:cNvPicPr>
+              <a:picLocks noChangeAspect="1" noChangeArrowheads="1"/>
+            </p:cNvPicPr>
+            <p:nvPr/>
+          </p:nvPicPr>
+          <p:blipFill>
+            <a:blip r:embed="rId3" cstate="print">
+              <a:extLst>
+                <a:ext uri="{28A0092B-C50C-407E-A947-70E740481C1C}">
+                  <a14:useLocalDpi xmlns:a14="http://schemas.microsoft.com/office/drawing/2010/main" val="0"/>
+                </a:ext>
+              </a:extLst>
+            </a:blip>
+            <a:srcRect/>
+            <a:stretch>
+              <a:fillRect/>
+            </a:stretch>
+          </p:blipFill>
+          <p:spPr bwMode="auto">
+            <a:xfrm>
+              <a:off x="7387116" y="1629151"/>
+              <a:ext cx="455069" cy="435438"/>
+            </a:xfrm>
+            <a:prstGeom prst="rect">
+              <a:avLst/>
+            </a:prstGeom>
+            <a:noFill/>
+            <a:ln>
+              <a:solidFill>
+                <a:schemeClr val="bg1">
+                  <a:lumMod val="85000"/>
+                </a:schemeClr>
+              </a:solidFill>
+            </a:ln>
+            <a:extLst>
+              <a:ext uri="{909E8E84-426E-40DD-AFC4-6F175D3DCCD1}">
+                <a14:hiddenFill xmlns:a14="http://schemas.microsoft.com/office/drawing/2010/main">
+                  <a:solidFill>
+                    <a:srgbClr val="FFFFFF"/>
+                  </a:solidFill>
+                </a14:hiddenFill>
+              </a:ext>
+            </a:extLst>
+          </p:spPr>
+        </p:pic>
         <p:sp>
           <p:nvSpPr>
-            <p:cNvPr id="6" name="TextBox 5"/>
+            <p:cNvPr id="79" name="TextBox 78"/>
             <p:cNvSpPr txBox="1"/>
             <p:nvPr/>
           </p:nvSpPr>
           <p:spPr>
             <a:xfrm>
-              <a:off x="1357863" y="1724077"/>
-              <a:ext cx="1815584" cy="369332"/>
+              <a:off x="6787199" y="913628"/>
+              <a:ext cx="1675685" cy="898494"/>
             </a:xfrm>
             <a:prstGeom prst="rect">
               <a:avLst/>
@@ -10851,7 +11209,7 @@
                     </a:schemeClr>
                   </a:solidFill>
                 </a:rPr>
-                <a:t>Setup.sh</a:t>
+                <a:t>Send Reminder Activity Worker</a:t>
               </a:r>
               <a:endParaRPr lang="en-US" b="1" dirty="0">
                 <a:solidFill>
@@ -10865,14 +11223,14 @@
         </p:sp>
         <p:sp>
           <p:nvSpPr>
-            <p:cNvPr id="38" name="Rounded Rectangle 37"/>
+            <p:cNvPr id="81" name="Rounded Rectangle 80"/>
             <p:cNvSpPr/>
             <p:nvPr/>
           </p:nvSpPr>
           <p:spPr>
             <a:xfrm>
-              <a:off x="1317746" y="1117791"/>
-              <a:ext cx="1895819" cy="1630083"/>
+              <a:off x="6807981" y="912091"/>
+              <a:ext cx="1675685" cy="1369957"/>
             </a:xfrm>
             <a:prstGeom prst="roundRect">
               <a:avLst/>
@@ -10914,33 +11272,84 @@
       </p:grpSp>
       <p:grpSp>
         <p:nvGrpSpPr>
-          <p:cNvPr id="16" name="Group 15"/>
+          <p:cNvPr id="99" name="Group 98"/>
           <p:cNvGrpSpPr/>
           <p:nvPr/>
         </p:nvGrpSpPr>
         <p:grpSpPr>
           <a:xfrm>
-            <a:off x="9134947" y="999091"/>
-            <a:ext cx="2525957" cy="3590985"/>
-            <a:chOff x="7406640" y="584775"/>
-            <a:chExt cx="2525957" cy="3590985"/>
+            <a:off x="8908882" y="2474944"/>
+            <a:ext cx="1696467" cy="1369957"/>
+            <a:chOff x="6787199" y="912091"/>
+            <a:chExt cx="1696467" cy="1369957"/>
           </a:xfrm>
         </p:grpSpPr>
+        <p:pic>
+          <p:nvPicPr>
+            <p:cNvPr id="100" name="Picture 10" descr="Image result for settings"/>
+            <p:cNvPicPr>
+              <a:picLocks noChangeAspect="1" noChangeArrowheads="1"/>
+            </p:cNvPicPr>
+            <p:nvPr/>
+          </p:nvPicPr>
+          <p:blipFill>
+            <a:blip r:embed="rId3" cstate="print">
+              <a:extLst>
+                <a:ext uri="{28A0092B-C50C-407E-A947-70E740481C1C}">
+                  <a14:useLocalDpi xmlns:a14="http://schemas.microsoft.com/office/drawing/2010/main" val="0"/>
+                </a:ext>
+              </a:extLst>
+            </a:blip>
+            <a:srcRect/>
+            <a:stretch>
+              <a:fillRect/>
+            </a:stretch>
+          </p:blipFill>
+          <p:spPr bwMode="auto">
+            <a:xfrm>
+              <a:off x="7387116" y="1629151"/>
+              <a:ext cx="455069" cy="435438"/>
+            </a:xfrm>
+            <a:prstGeom prst="rect">
+              <a:avLst/>
+            </a:prstGeom>
+            <a:noFill/>
+            <a:ln>
+              <a:solidFill>
+                <a:schemeClr val="bg1">
+                  <a:lumMod val="85000"/>
+                </a:schemeClr>
+              </a:solidFill>
+            </a:ln>
+            <a:extLst>
+              <a:ext uri="{909E8E84-426E-40DD-AFC4-6F175D3DCCD1}">
+                <a14:hiddenFill xmlns:a14="http://schemas.microsoft.com/office/drawing/2010/main">
+                  <a:solidFill>
+                    <a:srgbClr val="FFFFFF"/>
+                  </a:solidFill>
+                </a14:hiddenFill>
+              </a:ext>
+            </a:extLst>
+          </p:spPr>
+        </p:pic>
         <p:sp>
           <p:nvSpPr>
-            <p:cNvPr id="65" name="TextBox 64"/>
+            <p:cNvPr id="101" name="TextBox 100"/>
             <p:cNvSpPr txBox="1"/>
             <p:nvPr/>
           </p:nvSpPr>
           <p:spPr>
             <a:xfrm>
-              <a:off x="8483842" y="3755251"/>
-              <a:ext cx="1448755" cy="369332"/>
+              <a:off x="6787199" y="913628"/>
+              <a:ext cx="1675685" cy="898494"/>
             </a:xfrm>
             <a:prstGeom prst="rect">
               <a:avLst/>
             </a:prstGeom>
             <a:noFill/>
+            <a:ln>
+              <a:noFill/>
+            </a:ln>
           </p:spPr>
           <p:txBody>
             <a:bodyPr wrap="square" rtlCol="0">
@@ -10948,348 +11357,39 @@
             </a:bodyPr>
             <a:lstStyle/>
             <a:p>
+              <a:pPr algn="ctr"/>
               <a:r>
-                <a:rPr lang="en-US" dirty="0" smtClean="0">
-                  <a:solidFill>
-                    <a:srgbClr val="00B0F0"/>
-                  </a:solidFill>
-                </a:rPr>
-                <a:t>Cron Host</a:t>
-              </a:r>
-              <a:endParaRPr lang="en-US" dirty="0">
-                <a:solidFill>
-                  <a:srgbClr val="00B0F0"/>
-                </a:solidFill>
-              </a:endParaRPr>
-            </a:p>
-          </p:txBody>
-        </p:sp>
-        <p:grpSp>
-          <p:nvGrpSpPr>
-            <p:cNvPr id="9" name="Group 8"/>
-            <p:cNvGrpSpPr/>
-            <p:nvPr/>
-          </p:nvGrpSpPr>
-          <p:grpSpPr>
-            <a:xfrm>
-              <a:off x="7677173" y="2316966"/>
-              <a:ext cx="1675685" cy="1369957"/>
-              <a:chOff x="6878797" y="2839434"/>
-              <a:chExt cx="1675685" cy="1369957"/>
-            </a:xfrm>
-          </p:grpSpPr>
-          <p:pic>
-            <p:nvPicPr>
-              <p:cNvPr id="82" name="Picture 10" descr="Image result for settings"/>
-              <p:cNvPicPr>
-                <a:picLocks noChangeAspect="1" noChangeArrowheads="1"/>
-              </p:cNvPicPr>
-              <p:nvPr/>
-            </p:nvPicPr>
-            <p:blipFill>
-              <a:blip r:embed="rId3" cstate="print">
-                <a:extLst>
-                  <a:ext uri="{28A0092B-C50C-407E-A947-70E740481C1C}">
-                    <a14:useLocalDpi xmlns:a14="http://schemas.microsoft.com/office/drawing/2010/main" val="0"/>
-                  </a:ext>
-                </a:extLst>
-              </a:blip>
-              <a:srcRect/>
-              <a:stretch>
-                <a:fillRect/>
-              </a:stretch>
-            </p:blipFill>
-            <p:spPr bwMode="auto">
-              <a:xfrm>
-                <a:off x="7489105" y="3556494"/>
-                <a:ext cx="455069" cy="435438"/>
-              </a:xfrm>
-              <a:prstGeom prst="rect">
-                <a:avLst/>
-              </a:prstGeom>
-              <a:noFill/>
-              <a:ln>
-                <a:solidFill>
-                  <a:schemeClr val="bg1">
-                    <a:lumMod val="85000"/>
-                  </a:schemeClr>
-                </a:solidFill>
-              </a:ln>
-              <a:extLst>
-                <a:ext uri="{909E8E84-426E-40DD-AFC4-6F175D3DCCD1}">
-                  <a14:hiddenFill xmlns:a14="http://schemas.microsoft.com/office/drawing/2010/main">
-                    <a:solidFill>
-                      <a:srgbClr val="FFFFFF"/>
-                    </a:solidFill>
-                  </a14:hiddenFill>
-                </a:ext>
-              </a:extLst>
-            </p:spPr>
-          </p:pic>
-          <p:sp>
-            <p:nvSpPr>
-              <p:cNvPr id="83" name="TextBox 82"/>
-              <p:cNvSpPr txBox="1"/>
-              <p:nvPr/>
-            </p:nvSpPr>
-            <p:spPr>
-              <a:xfrm>
-                <a:off x="6878797" y="2840971"/>
-                <a:ext cx="1675685" cy="898494"/>
-              </a:xfrm>
-              <a:prstGeom prst="rect">
-                <a:avLst/>
-              </a:prstGeom>
-              <a:noFill/>
-              <a:ln>
-                <a:noFill/>
-              </a:ln>
-            </p:spPr>
-            <p:txBody>
-              <a:bodyPr wrap="square" rtlCol="0">
-                <a:spAutoFit/>
-              </a:bodyPr>
-              <a:lstStyle/>
-              <a:p>
-                <a:pPr algn="ctr"/>
-                <a:r>
-                  <a:rPr lang="en-US" b="1" dirty="0" smtClean="0">
-                    <a:solidFill>
-                      <a:schemeClr val="bg1">
-                        <a:lumMod val="85000"/>
-                      </a:schemeClr>
-                    </a:solidFill>
-                  </a:rPr>
-                  <a:t>Send Reminder Activity Worker</a:t>
-                </a:r>
-                <a:endParaRPr lang="en-US" b="1" dirty="0">
+                <a:rPr lang="en-US" b="1" dirty="0" smtClean="0">
                   <a:solidFill>
                     <a:schemeClr val="bg1">
                       <a:lumMod val="85000"/>
                     </a:schemeClr>
                   </a:solidFill>
-                </a:endParaRPr>
-              </a:p>
-            </p:txBody>
-          </p:sp>
-          <p:sp>
-            <p:nvSpPr>
-              <p:cNvPr id="84" name="Rounded Rectangle 83"/>
-              <p:cNvSpPr/>
-              <p:nvPr/>
-            </p:nvSpPr>
-            <p:spPr>
-              <a:xfrm>
-                <a:off x="6878797" y="2839434"/>
-                <a:ext cx="1675685" cy="1369957"/>
-              </a:xfrm>
-              <a:prstGeom prst="roundRect">
-                <a:avLst/>
-              </a:prstGeom>
-              <a:noFill/>
-              <a:ln>
+                </a:rPr>
+                <a:t>Send Reminder Activity Worker</a:t>
+              </a:r>
+              <a:endParaRPr lang="en-US" b="1" dirty="0">
                 <a:solidFill>
                   <a:schemeClr val="bg1">
                     <a:lumMod val="85000"/>
                   </a:schemeClr>
                 </a:solidFill>
-              </a:ln>
-            </p:spPr>
-            <p:style>
-              <a:lnRef idx="2">
-                <a:schemeClr val="accent1">
-                  <a:shade val="50000"/>
-                </a:schemeClr>
-              </a:lnRef>
-              <a:fillRef idx="1">
-                <a:schemeClr val="accent1"/>
-              </a:fillRef>
-              <a:effectRef idx="0">
-                <a:schemeClr val="accent1"/>
-              </a:effectRef>
-              <a:fontRef idx="minor">
-                <a:schemeClr val="lt1"/>
-              </a:fontRef>
-            </p:style>
-            <p:txBody>
-              <a:bodyPr rtlCol="0" anchor="ctr"/>
-              <a:lstStyle/>
-              <a:p>
-                <a:pPr algn="ctr"/>
-                <a:endParaRPr lang="en-US"/>
-              </a:p>
-            </p:txBody>
-          </p:sp>
-        </p:grpSp>
-        <p:grpSp>
-          <p:nvGrpSpPr>
-            <p:cNvPr id="7" name="Group 6"/>
-            <p:cNvGrpSpPr/>
-            <p:nvPr/>
-          </p:nvGrpSpPr>
-          <p:grpSpPr>
-            <a:xfrm>
-              <a:off x="7656391" y="756246"/>
-              <a:ext cx="1696467" cy="1369957"/>
-              <a:chOff x="6787199" y="912091"/>
-              <a:chExt cx="1696467" cy="1369957"/>
-            </a:xfrm>
-          </p:grpSpPr>
-          <p:pic>
-            <p:nvPicPr>
-              <p:cNvPr id="85" name="Picture 10" descr="Image result for settings"/>
-              <p:cNvPicPr>
-                <a:picLocks noChangeAspect="1" noChangeArrowheads="1"/>
-              </p:cNvPicPr>
-              <p:nvPr/>
-            </p:nvPicPr>
-            <p:blipFill>
-              <a:blip r:embed="rId3" cstate="print">
-                <a:extLst>
-                  <a:ext uri="{28A0092B-C50C-407E-A947-70E740481C1C}">
-                    <a14:useLocalDpi xmlns:a14="http://schemas.microsoft.com/office/drawing/2010/main" val="0"/>
-                  </a:ext>
-                </a:extLst>
-              </a:blip>
-              <a:srcRect/>
-              <a:stretch>
-                <a:fillRect/>
-              </a:stretch>
-            </p:blipFill>
-            <p:spPr bwMode="auto">
-              <a:xfrm>
-                <a:off x="7387116" y="1629151"/>
-                <a:ext cx="455069" cy="435438"/>
-              </a:xfrm>
-              <a:prstGeom prst="rect">
-                <a:avLst/>
-              </a:prstGeom>
-              <a:noFill/>
-              <a:ln>
-                <a:solidFill>
-                  <a:schemeClr val="bg1">
-                    <a:lumMod val="85000"/>
-                  </a:schemeClr>
-                </a:solidFill>
-              </a:ln>
-              <a:extLst>
-                <a:ext uri="{909E8E84-426E-40DD-AFC4-6F175D3DCCD1}">
-                  <a14:hiddenFill xmlns:a14="http://schemas.microsoft.com/office/drawing/2010/main">
-                    <a:solidFill>
-                      <a:srgbClr val="FFFFFF"/>
-                    </a:solidFill>
-                  </a14:hiddenFill>
-                </a:ext>
-              </a:extLst>
-            </p:spPr>
-          </p:pic>
-          <p:sp>
-            <p:nvSpPr>
-              <p:cNvPr id="86" name="TextBox 85"/>
-              <p:cNvSpPr txBox="1"/>
-              <p:nvPr/>
-            </p:nvSpPr>
-            <p:spPr>
-              <a:xfrm>
-                <a:off x="6787199" y="913628"/>
-                <a:ext cx="1675685" cy="898494"/>
-              </a:xfrm>
-              <a:prstGeom prst="rect">
-                <a:avLst/>
-              </a:prstGeom>
-              <a:noFill/>
-              <a:ln>
-                <a:noFill/>
-              </a:ln>
-            </p:spPr>
-            <p:txBody>
-              <a:bodyPr wrap="square" rtlCol="0">
-                <a:spAutoFit/>
-              </a:bodyPr>
-              <a:lstStyle/>
-              <a:p>
-                <a:pPr algn="ctr"/>
-                <a:r>
-                  <a:rPr lang="en-US" b="1" dirty="0" smtClean="0">
-                    <a:solidFill>
-                      <a:schemeClr val="bg1">
-                        <a:lumMod val="85000"/>
-                      </a:schemeClr>
-                    </a:solidFill>
-                  </a:rPr>
-                  <a:t>Send Reminder Activity Worker</a:t>
-                </a:r>
-                <a:endParaRPr lang="en-US" b="1" dirty="0">
-                  <a:solidFill>
-                    <a:schemeClr val="bg1">
-                      <a:lumMod val="85000"/>
-                    </a:schemeClr>
-                  </a:solidFill>
-                </a:endParaRPr>
-              </a:p>
-            </p:txBody>
-          </p:sp>
-          <p:sp>
-            <p:nvSpPr>
-              <p:cNvPr id="87" name="Rounded Rectangle 86"/>
-              <p:cNvSpPr/>
-              <p:nvPr/>
-            </p:nvSpPr>
-            <p:spPr>
-              <a:xfrm>
-                <a:off x="6807981" y="912091"/>
-                <a:ext cx="1675685" cy="1369957"/>
-              </a:xfrm>
-              <a:prstGeom prst="roundRect">
-                <a:avLst/>
-              </a:prstGeom>
-              <a:noFill/>
-              <a:ln>
-                <a:solidFill>
-                  <a:schemeClr val="bg1">
-                    <a:lumMod val="85000"/>
-                  </a:schemeClr>
-                </a:solidFill>
-              </a:ln>
-            </p:spPr>
-            <p:style>
-              <a:lnRef idx="2">
-                <a:schemeClr val="accent1">
-                  <a:shade val="50000"/>
-                </a:schemeClr>
-              </a:lnRef>
-              <a:fillRef idx="1">
-                <a:schemeClr val="accent1"/>
-              </a:fillRef>
-              <a:effectRef idx="0">
-                <a:schemeClr val="accent1"/>
-              </a:effectRef>
-              <a:fontRef idx="minor">
-                <a:schemeClr val="lt1"/>
-              </a:fontRef>
-            </p:style>
-            <p:txBody>
-              <a:bodyPr rtlCol="0" anchor="ctr"/>
-              <a:lstStyle/>
-              <a:p>
-                <a:pPr algn="ctr"/>
-                <a:endParaRPr lang="en-US"/>
-              </a:p>
-            </p:txBody>
-          </p:sp>
-        </p:grpSp>
+              </a:endParaRPr>
+            </a:p>
+          </p:txBody>
+        </p:sp>
         <p:sp>
           <p:nvSpPr>
-            <p:cNvPr id="14" name="Rectangle 13"/>
+            <p:cNvPr id="103" name="Rounded Rectangle 102"/>
             <p:cNvSpPr/>
             <p:nvPr/>
           </p:nvSpPr>
           <p:spPr>
             <a:xfrm>
-              <a:off x="7406640" y="584775"/>
-              <a:ext cx="2189747" cy="3590985"/>
+              <a:off x="6807981" y="912091"/>
+              <a:ext cx="1675685" cy="1369957"/>
             </a:xfrm>
-            <a:prstGeom prst="rect">
+            <a:prstGeom prst="roundRect">
               <a:avLst/>
             </a:prstGeom>
             <a:noFill/>
@@ -11329,810 +11429,43 @@
       </p:grpSp>
       <p:grpSp>
         <p:nvGrpSpPr>
-          <p:cNvPr id="3" name="Group 2"/>
+          <p:cNvPr id="104" name="Group 103"/>
           <p:cNvGrpSpPr/>
           <p:nvPr/>
         </p:nvGrpSpPr>
         <p:grpSpPr>
           <a:xfrm>
-            <a:off x="875544" y="1177952"/>
-            <a:ext cx="1962125" cy="1709388"/>
-            <a:chOff x="668563" y="1152004"/>
-            <a:chExt cx="1962125" cy="1709388"/>
+            <a:off x="8862414" y="4826552"/>
+            <a:ext cx="1696467" cy="1369957"/>
+            <a:chOff x="6787199" y="912091"/>
+            <a:chExt cx="1696467" cy="1369957"/>
           </a:xfrm>
         </p:grpSpPr>
-        <p:grpSp>
-          <p:nvGrpSpPr>
-            <p:cNvPr id="19" name="Group 18"/>
-            <p:cNvGrpSpPr/>
+        <p:pic>
+          <p:nvPicPr>
+            <p:cNvPr id="108" name="Picture 10" descr="Image result for settings"/>
+            <p:cNvPicPr>
+              <a:picLocks noChangeAspect="1" noChangeArrowheads="1"/>
+            </p:cNvPicPr>
             <p:nvPr/>
-          </p:nvGrpSpPr>
-          <p:grpSpPr>
-            <a:xfrm>
-              <a:off x="821507" y="1234430"/>
-              <a:ext cx="1656235" cy="1402069"/>
-              <a:chOff x="-149322" y="4798623"/>
-              <a:chExt cx="1656235" cy="1402069"/>
-            </a:xfrm>
-          </p:grpSpPr>
-          <p:pic>
-            <p:nvPicPr>
-              <p:cNvPr id="17" name="Picture 10" descr="Image result for settings"/>
-              <p:cNvPicPr>
-                <a:picLocks noChangeAspect="1" noChangeArrowheads="1"/>
-              </p:cNvPicPr>
-              <p:nvPr/>
-            </p:nvPicPr>
-            <p:blipFill>
-              <a:blip r:embed="rId3" cstate="print">
-                <a:extLst>
-                  <a:ext uri="{28A0092B-C50C-407E-A947-70E740481C1C}">
-                    <a14:useLocalDpi xmlns:a14="http://schemas.microsoft.com/office/drawing/2010/main" val="0"/>
-                  </a:ext>
-                </a:extLst>
-              </a:blip>
-              <a:srcRect/>
-              <a:stretch>
-                <a:fillRect/>
-              </a:stretch>
-            </p:blipFill>
-            <p:spPr bwMode="auto">
-              <a:xfrm>
-                <a:off x="456827" y="5753218"/>
-                <a:ext cx="447474" cy="447474"/>
-              </a:xfrm>
-              <a:prstGeom prst="rect">
-                <a:avLst/>
-              </a:prstGeom>
-              <a:noFill/>
-              <a:ln>
-                <a:solidFill>
-                  <a:schemeClr val="bg1">
-                    <a:lumMod val="85000"/>
-                  </a:schemeClr>
-                </a:solidFill>
-              </a:ln>
+          </p:nvPicPr>
+          <p:blipFill>
+            <a:blip r:embed="rId3" cstate="print">
               <a:extLst>
-                <a:ext uri="{909E8E84-426E-40DD-AFC4-6F175D3DCCD1}">
-                  <a14:hiddenFill xmlns:a14="http://schemas.microsoft.com/office/drawing/2010/main">
-                    <a:solidFill>
-                      <a:srgbClr val="FFFFFF"/>
-                    </a:solidFill>
-                  </a14:hiddenFill>
+                <a:ext uri="{28A0092B-C50C-407E-A947-70E740481C1C}">
+                  <a14:useLocalDpi xmlns:a14="http://schemas.microsoft.com/office/drawing/2010/main" val="0"/>
                 </a:ext>
               </a:extLst>
-            </p:spPr>
-          </p:pic>
-          <p:sp>
-            <p:nvSpPr>
-              <p:cNvPr id="18" name="TextBox 17"/>
-              <p:cNvSpPr txBox="1"/>
-              <p:nvPr/>
-            </p:nvSpPr>
-            <p:spPr>
-              <a:xfrm>
-                <a:off x="-149322" y="4798623"/>
-                <a:ext cx="1656235" cy="923330"/>
-              </a:xfrm>
-              <a:prstGeom prst="rect">
-                <a:avLst/>
-              </a:prstGeom>
-              <a:noFill/>
-              <a:ln>
-                <a:noFill/>
-              </a:ln>
-            </p:spPr>
-            <p:txBody>
-              <a:bodyPr wrap="square" rtlCol="0">
-                <a:spAutoFit/>
-              </a:bodyPr>
-              <a:lstStyle/>
-              <a:p>
-                <a:pPr algn="ctr"/>
-                <a:r>
-                  <a:rPr lang="en-US" b="1" dirty="0" smtClean="0">
-                    <a:solidFill>
-                      <a:schemeClr val="bg1">
-                        <a:lumMod val="85000"/>
-                      </a:schemeClr>
-                    </a:solidFill>
-                  </a:rPr>
-                  <a:t>AutoReminder Workflow Worker</a:t>
-                </a:r>
-                <a:endParaRPr lang="en-US" b="1" dirty="0">
-                  <a:solidFill>
-                    <a:schemeClr val="bg1">
-                      <a:lumMod val="85000"/>
-                    </a:schemeClr>
-                  </a:solidFill>
-                </a:endParaRPr>
-              </a:p>
-            </p:txBody>
-          </p:sp>
-        </p:grpSp>
-        <p:sp>
-          <p:nvSpPr>
-            <p:cNvPr id="28" name="Rounded Rectangle 27"/>
-            <p:cNvSpPr/>
-            <p:nvPr/>
-          </p:nvSpPr>
-          <p:spPr>
+            </a:blip>
+            <a:srcRect/>
+            <a:stretch>
+              <a:fillRect/>
+            </a:stretch>
+          </p:blipFill>
+          <p:spPr bwMode="auto">
             <a:xfrm>
-              <a:off x="668563" y="1152004"/>
-              <a:ext cx="1962125" cy="1709388"/>
-            </a:xfrm>
-            <a:prstGeom prst="roundRect">
-              <a:avLst/>
-            </a:prstGeom>
-            <a:noFill/>
-            <a:ln>
-              <a:solidFill>
-                <a:schemeClr val="bg1">
-                  <a:lumMod val="85000"/>
-                </a:schemeClr>
-              </a:solidFill>
-            </a:ln>
-          </p:spPr>
-          <p:style>
-            <a:lnRef idx="2">
-              <a:schemeClr val="accent1">
-                <a:shade val="50000"/>
-              </a:schemeClr>
-            </a:lnRef>
-            <a:fillRef idx="1">
-              <a:schemeClr val="accent1"/>
-            </a:fillRef>
-            <a:effectRef idx="0">
-              <a:schemeClr val="accent1"/>
-            </a:effectRef>
-            <a:fontRef idx="minor">
-              <a:schemeClr val="lt1"/>
-            </a:fontRef>
-          </p:style>
-          <p:txBody>
-            <a:bodyPr rtlCol="0" anchor="ctr"/>
-            <a:lstStyle/>
-            <a:p>
-              <a:pPr algn="ctr"/>
-              <a:endParaRPr lang="en-US" dirty="0"/>
-            </a:p>
-          </p:txBody>
-        </p:sp>
-      </p:grpSp>
-      <p:sp>
-        <p:nvSpPr>
-          <p:cNvPr id="29" name="TextBox 28"/>
-          <p:cNvSpPr txBox="1"/>
-          <p:nvPr/>
-        </p:nvSpPr>
-        <p:spPr>
-          <a:xfrm>
-            <a:off x="1891558" y="5921688"/>
-            <a:ext cx="1424576" cy="369332"/>
-          </a:xfrm>
-          <a:prstGeom prst="rect">
-            <a:avLst/>
-          </a:prstGeom>
-          <a:noFill/>
-        </p:spPr>
-        <p:txBody>
-          <a:bodyPr wrap="square" rtlCol="0">
-            <a:spAutoFit/>
-          </a:bodyPr>
-          <a:lstStyle/>
-          <a:p>
-            <a:r>
-              <a:rPr lang="en-US" dirty="0" smtClean="0">
-                <a:solidFill>
-                  <a:srgbClr val="00B0F0"/>
-                </a:solidFill>
-              </a:rPr>
-              <a:t>Admin Host</a:t>
-            </a:r>
-            <a:endParaRPr lang="en-US" dirty="0">
-              <a:solidFill>
-                <a:srgbClr val="00B0F0"/>
-              </a:solidFill>
-            </a:endParaRPr>
-          </a:p>
-        </p:txBody>
-      </p:sp>
-      <p:grpSp>
-        <p:nvGrpSpPr>
-          <p:cNvPr id="89" name="Group 88"/>
-          <p:cNvGrpSpPr/>
-          <p:nvPr/>
-        </p:nvGrpSpPr>
-        <p:grpSpPr>
-          <a:xfrm>
-            <a:off x="875544" y="3212043"/>
-            <a:ext cx="1895819" cy="1630083"/>
-            <a:chOff x="878550" y="3535843"/>
-            <a:chExt cx="1895819" cy="1630083"/>
-          </a:xfrm>
-        </p:grpSpPr>
-        <p:grpSp>
-          <p:nvGrpSpPr>
-            <p:cNvPr id="94" name="Group 93"/>
-            <p:cNvGrpSpPr/>
-            <p:nvPr/>
-          </p:nvGrpSpPr>
-          <p:grpSpPr>
-            <a:xfrm>
-              <a:off x="939694" y="3692224"/>
-              <a:ext cx="1815584" cy="1221652"/>
-              <a:chOff x="11041231" y="881508"/>
-              <a:chExt cx="1647718" cy="1105110"/>
-            </a:xfrm>
-          </p:grpSpPr>
-          <p:pic>
-            <p:nvPicPr>
-              <p:cNvPr id="99" name="Picture 10" descr="Image result for settings"/>
-              <p:cNvPicPr>
-                <a:picLocks noChangeAspect="1" noChangeArrowheads="1"/>
-              </p:cNvPicPr>
-              <p:nvPr/>
-            </p:nvPicPr>
-            <p:blipFill>
-              <a:blip r:embed="rId3" cstate="print">
-                <a:extLst>
-                  <a:ext uri="{28A0092B-C50C-407E-A947-70E740481C1C}">
-                    <a14:useLocalDpi xmlns:a14="http://schemas.microsoft.com/office/drawing/2010/main" val="0"/>
-                  </a:ext>
-                </a:extLst>
-              </a:blip>
-              <a:srcRect/>
-              <a:stretch>
-                <a:fillRect/>
-              </a:stretch>
-            </p:blipFill>
-            <p:spPr bwMode="auto">
-              <a:xfrm>
-                <a:off x="11622270" y="1539144"/>
-                <a:ext cx="447474" cy="447474"/>
-              </a:xfrm>
-              <a:prstGeom prst="rect">
-                <a:avLst/>
-              </a:prstGeom>
-              <a:noFill/>
-              <a:ln>
-                <a:solidFill>
-                  <a:schemeClr val="bg1">
-                    <a:lumMod val="85000"/>
-                  </a:schemeClr>
-                </a:solidFill>
-              </a:ln>
-              <a:extLst>
-                <a:ext uri="{909E8E84-426E-40DD-AFC4-6F175D3DCCD1}">
-                  <a14:hiddenFill xmlns:a14="http://schemas.microsoft.com/office/drawing/2010/main">
-                    <a:solidFill>
-                      <a:srgbClr val="FFFFFF"/>
-                    </a:solidFill>
-                  </a14:hiddenFill>
-                </a:ext>
-              </a:extLst>
-            </p:spPr>
-          </p:pic>
-          <p:sp>
-            <p:nvSpPr>
-              <p:cNvPr id="103" name="TextBox 102"/>
-              <p:cNvSpPr txBox="1"/>
-              <p:nvPr/>
-            </p:nvSpPr>
-            <p:spPr>
-              <a:xfrm>
-                <a:off x="11041231" y="881508"/>
-                <a:ext cx="1647718" cy="923330"/>
-              </a:xfrm>
-              <a:prstGeom prst="rect">
-                <a:avLst/>
-              </a:prstGeom>
-              <a:noFill/>
-              <a:ln>
-                <a:noFill/>
-              </a:ln>
-            </p:spPr>
-            <p:txBody>
-              <a:bodyPr wrap="square" rtlCol="0">
-                <a:spAutoFit/>
-              </a:bodyPr>
-              <a:lstStyle/>
-              <a:p>
-                <a:pPr algn="ctr"/>
-                <a:r>
-                  <a:rPr lang="en-US" b="1" dirty="0" smtClean="0">
-                    <a:solidFill>
-                      <a:schemeClr val="bg1">
-                        <a:lumMod val="85000"/>
-                      </a:schemeClr>
-                    </a:solidFill>
-                  </a:rPr>
-                  <a:t>CompanyList Activity Worker</a:t>
-                </a:r>
-                <a:endParaRPr lang="en-US" b="1" dirty="0">
-                  <a:solidFill>
-                    <a:schemeClr val="bg1">
-                      <a:lumMod val="85000"/>
-                    </a:schemeClr>
-                  </a:solidFill>
-                </a:endParaRPr>
-              </a:p>
-            </p:txBody>
-          </p:sp>
-        </p:grpSp>
-        <p:sp>
-          <p:nvSpPr>
-            <p:cNvPr id="98" name="Rounded Rectangle 97"/>
-            <p:cNvSpPr/>
-            <p:nvPr/>
-          </p:nvSpPr>
-          <p:spPr>
-            <a:xfrm>
-              <a:off x="878550" y="3535843"/>
-              <a:ext cx="1895819" cy="1630083"/>
-            </a:xfrm>
-            <a:prstGeom prst="roundRect">
-              <a:avLst/>
-            </a:prstGeom>
-            <a:noFill/>
-            <a:ln>
-              <a:solidFill>
-                <a:schemeClr val="bg1">
-                  <a:lumMod val="85000"/>
-                </a:schemeClr>
-              </a:solidFill>
-            </a:ln>
-          </p:spPr>
-          <p:style>
-            <a:lnRef idx="2">
-              <a:schemeClr val="accent1">
-                <a:shade val="50000"/>
-              </a:schemeClr>
-            </a:lnRef>
-            <a:fillRef idx="1">
-              <a:schemeClr val="accent1"/>
-            </a:fillRef>
-            <a:effectRef idx="0">
-              <a:schemeClr val="accent1"/>
-            </a:effectRef>
-            <a:fontRef idx="minor">
-              <a:schemeClr val="lt1"/>
-            </a:fontRef>
-          </p:style>
-          <p:txBody>
-            <a:bodyPr rtlCol="0" anchor="ctr"/>
-            <a:lstStyle/>
-            <a:p>
-              <a:pPr algn="ctr"/>
-              <a:endParaRPr lang="en-US"/>
-            </a:p>
-          </p:txBody>
-        </p:sp>
-      </p:grpSp>
-      <p:sp>
-        <p:nvSpPr>
-          <p:cNvPr id="15" name="Rectangle 14"/>
-          <p:cNvSpPr/>
-          <p:nvPr/>
-        </p:nvSpPr>
-        <p:spPr>
-          <a:xfrm>
-            <a:off x="572556" y="1007363"/>
-            <a:ext cx="2638004" cy="5355876"/>
-          </a:xfrm>
-          <a:prstGeom prst="rect">
-            <a:avLst/>
-          </a:prstGeom>
-          <a:noFill/>
-          <a:ln>
-            <a:solidFill>
-              <a:schemeClr val="bg1">
-                <a:lumMod val="85000"/>
-              </a:schemeClr>
-            </a:solidFill>
-          </a:ln>
-        </p:spPr>
-        <p:style>
-          <a:lnRef idx="2">
-            <a:schemeClr val="accent1">
-              <a:shade val="50000"/>
-            </a:schemeClr>
-          </a:lnRef>
-          <a:fillRef idx="1">
-            <a:schemeClr val="accent1"/>
-          </a:fillRef>
-          <a:effectRef idx="0">
-            <a:schemeClr val="accent1"/>
-          </a:effectRef>
-          <a:fontRef idx="minor">
-            <a:schemeClr val="lt1"/>
-          </a:fontRef>
-        </p:style>
-        <p:txBody>
-          <a:bodyPr rtlCol="0" anchor="ctr"/>
-          <a:lstStyle/>
-          <a:p>
-            <a:pPr algn="ctr"/>
-            <a:endParaRPr lang="en-US"/>
-          </a:p>
-        </p:txBody>
-      </p:sp>
-      <p:grpSp>
-        <p:nvGrpSpPr>
-          <p:cNvPr id="108" name="Group 107"/>
-          <p:cNvGrpSpPr/>
-          <p:nvPr/>
-        </p:nvGrpSpPr>
-        <p:grpSpPr>
-          <a:xfrm>
-            <a:off x="3480574" y="999091"/>
-            <a:ext cx="2525957" cy="3590985"/>
-            <a:chOff x="7406640" y="584775"/>
-            <a:chExt cx="2525957" cy="3590985"/>
-          </a:xfrm>
-        </p:grpSpPr>
-        <p:sp>
-          <p:nvSpPr>
-            <p:cNvPr id="109" name="TextBox 108"/>
-            <p:cNvSpPr txBox="1"/>
-            <p:nvPr/>
-          </p:nvSpPr>
-          <p:spPr>
-            <a:xfrm>
-              <a:off x="8483842" y="3755251"/>
-              <a:ext cx="1448755" cy="369332"/>
-            </a:xfrm>
-            <a:prstGeom prst="rect">
-              <a:avLst/>
-            </a:prstGeom>
-            <a:noFill/>
-          </p:spPr>
-          <p:txBody>
-            <a:bodyPr wrap="square" rtlCol="0">
-              <a:spAutoFit/>
-            </a:bodyPr>
-            <a:lstStyle/>
-            <a:p>
-              <a:r>
-                <a:rPr lang="en-US" dirty="0" smtClean="0">
-                  <a:solidFill>
-                    <a:srgbClr val="00B0F0"/>
-                  </a:solidFill>
-                </a:rPr>
-                <a:t>Cron Host</a:t>
-              </a:r>
-              <a:endParaRPr lang="en-US" dirty="0">
-                <a:solidFill>
-                  <a:srgbClr val="00B0F0"/>
-                </a:solidFill>
-              </a:endParaRPr>
-            </a:p>
-          </p:txBody>
-        </p:sp>
-        <p:grpSp>
-          <p:nvGrpSpPr>
-            <p:cNvPr id="110" name="Group 109"/>
-            <p:cNvGrpSpPr/>
-            <p:nvPr/>
-          </p:nvGrpSpPr>
-          <p:grpSpPr>
-            <a:xfrm>
-              <a:off x="7677173" y="2316966"/>
-              <a:ext cx="1675685" cy="1369957"/>
-              <a:chOff x="6878797" y="2839434"/>
-              <a:chExt cx="1675685" cy="1369957"/>
-            </a:xfrm>
-          </p:grpSpPr>
-          <p:pic>
-            <p:nvPicPr>
-              <p:cNvPr id="116" name="Picture 10" descr="Image result for settings"/>
-              <p:cNvPicPr>
-                <a:picLocks noChangeAspect="1" noChangeArrowheads="1"/>
-              </p:cNvPicPr>
-              <p:nvPr/>
-            </p:nvPicPr>
-            <p:blipFill>
-              <a:blip r:embed="rId3" cstate="print">
-                <a:extLst>
-                  <a:ext uri="{28A0092B-C50C-407E-A947-70E740481C1C}">
-                    <a14:useLocalDpi xmlns:a14="http://schemas.microsoft.com/office/drawing/2010/main" val="0"/>
-                  </a:ext>
-                </a:extLst>
-              </a:blip>
-              <a:srcRect/>
-              <a:stretch>
-                <a:fillRect/>
-              </a:stretch>
-            </p:blipFill>
-            <p:spPr bwMode="auto">
-              <a:xfrm>
-                <a:off x="7489105" y="3556494"/>
-                <a:ext cx="455069" cy="435438"/>
-              </a:xfrm>
-              <a:prstGeom prst="rect">
-                <a:avLst/>
-              </a:prstGeom>
-              <a:noFill/>
-              <a:ln>
-                <a:solidFill>
-                  <a:schemeClr val="bg1">
-                    <a:lumMod val="85000"/>
-                  </a:schemeClr>
-                </a:solidFill>
-              </a:ln>
-              <a:extLst>
-                <a:ext uri="{909E8E84-426E-40DD-AFC4-6F175D3DCCD1}">
-                  <a14:hiddenFill xmlns:a14="http://schemas.microsoft.com/office/drawing/2010/main">
-                    <a:solidFill>
-                      <a:srgbClr val="FFFFFF"/>
-                    </a:solidFill>
-                  </a14:hiddenFill>
-                </a:ext>
-              </a:extLst>
-            </p:spPr>
-          </p:pic>
-          <p:sp>
-            <p:nvSpPr>
-              <p:cNvPr id="117" name="TextBox 116"/>
-              <p:cNvSpPr txBox="1"/>
-              <p:nvPr/>
-            </p:nvSpPr>
-            <p:spPr>
-              <a:xfrm>
-                <a:off x="6878797" y="2840971"/>
-                <a:ext cx="1675685" cy="898494"/>
-              </a:xfrm>
-              <a:prstGeom prst="rect">
-                <a:avLst/>
-              </a:prstGeom>
-              <a:noFill/>
-              <a:ln>
-                <a:noFill/>
-              </a:ln>
-            </p:spPr>
-            <p:txBody>
-              <a:bodyPr wrap="square" rtlCol="0">
-                <a:spAutoFit/>
-              </a:bodyPr>
-              <a:lstStyle/>
-              <a:p>
-                <a:pPr algn="ctr"/>
-                <a:r>
-                  <a:rPr lang="en-US" b="1" dirty="0" smtClean="0">
-                    <a:solidFill>
-                      <a:schemeClr val="bg1">
-                        <a:lumMod val="85000"/>
-                      </a:schemeClr>
-                    </a:solidFill>
-                  </a:rPr>
-                  <a:t>Send Reminder Activity Worker</a:t>
-                </a:r>
-                <a:endParaRPr lang="en-US" b="1" dirty="0">
-                  <a:solidFill>
-                    <a:schemeClr val="bg1">
-                      <a:lumMod val="85000"/>
-                    </a:schemeClr>
-                  </a:solidFill>
-                </a:endParaRPr>
-              </a:p>
-            </p:txBody>
-          </p:sp>
-          <p:sp>
-            <p:nvSpPr>
-              <p:cNvPr id="118" name="Rounded Rectangle 117"/>
-              <p:cNvSpPr/>
-              <p:nvPr/>
-            </p:nvSpPr>
-            <p:spPr>
-              <a:xfrm>
-                <a:off x="6878797" y="2839434"/>
-                <a:ext cx="1675685" cy="1369957"/>
-              </a:xfrm>
-              <a:prstGeom prst="roundRect">
-                <a:avLst/>
-              </a:prstGeom>
-              <a:noFill/>
-              <a:ln>
-                <a:solidFill>
-                  <a:schemeClr val="bg1">
-                    <a:lumMod val="85000"/>
-                  </a:schemeClr>
-                </a:solidFill>
-              </a:ln>
-            </p:spPr>
-            <p:style>
-              <a:lnRef idx="2">
-                <a:schemeClr val="accent1">
-                  <a:shade val="50000"/>
-                </a:schemeClr>
-              </a:lnRef>
-              <a:fillRef idx="1">
-                <a:schemeClr val="accent1"/>
-              </a:fillRef>
-              <a:effectRef idx="0">
-                <a:schemeClr val="accent1"/>
-              </a:effectRef>
-              <a:fontRef idx="minor">
-                <a:schemeClr val="lt1"/>
-              </a:fontRef>
-            </p:style>
-            <p:txBody>
-              <a:bodyPr rtlCol="0" anchor="ctr"/>
-              <a:lstStyle/>
-              <a:p>
-                <a:pPr algn="ctr"/>
-                <a:endParaRPr lang="en-US"/>
-              </a:p>
-            </p:txBody>
-          </p:sp>
-        </p:grpSp>
-        <p:grpSp>
-          <p:nvGrpSpPr>
-            <p:cNvPr id="111" name="Group 110"/>
-            <p:cNvGrpSpPr/>
-            <p:nvPr/>
-          </p:nvGrpSpPr>
-          <p:grpSpPr>
-            <a:xfrm>
-              <a:off x="7656391" y="756246"/>
-              <a:ext cx="1696467" cy="1369957"/>
-              <a:chOff x="6787199" y="912091"/>
-              <a:chExt cx="1696467" cy="1369957"/>
-            </a:xfrm>
-          </p:grpSpPr>
-          <p:pic>
-            <p:nvPicPr>
-              <p:cNvPr id="113" name="Picture 10" descr="Image result for settings"/>
-              <p:cNvPicPr>
-                <a:picLocks noChangeAspect="1" noChangeArrowheads="1"/>
-              </p:cNvPicPr>
-              <p:nvPr/>
-            </p:nvPicPr>
-            <p:blipFill>
-              <a:blip r:embed="rId3" cstate="print">
-                <a:extLst>
-                  <a:ext uri="{28A0092B-C50C-407E-A947-70E740481C1C}">
-                    <a14:useLocalDpi xmlns:a14="http://schemas.microsoft.com/office/drawing/2010/main" val="0"/>
-                  </a:ext>
-                </a:extLst>
-              </a:blip>
-              <a:srcRect/>
-              <a:stretch>
-                <a:fillRect/>
-              </a:stretch>
-            </p:blipFill>
-            <p:spPr bwMode="auto">
-              <a:xfrm>
-                <a:off x="7387116" y="1629151"/>
-                <a:ext cx="455069" cy="435438"/>
-              </a:xfrm>
-              <a:prstGeom prst="rect">
-                <a:avLst/>
-              </a:prstGeom>
-              <a:noFill/>
-              <a:ln>
-                <a:solidFill>
-                  <a:schemeClr val="bg1">
-                    <a:lumMod val="85000"/>
-                  </a:schemeClr>
-                </a:solidFill>
-              </a:ln>
-              <a:extLst>
-                <a:ext uri="{909E8E84-426E-40DD-AFC4-6F175D3DCCD1}">
-                  <a14:hiddenFill xmlns:a14="http://schemas.microsoft.com/office/drawing/2010/main">
-                    <a:solidFill>
-                      <a:srgbClr val="FFFFFF"/>
-                    </a:solidFill>
-                  </a14:hiddenFill>
-                </a:ext>
-              </a:extLst>
-            </p:spPr>
-          </p:pic>
-          <p:sp>
-            <p:nvSpPr>
-              <p:cNvPr id="114" name="TextBox 113"/>
-              <p:cNvSpPr txBox="1"/>
-              <p:nvPr/>
-            </p:nvSpPr>
-            <p:spPr>
-              <a:xfrm>
-                <a:off x="6787199" y="913628"/>
-                <a:ext cx="1675685" cy="898494"/>
-              </a:xfrm>
-              <a:prstGeom prst="rect">
-                <a:avLst/>
-              </a:prstGeom>
-              <a:noFill/>
-              <a:ln>
-                <a:noFill/>
-              </a:ln>
-            </p:spPr>
-            <p:txBody>
-              <a:bodyPr wrap="square" rtlCol="0">
-                <a:spAutoFit/>
-              </a:bodyPr>
-              <a:lstStyle/>
-              <a:p>
-                <a:pPr algn="ctr"/>
-                <a:r>
-                  <a:rPr lang="en-US" b="1" dirty="0" smtClean="0">
-                    <a:solidFill>
-                      <a:schemeClr val="bg1">
-                        <a:lumMod val="85000"/>
-                      </a:schemeClr>
-                    </a:solidFill>
-                  </a:rPr>
-                  <a:t>Send Reminder Activity Worker</a:t>
-                </a:r>
-                <a:endParaRPr lang="en-US" b="1" dirty="0">
-                  <a:solidFill>
-                    <a:schemeClr val="bg1">
-                      <a:lumMod val="85000"/>
-                    </a:schemeClr>
-                  </a:solidFill>
-                </a:endParaRPr>
-              </a:p>
-            </p:txBody>
-          </p:sp>
-          <p:sp>
-            <p:nvSpPr>
-              <p:cNvPr id="115" name="Rounded Rectangle 114"/>
-              <p:cNvSpPr/>
-              <p:nvPr/>
-            </p:nvSpPr>
-            <p:spPr>
-              <a:xfrm>
-                <a:off x="6807981" y="912091"/>
-                <a:ext cx="1675685" cy="1369957"/>
-              </a:xfrm>
-              <a:prstGeom prst="roundRect">
-                <a:avLst/>
-              </a:prstGeom>
-              <a:noFill/>
-              <a:ln>
-                <a:solidFill>
-                  <a:schemeClr val="bg1">
-                    <a:lumMod val="85000"/>
-                  </a:schemeClr>
-                </a:solidFill>
-              </a:ln>
-            </p:spPr>
-            <p:style>
-              <a:lnRef idx="2">
-                <a:schemeClr val="accent1">
-                  <a:shade val="50000"/>
-                </a:schemeClr>
-              </a:lnRef>
-              <a:fillRef idx="1">
-                <a:schemeClr val="accent1"/>
-              </a:fillRef>
-              <a:effectRef idx="0">
-                <a:schemeClr val="accent1"/>
-              </a:effectRef>
-              <a:fontRef idx="minor">
-                <a:schemeClr val="lt1"/>
-              </a:fontRef>
-            </p:style>
-            <p:txBody>
-              <a:bodyPr rtlCol="0" anchor="ctr"/>
-              <a:lstStyle/>
-              <a:p>
-                <a:pPr algn="ctr"/>
-                <a:endParaRPr lang="en-US"/>
-              </a:p>
-            </p:txBody>
-          </p:sp>
-        </p:grpSp>
-        <p:sp>
-          <p:nvSpPr>
-            <p:cNvPr id="112" name="Rectangle 111"/>
-            <p:cNvSpPr/>
-            <p:nvPr/>
-          </p:nvSpPr>
-          <p:spPr>
-            <a:xfrm>
-              <a:off x="7406640" y="584775"/>
-              <a:ext cx="2189747" cy="3590985"/>
+              <a:off x="7387116" y="1629151"/>
+              <a:ext cx="455069" cy="435438"/>
             </a:xfrm>
             <a:prstGeom prst="rect">
               <a:avLst/>
@@ -12145,472 +11478,27 @@
                 </a:schemeClr>
               </a:solidFill>
             </a:ln>
+            <a:extLst>
+              <a:ext uri="{909E8E84-426E-40DD-AFC4-6F175D3DCCD1}">
+                <a14:hiddenFill xmlns:a14="http://schemas.microsoft.com/office/drawing/2010/main">
+                  <a:solidFill>
+                    <a:srgbClr val="FFFFFF"/>
+                  </a:solidFill>
+                </a14:hiddenFill>
+              </a:ext>
+            </a:extLst>
           </p:spPr>
-          <p:style>
-            <a:lnRef idx="2">
-              <a:schemeClr val="accent1">
-                <a:shade val="50000"/>
-              </a:schemeClr>
-            </a:lnRef>
-            <a:fillRef idx="1">
-              <a:schemeClr val="accent1"/>
-            </a:fillRef>
-            <a:effectRef idx="0">
-              <a:schemeClr val="accent1"/>
-            </a:effectRef>
-            <a:fontRef idx="minor">
-              <a:schemeClr val="lt1"/>
-            </a:fontRef>
-          </p:style>
-          <p:txBody>
-            <a:bodyPr rtlCol="0" anchor="ctr"/>
-            <a:lstStyle/>
-            <a:p>
-              <a:pPr algn="ctr"/>
-              <a:endParaRPr lang="en-US"/>
-            </a:p>
-          </p:txBody>
-        </p:sp>
-      </p:grpSp>
-      <p:grpSp>
-        <p:nvGrpSpPr>
-          <p:cNvPr id="119" name="Group 118"/>
-          <p:cNvGrpSpPr/>
-          <p:nvPr/>
-        </p:nvGrpSpPr>
-        <p:grpSpPr>
-          <a:xfrm>
-            <a:off x="6393835" y="1007363"/>
-            <a:ext cx="2525957" cy="3590985"/>
-            <a:chOff x="7406640" y="584775"/>
-            <a:chExt cx="2525957" cy="3590985"/>
-          </a:xfrm>
-        </p:grpSpPr>
+        </p:pic>
         <p:sp>
           <p:nvSpPr>
-            <p:cNvPr id="120" name="TextBox 119"/>
+            <p:cNvPr id="109" name="TextBox 108"/>
             <p:cNvSpPr txBox="1"/>
             <p:nvPr/>
           </p:nvSpPr>
           <p:spPr>
             <a:xfrm>
-              <a:off x="8483842" y="3755251"/>
-              <a:ext cx="1448755" cy="369332"/>
-            </a:xfrm>
-            <a:prstGeom prst="rect">
-              <a:avLst/>
-            </a:prstGeom>
-            <a:noFill/>
-          </p:spPr>
-          <p:txBody>
-            <a:bodyPr wrap="square" rtlCol="0">
-              <a:spAutoFit/>
-            </a:bodyPr>
-            <a:lstStyle/>
-            <a:p>
-              <a:r>
-                <a:rPr lang="en-US" dirty="0" smtClean="0">
-                  <a:solidFill>
-                    <a:srgbClr val="00B0F0"/>
-                  </a:solidFill>
-                </a:rPr>
-                <a:t>Cron Host</a:t>
-              </a:r>
-              <a:endParaRPr lang="en-US" dirty="0">
-                <a:solidFill>
-                  <a:srgbClr val="00B0F0"/>
-                </a:solidFill>
-              </a:endParaRPr>
-            </a:p>
-          </p:txBody>
-        </p:sp>
-        <p:grpSp>
-          <p:nvGrpSpPr>
-            <p:cNvPr id="121" name="Group 120"/>
-            <p:cNvGrpSpPr/>
-            <p:nvPr/>
-          </p:nvGrpSpPr>
-          <p:grpSpPr>
-            <a:xfrm>
-              <a:off x="7677173" y="2316966"/>
-              <a:ext cx="1675685" cy="1369957"/>
-              <a:chOff x="6878797" y="2839434"/>
-              <a:chExt cx="1675685" cy="1369957"/>
-            </a:xfrm>
-          </p:grpSpPr>
-          <p:pic>
-            <p:nvPicPr>
-              <p:cNvPr id="127" name="Picture 10" descr="Image result for settings"/>
-              <p:cNvPicPr>
-                <a:picLocks noChangeAspect="1" noChangeArrowheads="1"/>
-              </p:cNvPicPr>
-              <p:nvPr/>
-            </p:nvPicPr>
-            <p:blipFill>
-              <a:blip r:embed="rId3" cstate="print">
-                <a:extLst>
-                  <a:ext uri="{28A0092B-C50C-407E-A947-70E740481C1C}">
-                    <a14:useLocalDpi xmlns:a14="http://schemas.microsoft.com/office/drawing/2010/main" val="0"/>
-                  </a:ext>
-                </a:extLst>
-              </a:blip>
-              <a:srcRect/>
-              <a:stretch>
-                <a:fillRect/>
-              </a:stretch>
-            </p:blipFill>
-            <p:spPr bwMode="auto">
-              <a:xfrm>
-                <a:off x="7489105" y="3556494"/>
-                <a:ext cx="455069" cy="435438"/>
-              </a:xfrm>
-              <a:prstGeom prst="rect">
-                <a:avLst/>
-              </a:prstGeom>
-              <a:noFill/>
-              <a:ln>
-                <a:solidFill>
-                  <a:schemeClr val="bg1">
-                    <a:lumMod val="85000"/>
-                  </a:schemeClr>
-                </a:solidFill>
-              </a:ln>
-              <a:extLst>
-                <a:ext uri="{909E8E84-426E-40DD-AFC4-6F175D3DCCD1}">
-                  <a14:hiddenFill xmlns:a14="http://schemas.microsoft.com/office/drawing/2010/main">
-                    <a:solidFill>
-                      <a:srgbClr val="FFFFFF"/>
-                    </a:solidFill>
-                  </a14:hiddenFill>
-                </a:ext>
-              </a:extLst>
-            </p:spPr>
-          </p:pic>
-          <p:sp>
-            <p:nvSpPr>
-              <p:cNvPr id="128" name="TextBox 127"/>
-              <p:cNvSpPr txBox="1"/>
-              <p:nvPr/>
-            </p:nvSpPr>
-            <p:spPr>
-              <a:xfrm>
-                <a:off x="6878797" y="2840971"/>
-                <a:ext cx="1675685" cy="898494"/>
-              </a:xfrm>
-              <a:prstGeom prst="rect">
-                <a:avLst/>
-              </a:prstGeom>
-              <a:noFill/>
-              <a:ln>
-                <a:noFill/>
-              </a:ln>
-            </p:spPr>
-            <p:txBody>
-              <a:bodyPr wrap="square" rtlCol="0">
-                <a:spAutoFit/>
-              </a:bodyPr>
-              <a:lstStyle/>
-              <a:p>
-                <a:pPr algn="ctr"/>
-                <a:r>
-                  <a:rPr lang="en-US" b="1" dirty="0" smtClean="0">
-                    <a:solidFill>
-                      <a:schemeClr val="bg1">
-                        <a:lumMod val="85000"/>
-                      </a:schemeClr>
-                    </a:solidFill>
-                  </a:rPr>
-                  <a:t>Send Reminder Activity Worker</a:t>
-                </a:r>
-                <a:endParaRPr lang="en-US" b="1" dirty="0">
-                  <a:solidFill>
-                    <a:schemeClr val="bg1">
-                      <a:lumMod val="85000"/>
-                    </a:schemeClr>
-                  </a:solidFill>
-                </a:endParaRPr>
-              </a:p>
-            </p:txBody>
-          </p:sp>
-          <p:sp>
-            <p:nvSpPr>
-              <p:cNvPr id="129" name="Rounded Rectangle 128"/>
-              <p:cNvSpPr/>
-              <p:nvPr/>
-            </p:nvSpPr>
-            <p:spPr>
-              <a:xfrm>
-                <a:off x="6878797" y="2839434"/>
-                <a:ext cx="1675685" cy="1369957"/>
-              </a:xfrm>
-              <a:prstGeom prst="roundRect">
-                <a:avLst/>
-              </a:prstGeom>
-              <a:noFill/>
-              <a:ln>
-                <a:solidFill>
-                  <a:schemeClr val="bg1">
-                    <a:lumMod val="85000"/>
-                  </a:schemeClr>
-                </a:solidFill>
-              </a:ln>
-            </p:spPr>
-            <p:style>
-              <a:lnRef idx="2">
-                <a:schemeClr val="accent1">
-                  <a:shade val="50000"/>
-                </a:schemeClr>
-              </a:lnRef>
-              <a:fillRef idx="1">
-                <a:schemeClr val="accent1"/>
-              </a:fillRef>
-              <a:effectRef idx="0">
-                <a:schemeClr val="accent1"/>
-              </a:effectRef>
-              <a:fontRef idx="minor">
-                <a:schemeClr val="lt1"/>
-              </a:fontRef>
-            </p:style>
-            <p:txBody>
-              <a:bodyPr rtlCol="0" anchor="ctr"/>
-              <a:lstStyle/>
-              <a:p>
-                <a:pPr algn="ctr"/>
-                <a:endParaRPr lang="en-US"/>
-              </a:p>
-            </p:txBody>
-          </p:sp>
-        </p:grpSp>
-        <p:grpSp>
-          <p:nvGrpSpPr>
-            <p:cNvPr id="122" name="Group 121"/>
-            <p:cNvGrpSpPr/>
-            <p:nvPr/>
-          </p:nvGrpSpPr>
-          <p:grpSpPr>
-            <a:xfrm>
-              <a:off x="7656391" y="756246"/>
-              <a:ext cx="1696467" cy="1369957"/>
-              <a:chOff x="6787199" y="912091"/>
-              <a:chExt cx="1696467" cy="1369957"/>
-            </a:xfrm>
-          </p:grpSpPr>
-          <p:pic>
-            <p:nvPicPr>
-              <p:cNvPr id="124" name="Picture 10" descr="Image result for settings"/>
-              <p:cNvPicPr>
-                <a:picLocks noChangeAspect="1" noChangeArrowheads="1"/>
-              </p:cNvPicPr>
-              <p:nvPr/>
-            </p:nvPicPr>
-            <p:blipFill>
-              <a:blip r:embed="rId3" cstate="print">
-                <a:extLst>
-                  <a:ext uri="{28A0092B-C50C-407E-A947-70E740481C1C}">
-                    <a14:useLocalDpi xmlns:a14="http://schemas.microsoft.com/office/drawing/2010/main" val="0"/>
-                  </a:ext>
-                </a:extLst>
-              </a:blip>
-              <a:srcRect/>
-              <a:stretch>
-                <a:fillRect/>
-              </a:stretch>
-            </p:blipFill>
-            <p:spPr bwMode="auto">
-              <a:xfrm>
-                <a:off x="7387116" y="1629151"/>
-                <a:ext cx="455069" cy="435438"/>
-              </a:xfrm>
-              <a:prstGeom prst="rect">
-                <a:avLst/>
-              </a:prstGeom>
-              <a:noFill/>
-              <a:ln>
-                <a:solidFill>
-                  <a:schemeClr val="bg1">
-                    <a:lumMod val="85000"/>
-                  </a:schemeClr>
-                </a:solidFill>
-              </a:ln>
-              <a:extLst>
-                <a:ext uri="{909E8E84-426E-40DD-AFC4-6F175D3DCCD1}">
-                  <a14:hiddenFill xmlns:a14="http://schemas.microsoft.com/office/drawing/2010/main">
-                    <a:solidFill>
-                      <a:srgbClr val="FFFFFF"/>
-                    </a:solidFill>
-                  </a14:hiddenFill>
-                </a:ext>
-              </a:extLst>
-            </p:spPr>
-          </p:pic>
-          <p:sp>
-            <p:nvSpPr>
-              <p:cNvPr id="125" name="TextBox 124"/>
-              <p:cNvSpPr txBox="1"/>
-              <p:nvPr/>
-            </p:nvSpPr>
-            <p:spPr>
-              <a:xfrm>
-                <a:off x="6787199" y="913628"/>
-                <a:ext cx="1675685" cy="898494"/>
-              </a:xfrm>
-              <a:prstGeom prst="rect">
-                <a:avLst/>
-              </a:prstGeom>
-              <a:noFill/>
-              <a:ln>
-                <a:noFill/>
-              </a:ln>
-            </p:spPr>
-            <p:txBody>
-              <a:bodyPr wrap="square" rtlCol="0">
-                <a:spAutoFit/>
-              </a:bodyPr>
-              <a:lstStyle/>
-              <a:p>
-                <a:pPr algn="ctr"/>
-                <a:r>
-                  <a:rPr lang="en-US" b="1" dirty="0" smtClean="0">
-                    <a:solidFill>
-                      <a:schemeClr val="bg1">
-                        <a:lumMod val="85000"/>
-                      </a:schemeClr>
-                    </a:solidFill>
-                  </a:rPr>
-                  <a:t>Send Reminder Activity Worker</a:t>
-                </a:r>
-                <a:endParaRPr lang="en-US" b="1" dirty="0">
-                  <a:solidFill>
-                    <a:schemeClr val="bg1">
-                      <a:lumMod val="85000"/>
-                    </a:schemeClr>
-                  </a:solidFill>
-                </a:endParaRPr>
-              </a:p>
-            </p:txBody>
-          </p:sp>
-          <p:sp>
-            <p:nvSpPr>
-              <p:cNvPr id="126" name="Rounded Rectangle 125"/>
-              <p:cNvSpPr/>
-              <p:nvPr/>
-            </p:nvSpPr>
-            <p:spPr>
-              <a:xfrm>
-                <a:off x="6807981" y="912091"/>
-                <a:ext cx="1675685" cy="1369957"/>
-              </a:xfrm>
-              <a:prstGeom prst="roundRect">
-                <a:avLst/>
-              </a:prstGeom>
-              <a:noFill/>
-              <a:ln>
-                <a:solidFill>
-                  <a:schemeClr val="bg1">
-                    <a:lumMod val="85000"/>
-                  </a:schemeClr>
-                </a:solidFill>
-              </a:ln>
-            </p:spPr>
-            <p:style>
-              <a:lnRef idx="2">
-                <a:schemeClr val="accent1">
-                  <a:shade val="50000"/>
-                </a:schemeClr>
-              </a:lnRef>
-              <a:fillRef idx="1">
-                <a:schemeClr val="accent1"/>
-              </a:fillRef>
-              <a:effectRef idx="0">
-                <a:schemeClr val="accent1"/>
-              </a:effectRef>
-              <a:fontRef idx="minor">
-                <a:schemeClr val="lt1"/>
-              </a:fontRef>
-            </p:style>
-            <p:txBody>
-              <a:bodyPr rtlCol="0" anchor="ctr"/>
-              <a:lstStyle/>
-              <a:p>
-                <a:pPr algn="ctr"/>
-                <a:endParaRPr lang="en-US"/>
-              </a:p>
-            </p:txBody>
-          </p:sp>
-        </p:grpSp>
-        <p:sp>
-          <p:nvSpPr>
-            <p:cNvPr id="123" name="Rectangle 122"/>
-            <p:cNvSpPr/>
-            <p:nvPr/>
-          </p:nvSpPr>
-          <p:spPr>
-            <a:xfrm>
-              <a:off x="7406640" y="584775"/>
-              <a:ext cx="2189747" cy="3590985"/>
-            </a:xfrm>
-            <a:prstGeom prst="rect">
-              <a:avLst/>
-            </a:prstGeom>
-            <a:noFill/>
-            <a:ln>
-              <a:solidFill>
-                <a:schemeClr val="bg1">
-                  <a:lumMod val="85000"/>
-                </a:schemeClr>
-              </a:solidFill>
-            </a:ln>
-          </p:spPr>
-          <p:style>
-            <a:lnRef idx="2">
-              <a:schemeClr val="accent1">
-                <a:shade val="50000"/>
-              </a:schemeClr>
-            </a:lnRef>
-            <a:fillRef idx="1">
-              <a:schemeClr val="accent1"/>
-            </a:fillRef>
-            <a:effectRef idx="0">
-              <a:schemeClr val="accent1"/>
-            </a:effectRef>
-            <a:fontRef idx="minor">
-              <a:schemeClr val="lt1"/>
-            </a:fontRef>
-          </p:style>
-          <p:txBody>
-            <a:bodyPr rtlCol="0" anchor="ctr"/>
-            <a:lstStyle/>
-            <a:p>
-              <a:pPr algn="ctr"/>
-              <a:endParaRPr lang="en-US"/>
-            </a:p>
-          </p:txBody>
-        </p:sp>
-      </p:grpSp>
-      <p:grpSp>
-        <p:nvGrpSpPr>
-          <p:cNvPr id="130" name="Group 129"/>
-          <p:cNvGrpSpPr/>
-          <p:nvPr/>
-        </p:nvGrpSpPr>
-        <p:grpSpPr>
-          <a:xfrm>
-            <a:off x="851777" y="5204434"/>
-            <a:ext cx="2034036" cy="524182"/>
-            <a:chOff x="3300323" y="3763690"/>
-            <a:chExt cx="2269204" cy="777713"/>
-          </a:xfrm>
-        </p:grpSpPr>
-        <p:sp>
-          <p:nvSpPr>
-            <p:cNvPr id="131" name="TextBox 130"/>
-            <p:cNvSpPr txBox="1"/>
-            <p:nvPr/>
-          </p:nvSpPr>
-          <p:spPr>
-            <a:xfrm>
-              <a:off x="3300323" y="3765871"/>
-              <a:ext cx="2180728" cy="369332"/>
+              <a:off x="6787199" y="913628"/>
+              <a:ext cx="1675685" cy="898494"/>
             </a:xfrm>
             <a:prstGeom prst="rect">
               <a:avLst/>
@@ -12635,7 +11523,7 @@
                     </a:schemeClr>
                   </a:solidFill>
                 </a:rPr>
-                <a:t>Workflow Starter</a:t>
+                <a:t>Send Reminder Activity Worker</a:t>
               </a:r>
               <a:endParaRPr lang="en-US" b="1" dirty="0">
                 <a:solidFill>
@@ -12649,14 +11537,14 @@
         </p:sp>
         <p:sp>
           <p:nvSpPr>
-            <p:cNvPr id="132" name="Rounded Rectangle 131"/>
+            <p:cNvPr id="110" name="Rounded Rectangle 109"/>
             <p:cNvSpPr/>
             <p:nvPr/>
           </p:nvSpPr>
           <p:spPr>
             <a:xfrm>
-              <a:off x="3300323" y="3763690"/>
-              <a:ext cx="2269204" cy="777713"/>
+              <a:off x="6807981" y="912091"/>
+              <a:ext cx="1675685" cy="1369957"/>
             </a:xfrm>
             <a:prstGeom prst="roundRect">
               <a:avLst/>
@@ -12698,26 +11586,23 @@
       </p:grpSp>
       <p:cxnSp>
         <p:nvCxnSpPr>
-          <p:cNvPr id="22" name="Straight Arrow Connector 21"/>
-          <p:cNvCxnSpPr>
-            <a:stCxn id="38" idx="1"/>
-            <a:endCxn id="15" idx="3"/>
-          </p:cNvCxnSpPr>
+          <p:cNvPr id="111" name="Straight Connector 110"/>
+          <p:cNvCxnSpPr/>
           <p:nvPr/>
         </p:nvCxnSpPr>
         <p:spPr>
-          <a:xfrm flipH="1" flipV="1">
-            <a:off x="3210560" y="3685301"/>
-            <a:ext cx="2741112" cy="2578048"/>
+          <a:xfrm>
+            <a:off x="8699364" y="639146"/>
+            <a:ext cx="8786" cy="1087509"/>
           </a:xfrm>
-          <a:prstGeom prst="straightConnector1">
+          <a:prstGeom prst="line">
             <a:avLst/>
           </a:prstGeom>
           <a:ln w="15875">
             <a:solidFill>
               <a:srgbClr val="FFFF00"/>
             </a:solidFill>
-            <a:tailEnd type="triangle"/>
+            <a:prstDash val="lgDash"/>
           </a:ln>
         </p:spPr>
         <p:style>
@@ -12737,25 +11622,23 @@
       </p:cxnSp>
       <p:cxnSp>
         <p:nvCxnSpPr>
-          <p:cNvPr id="33" name="Straight Arrow Connector 32"/>
-          <p:cNvCxnSpPr>
-            <a:stCxn id="38" idx="0"/>
-          </p:cNvCxnSpPr>
+          <p:cNvPr id="115" name="Straight Connector 114"/>
+          <p:cNvCxnSpPr/>
           <p:nvPr/>
         </p:nvCxnSpPr>
         <p:spPr>
-          <a:xfrm flipH="1" flipV="1">
-            <a:off x="4870300" y="4598348"/>
-            <a:ext cx="2029282" cy="1204089"/>
+          <a:xfrm>
+            <a:off x="8739779" y="2667299"/>
+            <a:ext cx="8786" cy="1087509"/>
           </a:xfrm>
-          <a:prstGeom prst="straightConnector1">
+          <a:prstGeom prst="line">
             <a:avLst/>
           </a:prstGeom>
           <a:ln w="15875">
             <a:solidFill>
               <a:srgbClr val="FFFF00"/>
             </a:solidFill>
-            <a:tailEnd type="triangle"/>
+            <a:prstDash val="lgDash"/>
           </a:ln>
         </p:spPr>
         <p:style>
@@ -12775,102 +11658,23 @@
       </p:cxnSp>
       <p:cxnSp>
         <p:nvCxnSpPr>
-          <p:cNvPr id="37" name="Straight Arrow Connector 36"/>
-          <p:cNvCxnSpPr>
-            <a:stCxn id="38" idx="0"/>
-          </p:cNvCxnSpPr>
+          <p:cNvPr id="118" name="Straight Connector 117"/>
+          <p:cNvCxnSpPr/>
           <p:nvPr/>
         </p:nvCxnSpPr>
         <p:spPr>
-          <a:xfrm flipV="1">
-            <a:off x="6899582" y="4607227"/>
-            <a:ext cx="571455" cy="1195210"/>
+          <a:xfrm>
+            <a:off x="8651410" y="4967775"/>
+            <a:ext cx="8786" cy="1087509"/>
           </a:xfrm>
-          <a:prstGeom prst="straightConnector1">
+          <a:prstGeom prst="line">
             <a:avLst/>
           </a:prstGeom>
           <a:ln w="15875">
             <a:solidFill>
               <a:srgbClr val="FFFF00"/>
             </a:solidFill>
-            <a:tailEnd type="triangle"/>
-          </a:ln>
-        </p:spPr>
-        <p:style>
-          <a:lnRef idx="1">
-            <a:schemeClr val="accent1"/>
-          </a:lnRef>
-          <a:fillRef idx="0">
-            <a:schemeClr val="accent1"/>
-          </a:fillRef>
-          <a:effectRef idx="0">
-            <a:schemeClr val="accent1"/>
-          </a:effectRef>
-          <a:fontRef idx="minor">
-            <a:schemeClr val="tx1"/>
-          </a:fontRef>
-        </p:style>
-      </p:cxnSp>
-      <p:cxnSp>
-        <p:nvCxnSpPr>
-          <p:cNvPr id="42" name="Straight Arrow Connector 41"/>
-          <p:cNvCxnSpPr>
-            <a:stCxn id="38" idx="0"/>
-          </p:cNvCxnSpPr>
-          <p:nvPr/>
-        </p:nvCxnSpPr>
-        <p:spPr>
-          <a:xfrm flipV="1">
-            <a:off x="6899582" y="4615499"/>
-            <a:ext cx="3343740" cy="1186938"/>
-          </a:xfrm>
-          <a:prstGeom prst="straightConnector1">
-            <a:avLst/>
-          </a:prstGeom>
-          <a:ln w="15875">
-            <a:solidFill>
-              <a:srgbClr val="FFFF00"/>
-            </a:solidFill>
-            <a:tailEnd type="triangle"/>
-          </a:ln>
-        </p:spPr>
-        <p:style>
-          <a:lnRef idx="1">
-            <a:schemeClr val="accent1"/>
-          </a:lnRef>
-          <a:fillRef idx="0">
-            <a:schemeClr val="accent1"/>
-          </a:fillRef>
-          <a:effectRef idx="0">
-            <a:schemeClr val="accent1"/>
-          </a:effectRef>
-          <a:fontRef idx="minor">
-            <a:schemeClr val="tx1"/>
-          </a:fontRef>
-        </p:style>
-      </p:cxnSp>
-      <p:cxnSp>
-        <p:nvCxnSpPr>
-          <p:cNvPr id="46" name="Straight Arrow Connector 45"/>
-          <p:cNvCxnSpPr>
-            <a:stCxn id="38" idx="1"/>
-            <a:endCxn id="132" idx="3"/>
-          </p:cNvCxnSpPr>
-          <p:nvPr/>
-        </p:nvCxnSpPr>
-        <p:spPr>
-          <a:xfrm flipH="1" flipV="1">
-            <a:off x="2885813" y="5466525"/>
-            <a:ext cx="3065859" cy="796824"/>
-          </a:xfrm>
-          <a:prstGeom prst="straightConnector1">
-            <a:avLst/>
-          </a:prstGeom>
-          <a:ln w="15875">
-            <a:solidFill>
-              <a:srgbClr val="FFFF00"/>
-            </a:solidFill>
-            <a:tailEnd type="triangle"/>
+            <a:prstDash val="lgDash"/>
           </a:ln>
         </p:spPr>
         <p:style>
@@ -12891,2183 +11695,7 @@
     </p:spTree>
     <p:extLst>
       <p:ext uri="{BB962C8B-B14F-4D97-AF65-F5344CB8AC3E}">
-        <p14:creationId xmlns:p14="http://schemas.microsoft.com/office/powerpoint/2010/main" val="561141297"/>
-      </p:ext>
-    </p:extLst>
-  </p:cSld>
-  <p:clrMapOvr>
-    <a:masterClrMapping/>
-  </p:clrMapOvr>
-  <p:timing>
-    <p:tnLst>
-      <p:par>
-        <p:cTn id="1" dur="indefinite" restart="never" nodeType="tmRoot"/>
-      </p:par>
-    </p:tnLst>
-  </p:timing>
-</p:sld>
-</file>
-
-<file path=ppt/slides/slide9.xml><?xml version="1.0" encoding="utf-8"?>
-<p:sld xmlns:a="http://schemas.openxmlformats.org/drawingml/2006/main" xmlns:r="http://schemas.openxmlformats.org/officeDocument/2006/relationships" xmlns:p="http://schemas.openxmlformats.org/presentationml/2006/main">
-  <p:cSld>
-    <p:bg>
-      <p:bgPr>
-        <a:solidFill>
-          <a:schemeClr val="bg2">
-            <a:lumMod val="50000"/>
-          </a:schemeClr>
-        </a:solidFill>
-        <a:effectLst/>
-      </p:bgPr>
-    </p:bg>
-    <p:spTree>
-      <p:nvGrpSpPr>
-        <p:cNvPr id="1" name=""/>
-        <p:cNvGrpSpPr/>
-        <p:nvPr/>
-      </p:nvGrpSpPr>
-      <p:grpSpPr>
-        <a:xfrm>
-          <a:off x="0" y="0"/>
-          <a:ext cx="0" cy="0"/>
-          <a:chOff x="0" y="0"/>
-          <a:chExt cx="0" cy="0"/>
-        </a:xfrm>
-      </p:grpSpPr>
-      <p:sp>
-        <p:nvSpPr>
-          <p:cNvPr id="4" name="TextBox 3"/>
-          <p:cNvSpPr txBox="1"/>
-          <p:nvPr/>
-        </p:nvSpPr>
-        <p:spPr>
-          <a:xfrm>
-            <a:off x="3949567" y="0"/>
-            <a:ext cx="5646820" cy="584775"/>
-          </a:xfrm>
-          <a:prstGeom prst="rect">
-            <a:avLst/>
-          </a:prstGeom>
-          <a:noFill/>
-        </p:spPr>
-        <p:txBody>
-          <a:bodyPr wrap="square" rtlCol="0">
-            <a:spAutoFit/>
-          </a:bodyPr>
-          <a:lstStyle/>
-          <a:p>
-            <a:r>
-              <a:rPr lang="en-US" sz="3200" b="1" dirty="0" smtClean="0">
-                <a:solidFill>
-                  <a:schemeClr val="accent2">
-                    <a:lumMod val="60000"/>
-                    <a:lumOff val="40000"/>
-                  </a:schemeClr>
-                </a:solidFill>
-              </a:rPr>
-              <a:t>Autoreminder SWF setup</a:t>
-            </a:r>
-            <a:endParaRPr lang="en-US" sz="3200" b="1" dirty="0">
-              <a:solidFill>
-                <a:schemeClr val="accent2">
-                  <a:lumMod val="60000"/>
-                  <a:lumOff val="40000"/>
-                </a:schemeClr>
-              </a:solidFill>
-            </a:endParaRPr>
-          </a:p>
-        </p:txBody>
-      </p:sp>
-      <p:grpSp>
-        <p:nvGrpSpPr>
-          <p:cNvPr id="13" name="Group 12"/>
-          <p:cNvGrpSpPr/>
-          <p:nvPr/>
-        </p:nvGrpSpPr>
-        <p:grpSpPr>
-          <a:xfrm>
-            <a:off x="5951672" y="5802437"/>
-            <a:ext cx="1895819" cy="921823"/>
-            <a:chOff x="1317746" y="1117791"/>
-            <a:chExt cx="1895819" cy="1630083"/>
-          </a:xfrm>
-        </p:grpSpPr>
-        <p:sp>
-          <p:nvSpPr>
-            <p:cNvPr id="6" name="TextBox 5"/>
-            <p:cNvSpPr txBox="1"/>
-            <p:nvPr/>
-          </p:nvSpPr>
-          <p:spPr>
-            <a:xfrm>
-              <a:off x="1357863" y="1724077"/>
-              <a:ext cx="1815584" cy="369332"/>
-            </a:xfrm>
-            <a:prstGeom prst="rect">
-              <a:avLst/>
-            </a:prstGeom>
-            <a:noFill/>
-            <a:ln>
-              <a:noFill/>
-            </a:ln>
-          </p:spPr>
-          <p:txBody>
-            <a:bodyPr wrap="square" rtlCol="0">
-              <a:spAutoFit/>
-            </a:bodyPr>
-            <a:lstStyle/>
-            <a:p>
-              <a:pPr algn="ctr"/>
-              <a:r>
-                <a:rPr lang="en-US" b="1" dirty="0" smtClean="0">
-                  <a:solidFill>
-                    <a:schemeClr val="bg1">
-                      <a:lumMod val="85000"/>
-                    </a:schemeClr>
-                  </a:solidFill>
-                </a:rPr>
-                <a:t>Setup.sh</a:t>
-              </a:r>
-              <a:endParaRPr lang="en-US" b="1" dirty="0">
-                <a:solidFill>
-                  <a:schemeClr val="bg1">
-                    <a:lumMod val="85000"/>
-                  </a:schemeClr>
-                </a:solidFill>
-              </a:endParaRPr>
-            </a:p>
-          </p:txBody>
-        </p:sp>
-        <p:sp>
-          <p:nvSpPr>
-            <p:cNvPr id="38" name="Rounded Rectangle 37"/>
-            <p:cNvSpPr/>
-            <p:nvPr/>
-          </p:nvSpPr>
-          <p:spPr>
-            <a:xfrm>
-              <a:off x="1317746" y="1117791"/>
-              <a:ext cx="1895819" cy="1630083"/>
-            </a:xfrm>
-            <a:prstGeom prst="roundRect">
-              <a:avLst/>
-            </a:prstGeom>
-            <a:noFill/>
-            <a:ln>
-              <a:solidFill>
-                <a:schemeClr val="bg1">
-                  <a:lumMod val="85000"/>
-                </a:schemeClr>
-              </a:solidFill>
-            </a:ln>
-          </p:spPr>
-          <p:style>
-            <a:lnRef idx="2">
-              <a:schemeClr val="accent1">
-                <a:shade val="50000"/>
-              </a:schemeClr>
-            </a:lnRef>
-            <a:fillRef idx="1">
-              <a:schemeClr val="accent1"/>
-            </a:fillRef>
-            <a:effectRef idx="0">
-              <a:schemeClr val="accent1"/>
-            </a:effectRef>
-            <a:fontRef idx="minor">
-              <a:schemeClr val="lt1"/>
-            </a:fontRef>
-          </p:style>
-          <p:txBody>
-            <a:bodyPr rtlCol="0" anchor="ctr"/>
-            <a:lstStyle/>
-            <a:p>
-              <a:pPr algn="ctr"/>
-              <a:endParaRPr lang="en-US"/>
-            </a:p>
-          </p:txBody>
-        </p:sp>
-      </p:grpSp>
-      <p:grpSp>
-        <p:nvGrpSpPr>
-          <p:cNvPr id="16" name="Group 15"/>
-          <p:cNvGrpSpPr/>
-          <p:nvPr/>
-        </p:nvGrpSpPr>
-        <p:grpSpPr>
-          <a:xfrm>
-            <a:off x="9134947" y="999091"/>
-            <a:ext cx="2525957" cy="3590985"/>
-            <a:chOff x="7406640" y="584775"/>
-            <a:chExt cx="2525957" cy="3590985"/>
-          </a:xfrm>
-        </p:grpSpPr>
-        <p:sp>
-          <p:nvSpPr>
-            <p:cNvPr id="65" name="TextBox 64"/>
-            <p:cNvSpPr txBox="1"/>
-            <p:nvPr/>
-          </p:nvSpPr>
-          <p:spPr>
-            <a:xfrm>
-              <a:off x="8483842" y="3755251"/>
-              <a:ext cx="1448755" cy="369332"/>
-            </a:xfrm>
-            <a:prstGeom prst="rect">
-              <a:avLst/>
-            </a:prstGeom>
-            <a:noFill/>
-          </p:spPr>
-          <p:txBody>
-            <a:bodyPr wrap="square" rtlCol="0">
-              <a:spAutoFit/>
-            </a:bodyPr>
-            <a:lstStyle/>
-            <a:p>
-              <a:r>
-                <a:rPr lang="en-US" dirty="0" smtClean="0">
-                  <a:solidFill>
-                    <a:srgbClr val="00B0F0"/>
-                  </a:solidFill>
-                </a:rPr>
-                <a:t>Cron Host</a:t>
-              </a:r>
-              <a:endParaRPr lang="en-US" dirty="0">
-                <a:solidFill>
-                  <a:srgbClr val="00B0F0"/>
-                </a:solidFill>
-              </a:endParaRPr>
-            </a:p>
-          </p:txBody>
-        </p:sp>
-        <p:grpSp>
-          <p:nvGrpSpPr>
-            <p:cNvPr id="9" name="Group 8"/>
-            <p:cNvGrpSpPr/>
-            <p:nvPr/>
-          </p:nvGrpSpPr>
-          <p:grpSpPr>
-            <a:xfrm>
-              <a:off x="7677173" y="2316966"/>
-              <a:ext cx="1675685" cy="1369957"/>
-              <a:chOff x="6878797" y="2839434"/>
-              <a:chExt cx="1675685" cy="1369957"/>
-            </a:xfrm>
-          </p:grpSpPr>
-          <p:pic>
-            <p:nvPicPr>
-              <p:cNvPr id="82" name="Picture 10" descr="Image result for settings"/>
-              <p:cNvPicPr>
-                <a:picLocks noChangeAspect="1" noChangeArrowheads="1"/>
-              </p:cNvPicPr>
-              <p:nvPr/>
-            </p:nvPicPr>
-            <p:blipFill>
-              <a:blip r:embed="rId3" cstate="print">
-                <a:extLst>
-                  <a:ext uri="{28A0092B-C50C-407E-A947-70E740481C1C}">
-                    <a14:useLocalDpi xmlns:a14="http://schemas.microsoft.com/office/drawing/2010/main" val="0"/>
-                  </a:ext>
-                </a:extLst>
-              </a:blip>
-              <a:srcRect/>
-              <a:stretch>
-                <a:fillRect/>
-              </a:stretch>
-            </p:blipFill>
-            <p:spPr bwMode="auto">
-              <a:xfrm>
-                <a:off x="7489105" y="3556494"/>
-                <a:ext cx="455069" cy="435438"/>
-              </a:xfrm>
-              <a:prstGeom prst="rect">
-                <a:avLst/>
-              </a:prstGeom>
-              <a:noFill/>
-              <a:ln>
-                <a:solidFill>
-                  <a:schemeClr val="bg1">
-                    <a:lumMod val="85000"/>
-                  </a:schemeClr>
-                </a:solidFill>
-              </a:ln>
-              <a:extLst>
-                <a:ext uri="{909E8E84-426E-40DD-AFC4-6F175D3DCCD1}">
-                  <a14:hiddenFill xmlns:a14="http://schemas.microsoft.com/office/drawing/2010/main">
-                    <a:solidFill>
-                      <a:srgbClr val="FFFFFF"/>
-                    </a:solidFill>
-                  </a14:hiddenFill>
-                </a:ext>
-              </a:extLst>
-            </p:spPr>
-          </p:pic>
-          <p:sp>
-            <p:nvSpPr>
-              <p:cNvPr id="83" name="TextBox 82"/>
-              <p:cNvSpPr txBox="1"/>
-              <p:nvPr/>
-            </p:nvSpPr>
-            <p:spPr>
-              <a:xfrm>
-                <a:off x="6878797" y="2840971"/>
-                <a:ext cx="1675685" cy="898494"/>
-              </a:xfrm>
-              <a:prstGeom prst="rect">
-                <a:avLst/>
-              </a:prstGeom>
-              <a:noFill/>
-              <a:ln>
-                <a:noFill/>
-              </a:ln>
-            </p:spPr>
-            <p:txBody>
-              <a:bodyPr wrap="square" rtlCol="0">
-                <a:spAutoFit/>
-              </a:bodyPr>
-              <a:lstStyle/>
-              <a:p>
-                <a:pPr algn="ctr"/>
-                <a:r>
-                  <a:rPr lang="en-US" b="1" dirty="0" smtClean="0">
-                    <a:solidFill>
-                      <a:schemeClr val="bg1">
-                        <a:lumMod val="85000"/>
-                      </a:schemeClr>
-                    </a:solidFill>
-                  </a:rPr>
-                  <a:t>Send Reminder Activity Worker</a:t>
-                </a:r>
-                <a:endParaRPr lang="en-US" b="1" dirty="0">
-                  <a:solidFill>
-                    <a:schemeClr val="bg1">
-                      <a:lumMod val="85000"/>
-                    </a:schemeClr>
-                  </a:solidFill>
-                </a:endParaRPr>
-              </a:p>
-            </p:txBody>
-          </p:sp>
-          <p:sp>
-            <p:nvSpPr>
-              <p:cNvPr id="84" name="Rounded Rectangle 83"/>
-              <p:cNvSpPr/>
-              <p:nvPr/>
-            </p:nvSpPr>
-            <p:spPr>
-              <a:xfrm>
-                <a:off x="6878797" y="2839434"/>
-                <a:ext cx="1675685" cy="1369957"/>
-              </a:xfrm>
-              <a:prstGeom prst="roundRect">
-                <a:avLst/>
-              </a:prstGeom>
-              <a:noFill/>
-              <a:ln>
-                <a:solidFill>
-                  <a:schemeClr val="bg1">
-                    <a:lumMod val="85000"/>
-                  </a:schemeClr>
-                </a:solidFill>
-              </a:ln>
-            </p:spPr>
-            <p:style>
-              <a:lnRef idx="2">
-                <a:schemeClr val="accent1">
-                  <a:shade val="50000"/>
-                </a:schemeClr>
-              </a:lnRef>
-              <a:fillRef idx="1">
-                <a:schemeClr val="accent1"/>
-              </a:fillRef>
-              <a:effectRef idx="0">
-                <a:schemeClr val="accent1"/>
-              </a:effectRef>
-              <a:fontRef idx="minor">
-                <a:schemeClr val="lt1"/>
-              </a:fontRef>
-            </p:style>
-            <p:txBody>
-              <a:bodyPr rtlCol="0" anchor="ctr"/>
-              <a:lstStyle/>
-              <a:p>
-                <a:pPr algn="ctr"/>
-                <a:endParaRPr lang="en-US"/>
-              </a:p>
-            </p:txBody>
-          </p:sp>
-        </p:grpSp>
-        <p:grpSp>
-          <p:nvGrpSpPr>
-            <p:cNvPr id="7" name="Group 6"/>
-            <p:cNvGrpSpPr/>
-            <p:nvPr/>
-          </p:nvGrpSpPr>
-          <p:grpSpPr>
-            <a:xfrm>
-              <a:off x="7656391" y="756246"/>
-              <a:ext cx="1696467" cy="1369957"/>
-              <a:chOff x="6787199" y="912091"/>
-              <a:chExt cx="1696467" cy="1369957"/>
-            </a:xfrm>
-          </p:grpSpPr>
-          <p:pic>
-            <p:nvPicPr>
-              <p:cNvPr id="85" name="Picture 10" descr="Image result for settings"/>
-              <p:cNvPicPr>
-                <a:picLocks noChangeAspect="1" noChangeArrowheads="1"/>
-              </p:cNvPicPr>
-              <p:nvPr/>
-            </p:nvPicPr>
-            <p:blipFill>
-              <a:blip r:embed="rId3" cstate="print">
-                <a:extLst>
-                  <a:ext uri="{28A0092B-C50C-407E-A947-70E740481C1C}">
-                    <a14:useLocalDpi xmlns:a14="http://schemas.microsoft.com/office/drawing/2010/main" val="0"/>
-                  </a:ext>
-                </a:extLst>
-              </a:blip>
-              <a:srcRect/>
-              <a:stretch>
-                <a:fillRect/>
-              </a:stretch>
-            </p:blipFill>
-            <p:spPr bwMode="auto">
-              <a:xfrm>
-                <a:off x="7387116" y="1629151"/>
-                <a:ext cx="455069" cy="435438"/>
-              </a:xfrm>
-              <a:prstGeom prst="rect">
-                <a:avLst/>
-              </a:prstGeom>
-              <a:noFill/>
-              <a:ln>
-                <a:solidFill>
-                  <a:schemeClr val="bg1">
-                    <a:lumMod val="85000"/>
-                  </a:schemeClr>
-                </a:solidFill>
-              </a:ln>
-              <a:extLst>
-                <a:ext uri="{909E8E84-426E-40DD-AFC4-6F175D3DCCD1}">
-                  <a14:hiddenFill xmlns:a14="http://schemas.microsoft.com/office/drawing/2010/main">
-                    <a:solidFill>
-                      <a:srgbClr val="FFFFFF"/>
-                    </a:solidFill>
-                  </a14:hiddenFill>
-                </a:ext>
-              </a:extLst>
-            </p:spPr>
-          </p:pic>
-          <p:sp>
-            <p:nvSpPr>
-              <p:cNvPr id="86" name="TextBox 85"/>
-              <p:cNvSpPr txBox="1"/>
-              <p:nvPr/>
-            </p:nvSpPr>
-            <p:spPr>
-              <a:xfrm>
-                <a:off x="6787199" y="913628"/>
-                <a:ext cx="1675685" cy="898494"/>
-              </a:xfrm>
-              <a:prstGeom prst="rect">
-                <a:avLst/>
-              </a:prstGeom>
-              <a:noFill/>
-              <a:ln>
-                <a:noFill/>
-              </a:ln>
-            </p:spPr>
-            <p:txBody>
-              <a:bodyPr wrap="square" rtlCol="0">
-                <a:spAutoFit/>
-              </a:bodyPr>
-              <a:lstStyle/>
-              <a:p>
-                <a:pPr algn="ctr"/>
-                <a:r>
-                  <a:rPr lang="en-US" b="1" dirty="0" smtClean="0">
-                    <a:solidFill>
-                      <a:schemeClr val="bg1">
-                        <a:lumMod val="85000"/>
-                      </a:schemeClr>
-                    </a:solidFill>
-                  </a:rPr>
-                  <a:t>Send Reminder Activity Worker</a:t>
-                </a:r>
-                <a:endParaRPr lang="en-US" b="1" dirty="0">
-                  <a:solidFill>
-                    <a:schemeClr val="bg1">
-                      <a:lumMod val="85000"/>
-                    </a:schemeClr>
-                  </a:solidFill>
-                </a:endParaRPr>
-              </a:p>
-            </p:txBody>
-          </p:sp>
-          <p:sp>
-            <p:nvSpPr>
-              <p:cNvPr id="87" name="Rounded Rectangle 86"/>
-              <p:cNvSpPr/>
-              <p:nvPr/>
-            </p:nvSpPr>
-            <p:spPr>
-              <a:xfrm>
-                <a:off x="6807981" y="912091"/>
-                <a:ext cx="1675685" cy="1369957"/>
-              </a:xfrm>
-              <a:prstGeom prst="roundRect">
-                <a:avLst/>
-              </a:prstGeom>
-              <a:noFill/>
-              <a:ln>
-                <a:solidFill>
-                  <a:schemeClr val="bg1">
-                    <a:lumMod val="85000"/>
-                  </a:schemeClr>
-                </a:solidFill>
-              </a:ln>
-            </p:spPr>
-            <p:style>
-              <a:lnRef idx="2">
-                <a:schemeClr val="accent1">
-                  <a:shade val="50000"/>
-                </a:schemeClr>
-              </a:lnRef>
-              <a:fillRef idx="1">
-                <a:schemeClr val="accent1"/>
-              </a:fillRef>
-              <a:effectRef idx="0">
-                <a:schemeClr val="accent1"/>
-              </a:effectRef>
-              <a:fontRef idx="minor">
-                <a:schemeClr val="lt1"/>
-              </a:fontRef>
-            </p:style>
-            <p:txBody>
-              <a:bodyPr rtlCol="0" anchor="ctr"/>
-              <a:lstStyle/>
-              <a:p>
-                <a:pPr algn="ctr"/>
-                <a:endParaRPr lang="en-US"/>
-              </a:p>
-            </p:txBody>
-          </p:sp>
-        </p:grpSp>
-        <p:sp>
-          <p:nvSpPr>
-            <p:cNvPr id="14" name="Rectangle 13"/>
-            <p:cNvSpPr/>
-            <p:nvPr/>
-          </p:nvSpPr>
-          <p:spPr>
-            <a:xfrm>
-              <a:off x="7406640" y="584775"/>
-              <a:ext cx="2189747" cy="3590985"/>
-            </a:xfrm>
-            <a:prstGeom prst="rect">
-              <a:avLst/>
-            </a:prstGeom>
-            <a:noFill/>
-            <a:ln>
-              <a:solidFill>
-                <a:schemeClr val="bg1">
-                  <a:lumMod val="85000"/>
-                </a:schemeClr>
-              </a:solidFill>
-            </a:ln>
-          </p:spPr>
-          <p:style>
-            <a:lnRef idx="2">
-              <a:schemeClr val="accent1">
-                <a:shade val="50000"/>
-              </a:schemeClr>
-            </a:lnRef>
-            <a:fillRef idx="1">
-              <a:schemeClr val="accent1"/>
-            </a:fillRef>
-            <a:effectRef idx="0">
-              <a:schemeClr val="accent1"/>
-            </a:effectRef>
-            <a:fontRef idx="minor">
-              <a:schemeClr val="lt1"/>
-            </a:fontRef>
-          </p:style>
-          <p:txBody>
-            <a:bodyPr rtlCol="0" anchor="ctr"/>
-            <a:lstStyle/>
-            <a:p>
-              <a:pPr algn="ctr"/>
-              <a:endParaRPr lang="en-US"/>
-            </a:p>
-          </p:txBody>
-        </p:sp>
-      </p:grpSp>
-      <p:grpSp>
-        <p:nvGrpSpPr>
-          <p:cNvPr id="3" name="Group 2"/>
-          <p:cNvGrpSpPr/>
-          <p:nvPr/>
-        </p:nvGrpSpPr>
-        <p:grpSpPr>
-          <a:xfrm>
-            <a:off x="875544" y="1177952"/>
-            <a:ext cx="1962125" cy="1709388"/>
-            <a:chOff x="668563" y="1152004"/>
-            <a:chExt cx="1962125" cy="1709388"/>
-          </a:xfrm>
-        </p:grpSpPr>
-        <p:grpSp>
-          <p:nvGrpSpPr>
-            <p:cNvPr id="19" name="Group 18"/>
-            <p:cNvGrpSpPr/>
-            <p:nvPr/>
-          </p:nvGrpSpPr>
-          <p:grpSpPr>
-            <a:xfrm>
-              <a:off x="821507" y="1234430"/>
-              <a:ext cx="1656235" cy="1402069"/>
-              <a:chOff x="-149322" y="4798623"/>
-              <a:chExt cx="1656235" cy="1402069"/>
-            </a:xfrm>
-          </p:grpSpPr>
-          <p:pic>
-            <p:nvPicPr>
-              <p:cNvPr id="17" name="Picture 10" descr="Image result for settings"/>
-              <p:cNvPicPr>
-                <a:picLocks noChangeAspect="1" noChangeArrowheads="1"/>
-              </p:cNvPicPr>
-              <p:nvPr/>
-            </p:nvPicPr>
-            <p:blipFill>
-              <a:blip r:embed="rId3" cstate="print">
-                <a:extLst>
-                  <a:ext uri="{28A0092B-C50C-407E-A947-70E740481C1C}">
-                    <a14:useLocalDpi xmlns:a14="http://schemas.microsoft.com/office/drawing/2010/main" val="0"/>
-                  </a:ext>
-                </a:extLst>
-              </a:blip>
-              <a:srcRect/>
-              <a:stretch>
-                <a:fillRect/>
-              </a:stretch>
-            </p:blipFill>
-            <p:spPr bwMode="auto">
-              <a:xfrm>
-                <a:off x="456827" y="5753218"/>
-                <a:ext cx="447474" cy="447474"/>
-              </a:xfrm>
-              <a:prstGeom prst="rect">
-                <a:avLst/>
-              </a:prstGeom>
-              <a:noFill/>
-              <a:ln>
-                <a:solidFill>
-                  <a:schemeClr val="bg1">
-                    <a:lumMod val="85000"/>
-                  </a:schemeClr>
-                </a:solidFill>
-              </a:ln>
-              <a:extLst>
-                <a:ext uri="{909E8E84-426E-40DD-AFC4-6F175D3DCCD1}">
-                  <a14:hiddenFill xmlns:a14="http://schemas.microsoft.com/office/drawing/2010/main">
-                    <a:solidFill>
-                      <a:srgbClr val="FFFFFF"/>
-                    </a:solidFill>
-                  </a14:hiddenFill>
-                </a:ext>
-              </a:extLst>
-            </p:spPr>
-          </p:pic>
-          <p:sp>
-            <p:nvSpPr>
-              <p:cNvPr id="18" name="TextBox 17"/>
-              <p:cNvSpPr txBox="1"/>
-              <p:nvPr/>
-            </p:nvSpPr>
-            <p:spPr>
-              <a:xfrm>
-                <a:off x="-149322" y="4798623"/>
-                <a:ext cx="1656235" cy="923330"/>
-              </a:xfrm>
-              <a:prstGeom prst="rect">
-                <a:avLst/>
-              </a:prstGeom>
-              <a:noFill/>
-              <a:ln>
-                <a:noFill/>
-              </a:ln>
-            </p:spPr>
-            <p:txBody>
-              <a:bodyPr wrap="square" rtlCol="0">
-                <a:spAutoFit/>
-              </a:bodyPr>
-              <a:lstStyle/>
-              <a:p>
-                <a:pPr algn="ctr"/>
-                <a:r>
-                  <a:rPr lang="en-US" b="1" dirty="0" smtClean="0">
-                    <a:solidFill>
-                      <a:schemeClr val="bg1">
-                        <a:lumMod val="85000"/>
-                      </a:schemeClr>
-                    </a:solidFill>
-                  </a:rPr>
-                  <a:t>AutoReminder Workflow Worker</a:t>
-                </a:r>
-                <a:endParaRPr lang="en-US" b="1" dirty="0">
-                  <a:solidFill>
-                    <a:schemeClr val="bg1">
-                      <a:lumMod val="85000"/>
-                    </a:schemeClr>
-                  </a:solidFill>
-                </a:endParaRPr>
-              </a:p>
-            </p:txBody>
-          </p:sp>
-        </p:grpSp>
-        <p:sp>
-          <p:nvSpPr>
-            <p:cNvPr id="28" name="Rounded Rectangle 27"/>
-            <p:cNvSpPr/>
-            <p:nvPr/>
-          </p:nvSpPr>
-          <p:spPr>
-            <a:xfrm>
-              <a:off x="668563" y="1152004"/>
-              <a:ext cx="1962125" cy="1709388"/>
-            </a:xfrm>
-            <a:prstGeom prst="roundRect">
-              <a:avLst/>
-            </a:prstGeom>
-            <a:noFill/>
-            <a:ln>
-              <a:solidFill>
-                <a:schemeClr val="bg1">
-                  <a:lumMod val="85000"/>
-                </a:schemeClr>
-              </a:solidFill>
-            </a:ln>
-          </p:spPr>
-          <p:style>
-            <a:lnRef idx="2">
-              <a:schemeClr val="accent1">
-                <a:shade val="50000"/>
-              </a:schemeClr>
-            </a:lnRef>
-            <a:fillRef idx="1">
-              <a:schemeClr val="accent1"/>
-            </a:fillRef>
-            <a:effectRef idx="0">
-              <a:schemeClr val="accent1"/>
-            </a:effectRef>
-            <a:fontRef idx="minor">
-              <a:schemeClr val="lt1"/>
-            </a:fontRef>
-          </p:style>
-          <p:txBody>
-            <a:bodyPr rtlCol="0" anchor="ctr"/>
-            <a:lstStyle/>
-            <a:p>
-              <a:pPr algn="ctr"/>
-              <a:endParaRPr lang="en-US" dirty="0"/>
-            </a:p>
-          </p:txBody>
-        </p:sp>
-      </p:grpSp>
-      <p:sp>
-        <p:nvSpPr>
-          <p:cNvPr id="29" name="TextBox 28"/>
-          <p:cNvSpPr txBox="1"/>
-          <p:nvPr/>
-        </p:nvSpPr>
-        <p:spPr>
-          <a:xfrm>
-            <a:off x="1891558" y="5921688"/>
-            <a:ext cx="1424576" cy="369332"/>
-          </a:xfrm>
-          <a:prstGeom prst="rect">
-            <a:avLst/>
-          </a:prstGeom>
-          <a:noFill/>
-        </p:spPr>
-        <p:txBody>
-          <a:bodyPr wrap="square" rtlCol="0">
-            <a:spAutoFit/>
-          </a:bodyPr>
-          <a:lstStyle/>
-          <a:p>
-            <a:r>
-              <a:rPr lang="en-US" dirty="0" smtClean="0">
-                <a:solidFill>
-                  <a:srgbClr val="00B0F0"/>
-                </a:solidFill>
-              </a:rPr>
-              <a:t>Admin Host</a:t>
-            </a:r>
-            <a:endParaRPr lang="en-US" dirty="0">
-              <a:solidFill>
-                <a:srgbClr val="00B0F0"/>
-              </a:solidFill>
-            </a:endParaRPr>
-          </a:p>
-        </p:txBody>
-      </p:sp>
-      <p:grpSp>
-        <p:nvGrpSpPr>
-          <p:cNvPr id="89" name="Group 88"/>
-          <p:cNvGrpSpPr/>
-          <p:nvPr/>
-        </p:nvGrpSpPr>
-        <p:grpSpPr>
-          <a:xfrm>
-            <a:off x="875544" y="3212043"/>
-            <a:ext cx="1895819" cy="1630083"/>
-            <a:chOff x="878550" y="3535843"/>
-            <a:chExt cx="1895819" cy="1630083"/>
-          </a:xfrm>
-        </p:grpSpPr>
-        <p:grpSp>
-          <p:nvGrpSpPr>
-            <p:cNvPr id="94" name="Group 93"/>
-            <p:cNvGrpSpPr/>
-            <p:nvPr/>
-          </p:nvGrpSpPr>
-          <p:grpSpPr>
-            <a:xfrm>
-              <a:off x="939694" y="3692224"/>
-              <a:ext cx="1815584" cy="1221652"/>
-              <a:chOff x="11041231" y="881508"/>
-              <a:chExt cx="1647718" cy="1105110"/>
-            </a:xfrm>
-          </p:grpSpPr>
-          <p:pic>
-            <p:nvPicPr>
-              <p:cNvPr id="99" name="Picture 10" descr="Image result for settings"/>
-              <p:cNvPicPr>
-                <a:picLocks noChangeAspect="1" noChangeArrowheads="1"/>
-              </p:cNvPicPr>
-              <p:nvPr/>
-            </p:nvPicPr>
-            <p:blipFill>
-              <a:blip r:embed="rId3" cstate="print">
-                <a:extLst>
-                  <a:ext uri="{28A0092B-C50C-407E-A947-70E740481C1C}">
-                    <a14:useLocalDpi xmlns:a14="http://schemas.microsoft.com/office/drawing/2010/main" val="0"/>
-                  </a:ext>
-                </a:extLst>
-              </a:blip>
-              <a:srcRect/>
-              <a:stretch>
-                <a:fillRect/>
-              </a:stretch>
-            </p:blipFill>
-            <p:spPr bwMode="auto">
-              <a:xfrm>
-                <a:off x="11622270" y="1539144"/>
-                <a:ext cx="447474" cy="447474"/>
-              </a:xfrm>
-              <a:prstGeom prst="rect">
-                <a:avLst/>
-              </a:prstGeom>
-              <a:noFill/>
-              <a:ln>
-                <a:solidFill>
-                  <a:schemeClr val="bg1">
-                    <a:lumMod val="85000"/>
-                  </a:schemeClr>
-                </a:solidFill>
-              </a:ln>
-              <a:extLst>
-                <a:ext uri="{909E8E84-426E-40DD-AFC4-6F175D3DCCD1}">
-                  <a14:hiddenFill xmlns:a14="http://schemas.microsoft.com/office/drawing/2010/main">
-                    <a:solidFill>
-                      <a:srgbClr val="FFFFFF"/>
-                    </a:solidFill>
-                  </a14:hiddenFill>
-                </a:ext>
-              </a:extLst>
-            </p:spPr>
-          </p:pic>
-          <p:sp>
-            <p:nvSpPr>
-              <p:cNvPr id="103" name="TextBox 102"/>
-              <p:cNvSpPr txBox="1"/>
-              <p:nvPr/>
-            </p:nvSpPr>
-            <p:spPr>
-              <a:xfrm>
-                <a:off x="11041231" y="881508"/>
-                <a:ext cx="1647718" cy="923330"/>
-              </a:xfrm>
-              <a:prstGeom prst="rect">
-                <a:avLst/>
-              </a:prstGeom>
-              <a:noFill/>
-              <a:ln>
-                <a:noFill/>
-              </a:ln>
-            </p:spPr>
-            <p:txBody>
-              <a:bodyPr wrap="square" rtlCol="0">
-                <a:spAutoFit/>
-              </a:bodyPr>
-              <a:lstStyle/>
-              <a:p>
-                <a:pPr algn="ctr"/>
-                <a:r>
-                  <a:rPr lang="en-US" b="1" dirty="0" smtClean="0">
-                    <a:solidFill>
-                      <a:schemeClr val="bg1">
-                        <a:lumMod val="85000"/>
-                      </a:schemeClr>
-                    </a:solidFill>
-                  </a:rPr>
-                  <a:t>CompanyList Activity Worker</a:t>
-                </a:r>
-                <a:endParaRPr lang="en-US" b="1" dirty="0">
-                  <a:solidFill>
-                    <a:schemeClr val="bg1">
-                      <a:lumMod val="85000"/>
-                    </a:schemeClr>
-                  </a:solidFill>
-                </a:endParaRPr>
-              </a:p>
-            </p:txBody>
-          </p:sp>
-        </p:grpSp>
-        <p:sp>
-          <p:nvSpPr>
-            <p:cNvPr id="98" name="Rounded Rectangle 97"/>
-            <p:cNvSpPr/>
-            <p:nvPr/>
-          </p:nvSpPr>
-          <p:spPr>
-            <a:xfrm>
-              <a:off x="878550" y="3535843"/>
-              <a:ext cx="1895819" cy="1630083"/>
-            </a:xfrm>
-            <a:prstGeom prst="roundRect">
-              <a:avLst/>
-            </a:prstGeom>
-            <a:noFill/>
-            <a:ln>
-              <a:solidFill>
-                <a:schemeClr val="bg1">
-                  <a:lumMod val="85000"/>
-                </a:schemeClr>
-              </a:solidFill>
-            </a:ln>
-          </p:spPr>
-          <p:style>
-            <a:lnRef idx="2">
-              <a:schemeClr val="accent1">
-                <a:shade val="50000"/>
-              </a:schemeClr>
-            </a:lnRef>
-            <a:fillRef idx="1">
-              <a:schemeClr val="accent1"/>
-            </a:fillRef>
-            <a:effectRef idx="0">
-              <a:schemeClr val="accent1"/>
-            </a:effectRef>
-            <a:fontRef idx="minor">
-              <a:schemeClr val="lt1"/>
-            </a:fontRef>
-          </p:style>
-          <p:txBody>
-            <a:bodyPr rtlCol="0" anchor="ctr"/>
-            <a:lstStyle/>
-            <a:p>
-              <a:pPr algn="ctr"/>
-              <a:endParaRPr lang="en-US"/>
-            </a:p>
-          </p:txBody>
-        </p:sp>
-      </p:grpSp>
-      <p:sp>
-        <p:nvSpPr>
-          <p:cNvPr id="15" name="Rectangle 14"/>
-          <p:cNvSpPr/>
-          <p:nvPr/>
-        </p:nvSpPr>
-        <p:spPr>
-          <a:xfrm>
-            <a:off x="572556" y="1007363"/>
-            <a:ext cx="2638004" cy="5355876"/>
-          </a:xfrm>
-          <a:prstGeom prst="rect">
-            <a:avLst/>
-          </a:prstGeom>
-          <a:noFill/>
-          <a:ln>
-            <a:solidFill>
-              <a:schemeClr val="bg1">
-                <a:lumMod val="85000"/>
-              </a:schemeClr>
-            </a:solidFill>
-          </a:ln>
-        </p:spPr>
-        <p:style>
-          <a:lnRef idx="2">
-            <a:schemeClr val="accent1">
-              <a:shade val="50000"/>
-            </a:schemeClr>
-          </a:lnRef>
-          <a:fillRef idx="1">
-            <a:schemeClr val="accent1"/>
-          </a:fillRef>
-          <a:effectRef idx="0">
-            <a:schemeClr val="accent1"/>
-          </a:effectRef>
-          <a:fontRef idx="minor">
-            <a:schemeClr val="lt1"/>
-          </a:fontRef>
-        </p:style>
-        <p:txBody>
-          <a:bodyPr rtlCol="0" anchor="ctr"/>
-          <a:lstStyle/>
-          <a:p>
-            <a:pPr algn="ctr"/>
-            <a:endParaRPr lang="en-US"/>
-          </a:p>
-        </p:txBody>
-      </p:sp>
-      <p:grpSp>
-        <p:nvGrpSpPr>
-          <p:cNvPr id="108" name="Group 107"/>
-          <p:cNvGrpSpPr/>
-          <p:nvPr/>
-        </p:nvGrpSpPr>
-        <p:grpSpPr>
-          <a:xfrm>
-            <a:off x="3761925" y="999091"/>
-            <a:ext cx="2525957" cy="3590985"/>
-            <a:chOff x="7406640" y="584775"/>
-            <a:chExt cx="2525957" cy="3590985"/>
-          </a:xfrm>
-        </p:grpSpPr>
-        <p:sp>
-          <p:nvSpPr>
-            <p:cNvPr id="109" name="TextBox 108"/>
-            <p:cNvSpPr txBox="1"/>
-            <p:nvPr/>
-          </p:nvSpPr>
-          <p:spPr>
-            <a:xfrm>
-              <a:off x="8483842" y="3755251"/>
-              <a:ext cx="1448755" cy="369332"/>
-            </a:xfrm>
-            <a:prstGeom prst="rect">
-              <a:avLst/>
-            </a:prstGeom>
-            <a:noFill/>
-          </p:spPr>
-          <p:txBody>
-            <a:bodyPr wrap="square" rtlCol="0">
-              <a:spAutoFit/>
-            </a:bodyPr>
-            <a:lstStyle/>
-            <a:p>
-              <a:r>
-                <a:rPr lang="en-US" dirty="0" smtClean="0">
-                  <a:solidFill>
-                    <a:srgbClr val="00B0F0"/>
-                  </a:solidFill>
-                </a:rPr>
-                <a:t>Cron Host</a:t>
-              </a:r>
-              <a:endParaRPr lang="en-US" dirty="0">
-                <a:solidFill>
-                  <a:srgbClr val="00B0F0"/>
-                </a:solidFill>
-              </a:endParaRPr>
-            </a:p>
-          </p:txBody>
-        </p:sp>
-        <p:grpSp>
-          <p:nvGrpSpPr>
-            <p:cNvPr id="110" name="Group 109"/>
-            <p:cNvGrpSpPr/>
-            <p:nvPr/>
-          </p:nvGrpSpPr>
-          <p:grpSpPr>
-            <a:xfrm>
-              <a:off x="7677173" y="2316966"/>
-              <a:ext cx="1675685" cy="1369957"/>
-              <a:chOff x="6878797" y="2839434"/>
-              <a:chExt cx="1675685" cy="1369957"/>
-            </a:xfrm>
-          </p:grpSpPr>
-          <p:pic>
-            <p:nvPicPr>
-              <p:cNvPr id="116" name="Picture 10" descr="Image result for settings"/>
-              <p:cNvPicPr>
-                <a:picLocks noChangeAspect="1" noChangeArrowheads="1"/>
-              </p:cNvPicPr>
-              <p:nvPr/>
-            </p:nvPicPr>
-            <p:blipFill>
-              <a:blip r:embed="rId3" cstate="print">
-                <a:extLst>
-                  <a:ext uri="{28A0092B-C50C-407E-A947-70E740481C1C}">
-                    <a14:useLocalDpi xmlns:a14="http://schemas.microsoft.com/office/drawing/2010/main" val="0"/>
-                  </a:ext>
-                </a:extLst>
-              </a:blip>
-              <a:srcRect/>
-              <a:stretch>
-                <a:fillRect/>
-              </a:stretch>
-            </p:blipFill>
-            <p:spPr bwMode="auto">
-              <a:xfrm>
-                <a:off x="7489105" y="3556494"/>
-                <a:ext cx="455069" cy="435438"/>
-              </a:xfrm>
-              <a:prstGeom prst="rect">
-                <a:avLst/>
-              </a:prstGeom>
-              <a:noFill/>
-              <a:ln>
-                <a:solidFill>
-                  <a:schemeClr val="bg1">
-                    <a:lumMod val="85000"/>
-                  </a:schemeClr>
-                </a:solidFill>
-              </a:ln>
-              <a:extLst>
-                <a:ext uri="{909E8E84-426E-40DD-AFC4-6F175D3DCCD1}">
-                  <a14:hiddenFill xmlns:a14="http://schemas.microsoft.com/office/drawing/2010/main">
-                    <a:solidFill>
-                      <a:srgbClr val="FFFFFF"/>
-                    </a:solidFill>
-                  </a14:hiddenFill>
-                </a:ext>
-              </a:extLst>
-            </p:spPr>
-          </p:pic>
-          <p:sp>
-            <p:nvSpPr>
-              <p:cNvPr id="117" name="TextBox 116"/>
-              <p:cNvSpPr txBox="1"/>
-              <p:nvPr/>
-            </p:nvSpPr>
-            <p:spPr>
-              <a:xfrm>
-                <a:off x="6878797" y="2840971"/>
-                <a:ext cx="1675685" cy="898494"/>
-              </a:xfrm>
-              <a:prstGeom prst="rect">
-                <a:avLst/>
-              </a:prstGeom>
-              <a:noFill/>
-              <a:ln>
-                <a:noFill/>
-              </a:ln>
-            </p:spPr>
-            <p:txBody>
-              <a:bodyPr wrap="square" rtlCol="0">
-                <a:spAutoFit/>
-              </a:bodyPr>
-              <a:lstStyle/>
-              <a:p>
-                <a:pPr algn="ctr"/>
-                <a:r>
-                  <a:rPr lang="en-US" b="1" dirty="0" smtClean="0">
-                    <a:solidFill>
-                      <a:schemeClr val="bg1">
-                        <a:lumMod val="85000"/>
-                      </a:schemeClr>
-                    </a:solidFill>
-                  </a:rPr>
-                  <a:t>Send Reminder Activity Worker</a:t>
-                </a:r>
-                <a:endParaRPr lang="en-US" b="1" dirty="0">
-                  <a:solidFill>
-                    <a:schemeClr val="bg1">
-                      <a:lumMod val="85000"/>
-                    </a:schemeClr>
-                  </a:solidFill>
-                </a:endParaRPr>
-              </a:p>
-            </p:txBody>
-          </p:sp>
-          <p:sp>
-            <p:nvSpPr>
-              <p:cNvPr id="118" name="Rounded Rectangle 117"/>
-              <p:cNvSpPr/>
-              <p:nvPr/>
-            </p:nvSpPr>
-            <p:spPr>
-              <a:xfrm>
-                <a:off x="6878797" y="2839434"/>
-                <a:ext cx="1675685" cy="1369957"/>
-              </a:xfrm>
-              <a:prstGeom prst="roundRect">
-                <a:avLst/>
-              </a:prstGeom>
-              <a:noFill/>
-              <a:ln>
-                <a:solidFill>
-                  <a:schemeClr val="bg1">
-                    <a:lumMod val="85000"/>
-                  </a:schemeClr>
-                </a:solidFill>
-              </a:ln>
-            </p:spPr>
-            <p:style>
-              <a:lnRef idx="2">
-                <a:schemeClr val="accent1">
-                  <a:shade val="50000"/>
-                </a:schemeClr>
-              </a:lnRef>
-              <a:fillRef idx="1">
-                <a:schemeClr val="accent1"/>
-              </a:fillRef>
-              <a:effectRef idx="0">
-                <a:schemeClr val="accent1"/>
-              </a:effectRef>
-              <a:fontRef idx="minor">
-                <a:schemeClr val="lt1"/>
-              </a:fontRef>
-            </p:style>
-            <p:txBody>
-              <a:bodyPr rtlCol="0" anchor="ctr"/>
-              <a:lstStyle/>
-              <a:p>
-                <a:pPr algn="ctr"/>
-                <a:endParaRPr lang="en-US"/>
-              </a:p>
-            </p:txBody>
-          </p:sp>
-        </p:grpSp>
-        <p:grpSp>
-          <p:nvGrpSpPr>
-            <p:cNvPr id="111" name="Group 110"/>
-            <p:cNvGrpSpPr/>
-            <p:nvPr/>
-          </p:nvGrpSpPr>
-          <p:grpSpPr>
-            <a:xfrm>
-              <a:off x="7656391" y="756246"/>
-              <a:ext cx="1696467" cy="1369957"/>
-              <a:chOff x="6787199" y="912091"/>
-              <a:chExt cx="1696467" cy="1369957"/>
-            </a:xfrm>
-          </p:grpSpPr>
-          <p:pic>
-            <p:nvPicPr>
-              <p:cNvPr id="113" name="Picture 10" descr="Image result for settings"/>
-              <p:cNvPicPr>
-                <a:picLocks noChangeAspect="1" noChangeArrowheads="1"/>
-              </p:cNvPicPr>
-              <p:nvPr/>
-            </p:nvPicPr>
-            <p:blipFill>
-              <a:blip r:embed="rId3" cstate="print">
-                <a:extLst>
-                  <a:ext uri="{28A0092B-C50C-407E-A947-70E740481C1C}">
-                    <a14:useLocalDpi xmlns:a14="http://schemas.microsoft.com/office/drawing/2010/main" val="0"/>
-                  </a:ext>
-                </a:extLst>
-              </a:blip>
-              <a:srcRect/>
-              <a:stretch>
-                <a:fillRect/>
-              </a:stretch>
-            </p:blipFill>
-            <p:spPr bwMode="auto">
-              <a:xfrm>
-                <a:off x="7387116" y="1629151"/>
-                <a:ext cx="455069" cy="435438"/>
-              </a:xfrm>
-              <a:prstGeom prst="rect">
-                <a:avLst/>
-              </a:prstGeom>
-              <a:noFill/>
-              <a:ln>
-                <a:solidFill>
-                  <a:schemeClr val="bg1">
-                    <a:lumMod val="85000"/>
-                  </a:schemeClr>
-                </a:solidFill>
-              </a:ln>
-              <a:extLst>
-                <a:ext uri="{909E8E84-426E-40DD-AFC4-6F175D3DCCD1}">
-                  <a14:hiddenFill xmlns:a14="http://schemas.microsoft.com/office/drawing/2010/main">
-                    <a:solidFill>
-                      <a:srgbClr val="FFFFFF"/>
-                    </a:solidFill>
-                  </a14:hiddenFill>
-                </a:ext>
-              </a:extLst>
-            </p:spPr>
-          </p:pic>
-          <p:sp>
-            <p:nvSpPr>
-              <p:cNvPr id="114" name="TextBox 113"/>
-              <p:cNvSpPr txBox="1"/>
-              <p:nvPr/>
-            </p:nvSpPr>
-            <p:spPr>
-              <a:xfrm>
-                <a:off x="6787199" y="913628"/>
-                <a:ext cx="1675685" cy="898494"/>
-              </a:xfrm>
-              <a:prstGeom prst="rect">
-                <a:avLst/>
-              </a:prstGeom>
-              <a:noFill/>
-              <a:ln>
-                <a:noFill/>
-              </a:ln>
-            </p:spPr>
-            <p:txBody>
-              <a:bodyPr wrap="square" rtlCol="0">
-                <a:spAutoFit/>
-              </a:bodyPr>
-              <a:lstStyle/>
-              <a:p>
-                <a:pPr algn="ctr"/>
-                <a:r>
-                  <a:rPr lang="en-US" b="1" dirty="0" smtClean="0">
-                    <a:solidFill>
-                      <a:schemeClr val="bg1">
-                        <a:lumMod val="85000"/>
-                      </a:schemeClr>
-                    </a:solidFill>
-                  </a:rPr>
-                  <a:t>Send Reminder Activity Worker</a:t>
-                </a:r>
-                <a:endParaRPr lang="en-US" b="1" dirty="0">
-                  <a:solidFill>
-                    <a:schemeClr val="bg1">
-                      <a:lumMod val="85000"/>
-                    </a:schemeClr>
-                  </a:solidFill>
-                </a:endParaRPr>
-              </a:p>
-            </p:txBody>
-          </p:sp>
-          <p:sp>
-            <p:nvSpPr>
-              <p:cNvPr id="115" name="Rounded Rectangle 114"/>
-              <p:cNvSpPr/>
-              <p:nvPr/>
-            </p:nvSpPr>
-            <p:spPr>
-              <a:xfrm>
-                <a:off x="6807981" y="912091"/>
-                <a:ext cx="1675685" cy="1369957"/>
-              </a:xfrm>
-              <a:prstGeom prst="roundRect">
-                <a:avLst/>
-              </a:prstGeom>
-              <a:noFill/>
-              <a:ln>
-                <a:solidFill>
-                  <a:schemeClr val="bg1">
-                    <a:lumMod val="85000"/>
-                  </a:schemeClr>
-                </a:solidFill>
-              </a:ln>
-            </p:spPr>
-            <p:style>
-              <a:lnRef idx="2">
-                <a:schemeClr val="accent1">
-                  <a:shade val="50000"/>
-                </a:schemeClr>
-              </a:lnRef>
-              <a:fillRef idx="1">
-                <a:schemeClr val="accent1"/>
-              </a:fillRef>
-              <a:effectRef idx="0">
-                <a:schemeClr val="accent1"/>
-              </a:effectRef>
-              <a:fontRef idx="minor">
-                <a:schemeClr val="lt1"/>
-              </a:fontRef>
-            </p:style>
-            <p:txBody>
-              <a:bodyPr rtlCol="0" anchor="ctr"/>
-              <a:lstStyle/>
-              <a:p>
-                <a:pPr algn="ctr"/>
-                <a:endParaRPr lang="en-US"/>
-              </a:p>
-            </p:txBody>
-          </p:sp>
-        </p:grpSp>
-        <p:sp>
-          <p:nvSpPr>
-            <p:cNvPr id="112" name="Rectangle 111"/>
-            <p:cNvSpPr/>
-            <p:nvPr/>
-          </p:nvSpPr>
-          <p:spPr>
-            <a:xfrm>
-              <a:off x="7406640" y="584775"/>
-              <a:ext cx="2189747" cy="3590985"/>
-            </a:xfrm>
-            <a:prstGeom prst="rect">
-              <a:avLst/>
-            </a:prstGeom>
-            <a:noFill/>
-            <a:ln>
-              <a:solidFill>
-                <a:schemeClr val="bg1">
-                  <a:lumMod val="85000"/>
-                </a:schemeClr>
-              </a:solidFill>
-            </a:ln>
-          </p:spPr>
-          <p:style>
-            <a:lnRef idx="2">
-              <a:schemeClr val="accent1">
-                <a:shade val="50000"/>
-              </a:schemeClr>
-            </a:lnRef>
-            <a:fillRef idx="1">
-              <a:schemeClr val="accent1"/>
-            </a:fillRef>
-            <a:effectRef idx="0">
-              <a:schemeClr val="accent1"/>
-            </a:effectRef>
-            <a:fontRef idx="minor">
-              <a:schemeClr val="lt1"/>
-            </a:fontRef>
-          </p:style>
-          <p:txBody>
-            <a:bodyPr rtlCol="0" anchor="ctr"/>
-            <a:lstStyle/>
-            <a:p>
-              <a:pPr algn="ctr"/>
-              <a:endParaRPr lang="en-US"/>
-            </a:p>
-          </p:txBody>
-        </p:sp>
-      </p:grpSp>
-      <p:grpSp>
-        <p:nvGrpSpPr>
-          <p:cNvPr id="119" name="Group 118"/>
-          <p:cNvGrpSpPr/>
-          <p:nvPr/>
-        </p:nvGrpSpPr>
-        <p:grpSpPr>
-          <a:xfrm>
-            <a:off x="6393835" y="1007363"/>
-            <a:ext cx="2525957" cy="3590985"/>
-            <a:chOff x="7406640" y="584775"/>
-            <a:chExt cx="2525957" cy="3590985"/>
-          </a:xfrm>
-        </p:grpSpPr>
-        <p:sp>
-          <p:nvSpPr>
-            <p:cNvPr id="120" name="TextBox 119"/>
-            <p:cNvSpPr txBox="1"/>
-            <p:nvPr/>
-          </p:nvSpPr>
-          <p:spPr>
-            <a:xfrm>
-              <a:off x="8483842" y="3755251"/>
-              <a:ext cx="1448755" cy="369332"/>
-            </a:xfrm>
-            <a:prstGeom prst="rect">
-              <a:avLst/>
-            </a:prstGeom>
-            <a:noFill/>
-          </p:spPr>
-          <p:txBody>
-            <a:bodyPr wrap="square" rtlCol="0">
-              <a:spAutoFit/>
-            </a:bodyPr>
-            <a:lstStyle/>
-            <a:p>
-              <a:r>
-                <a:rPr lang="en-US" dirty="0" smtClean="0">
-                  <a:solidFill>
-                    <a:srgbClr val="00B0F0"/>
-                  </a:solidFill>
-                </a:rPr>
-                <a:t>Cron Host</a:t>
-              </a:r>
-              <a:endParaRPr lang="en-US" dirty="0">
-                <a:solidFill>
-                  <a:srgbClr val="00B0F0"/>
-                </a:solidFill>
-              </a:endParaRPr>
-            </a:p>
-          </p:txBody>
-        </p:sp>
-        <p:grpSp>
-          <p:nvGrpSpPr>
-            <p:cNvPr id="121" name="Group 120"/>
-            <p:cNvGrpSpPr/>
-            <p:nvPr/>
-          </p:nvGrpSpPr>
-          <p:grpSpPr>
-            <a:xfrm>
-              <a:off x="7677173" y="2316966"/>
-              <a:ext cx="1675685" cy="1369957"/>
-              <a:chOff x="6878797" y="2839434"/>
-              <a:chExt cx="1675685" cy="1369957"/>
-            </a:xfrm>
-          </p:grpSpPr>
-          <p:pic>
-            <p:nvPicPr>
-              <p:cNvPr id="127" name="Picture 10" descr="Image result for settings"/>
-              <p:cNvPicPr>
-                <a:picLocks noChangeAspect="1" noChangeArrowheads="1"/>
-              </p:cNvPicPr>
-              <p:nvPr/>
-            </p:nvPicPr>
-            <p:blipFill>
-              <a:blip r:embed="rId3" cstate="print">
-                <a:extLst>
-                  <a:ext uri="{28A0092B-C50C-407E-A947-70E740481C1C}">
-                    <a14:useLocalDpi xmlns:a14="http://schemas.microsoft.com/office/drawing/2010/main" val="0"/>
-                  </a:ext>
-                </a:extLst>
-              </a:blip>
-              <a:srcRect/>
-              <a:stretch>
-                <a:fillRect/>
-              </a:stretch>
-            </p:blipFill>
-            <p:spPr bwMode="auto">
-              <a:xfrm>
-                <a:off x="7489105" y="3556494"/>
-                <a:ext cx="455069" cy="435438"/>
-              </a:xfrm>
-              <a:prstGeom prst="rect">
-                <a:avLst/>
-              </a:prstGeom>
-              <a:noFill/>
-              <a:ln>
-                <a:solidFill>
-                  <a:schemeClr val="bg1">
-                    <a:lumMod val="85000"/>
-                  </a:schemeClr>
-                </a:solidFill>
-              </a:ln>
-              <a:extLst>
-                <a:ext uri="{909E8E84-426E-40DD-AFC4-6F175D3DCCD1}">
-                  <a14:hiddenFill xmlns:a14="http://schemas.microsoft.com/office/drawing/2010/main">
-                    <a:solidFill>
-                      <a:srgbClr val="FFFFFF"/>
-                    </a:solidFill>
-                  </a14:hiddenFill>
-                </a:ext>
-              </a:extLst>
-            </p:spPr>
-          </p:pic>
-          <p:sp>
-            <p:nvSpPr>
-              <p:cNvPr id="128" name="TextBox 127"/>
-              <p:cNvSpPr txBox="1"/>
-              <p:nvPr/>
-            </p:nvSpPr>
-            <p:spPr>
-              <a:xfrm>
-                <a:off x="6878797" y="2840971"/>
-                <a:ext cx="1675685" cy="898494"/>
-              </a:xfrm>
-              <a:prstGeom prst="rect">
-                <a:avLst/>
-              </a:prstGeom>
-              <a:noFill/>
-              <a:ln>
-                <a:noFill/>
-              </a:ln>
-            </p:spPr>
-            <p:txBody>
-              <a:bodyPr wrap="square" rtlCol="0">
-                <a:spAutoFit/>
-              </a:bodyPr>
-              <a:lstStyle/>
-              <a:p>
-                <a:pPr algn="ctr"/>
-                <a:r>
-                  <a:rPr lang="en-US" b="1" dirty="0" smtClean="0">
-                    <a:solidFill>
-                      <a:schemeClr val="bg1">
-                        <a:lumMod val="85000"/>
-                      </a:schemeClr>
-                    </a:solidFill>
-                  </a:rPr>
-                  <a:t>Send Reminder Activity Worker</a:t>
-                </a:r>
-                <a:endParaRPr lang="en-US" b="1" dirty="0">
-                  <a:solidFill>
-                    <a:schemeClr val="bg1">
-                      <a:lumMod val="85000"/>
-                    </a:schemeClr>
-                  </a:solidFill>
-                </a:endParaRPr>
-              </a:p>
-            </p:txBody>
-          </p:sp>
-          <p:sp>
-            <p:nvSpPr>
-              <p:cNvPr id="129" name="Rounded Rectangle 128"/>
-              <p:cNvSpPr/>
-              <p:nvPr/>
-            </p:nvSpPr>
-            <p:spPr>
-              <a:xfrm>
-                <a:off x="6878797" y="2839434"/>
-                <a:ext cx="1675685" cy="1369957"/>
-              </a:xfrm>
-              <a:prstGeom prst="roundRect">
-                <a:avLst/>
-              </a:prstGeom>
-              <a:noFill/>
-              <a:ln>
-                <a:solidFill>
-                  <a:schemeClr val="bg1">
-                    <a:lumMod val="85000"/>
-                  </a:schemeClr>
-                </a:solidFill>
-              </a:ln>
-            </p:spPr>
-            <p:style>
-              <a:lnRef idx="2">
-                <a:schemeClr val="accent1">
-                  <a:shade val="50000"/>
-                </a:schemeClr>
-              </a:lnRef>
-              <a:fillRef idx="1">
-                <a:schemeClr val="accent1"/>
-              </a:fillRef>
-              <a:effectRef idx="0">
-                <a:schemeClr val="accent1"/>
-              </a:effectRef>
-              <a:fontRef idx="minor">
-                <a:schemeClr val="lt1"/>
-              </a:fontRef>
-            </p:style>
-            <p:txBody>
-              <a:bodyPr rtlCol="0" anchor="ctr"/>
-              <a:lstStyle/>
-              <a:p>
-                <a:pPr algn="ctr"/>
-                <a:endParaRPr lang="en-US"/>
-              </a:p>
-            </p:txBody>
-          </p:sp>
-        </p:grpSp>
-        <p:grpSp>
-          <p:nvGrpSpPr>
-            <p:cNvPr id="122" name="Group 121"/>
-            <p:cNvGrpSpPr/>
-            <p:nvPr/>
-          </p:nvGrpSpPr>
-          <p:grpSpPr>
-            <a:xfrm>
-              <a:off x="7656391" y="756246"/>
-              <a:ext cx="1696467" cy="1369957"/>
-              <a:chOff x="6787199" y="912091"/>
-              <a:chExt cx="1696467" cy="1369957"/>
-            </a:xfrm>
-          </p:grpSpPr>
-          <p:pic>
-            <p:nvPicPr>
-              <p:cNvPr id="124" name="Picture 10" descr="Image result for settings"/>
-              <p:cNvPicPr>
-                <a:picLocks noChangeAspect="1" noChangeArrowheads="1"/>
-              </p:cNvPicPr>
-              <p:nvPr/>
-            </p:nvPicPr>
-            <p:blipFill>
-              <a:blip r:embed="rId3" cstate="print">
-                <a:extLst>
-                  <a:ext uri="{28A0092B-C50C-407E-A947-70E740481C1C}">
-                    <a14:useLocalDpi xmlns:a14="http://schemas.microsoft.com/office/drawing/2010/main" val="0"/>
-                  </a:ext>
-                </a:extLst>
-              </a:blip>
-              <a:srcRect/>
-              <a:stretch>
-                <a:fillRect/>
-              </a:stretch>
-            </p:blipFill>
-            <p:spPr bwMode="auto">
-              <a:xfrm>
-                <a:off x="7387116" y="1629151"/>
-                <a:ext cx="455069" cy="435438"/>
-              </a:xfrm>
-              <a:prstGeom prst="rect">
-                <a:avLst/>
-              </a:prstGeom>
-              <a:noFill/>
-              <a:ln>
-                <a:solidFill>
-                  <a:schemeClr val="bg1">
-                    <a:lumMod val="85000"/>
-                  </a:schemeClr>
-                </a:solidFill>
-              </a:ln>
-              <a:extLst>
-                <a:ext uri="{909E8E84-426E-40DD-AFC4-6F175D3DCCD1}">
-                  <a14:hiddenFill xmlns:a14="http://schemas.microsoft.com/office/drawing/2010/main">
-                    <a:solidFill>
-                      <a:srgbClr val="FFFFFF"/>
-                    </a:solidFill>
-                  </a14:hiddenFill>
-                </a:ext>
-              </a:extLst>
-            </p:spPr>
-          </p:pic>
-          <p:sp>
-            <p:nvSpPr>
-              <p:cNvPr id="125" name="TextBox 124"/>
-              <p:cNvSpPr txBox="1"/>
-              <p:nvPr/>
-            </p:nvSpPr>
-            <p:spPr>
-              <a:xfrm>
-                <a:off x="6787199" y="913628"/>
-                <a:ext cx="1675685" cy="898494"/>
-              </a:xfrm>
-              <a:prstGeom prst="rect">
-                <a:avLst/>
-              </a:prstGeom>
-              <a:noFill/>
-              <a:ln>
-                <a:noFill/>
-              </a:ln>
-            </p:spPr>
-            <p:txBody>
-              <a:bodyPr wrap="square" rtlCol="0">
-                <a:spAutoFit/>
-              </a:bodyPr>
-              <a:lstStyle/>
-              <a:p>
-                <a:pPr algn="ctr"/>
-                <a:r>
-                  <a:rPr lang="en-US" b="1" dirty="0" smtClean="0">
-                    <a:solidFill>
-                      <a:schemeClr val="bg1">
-                        <a:lumMod val="85000"/>
-                      </a:schemeClr>
-                    </a:solidFill>
-                  </a:rPr>
-                  <a:t>Send Reminder Activity Worker</a:t>
-                </a:r>
-                <a:endParaRPr lang="en-US" b="1" dirty="0">
-                  <a:solidFill>
-                    <a:schemeClr val="bg1">
-                      <a:lumMod val="85000"/>
-                    </a:schemeClr>
-                  </a:solidFill>
-                </a:endParaRPr>
-              </a:p>
-            </p:txBody>
-          </p:sp>
-          <p:sp>
-            <p:nvSpPr>
-              <p:cNvPr id="126" name="Rounded Rectangle 125"/>
-              <p:cNvSpPr/>
-              <p:nvPr/>
-            </p:nvSpPr>
-            <p:spPr>
-              <a:xfrm>
-                <a:off x="6807981" y="912091"/>
-                <a:ext cx="1675685" cy="1369957"/>
-              </a:xfrm>
-              <a:prstGeom prst="roundRect">
-                <a:avLst/>
-              </a:prstGeom>
-              <a:noFill/>
-              <a:ln>
-                <a:solidFill>
-                  <a:schemeClr val="bg1">
-                    <a:lumMod val="85000"/>
-                  </a:schemeClr>
-                </a:solidFill>
-              </a:ln>
-            </p:spPr>
-            <p:style>
-              <a:lnRef idx="2">
-                <a:schemeClr val="accent1">
-                  <a:shade val="50000"/>
-                </a:schemeClr>
-              </a:lnRef>
-              <a:fillRef idx="1">
-                <a:schemeClr val="accent1"/>
-              </a:fillRef>
-              <a:effectRef idx="0">
-                <a:schemeClr val="accent1"/>
-              </a:effectRef>
-              <a:fontRef idx="minor">
-                <a:schemeClr val="lt1"/>
-              </a:fontRef>
-            </p:style>
-            <p:txBody>
-              <a:bodyPr rtlCol="0" anchor="ctr"/>
-              <a:lstStyle/>
-              <a:p>
-                <a:pPr algn="ctr"/>
-                <a:endParaRPr lang="en-US"/>
-              </a:p>
-            </p:txBody>
-          </p:sp>
-        </p:grpSp>
-        <p:sp>
-          <p:nvSpPr>
-            <p:cNvPr id="123" name="Rectangle 122"/>
-            <p:cNvSpPr/>
-            <p:nvPr/>
-          </p:nvSpPr>
-          <p:spPr>
-            <a:xfrm>
-              <a:off x="7406640" y="584775"/>
-              <a:ext cx="2189747" cy="3590985"/>
-            </a:xfrm>
-            <a:prstGeom prst="rect">
-              <a:avLst/>
-            </a:prstGeom>
-            <a:noFill/>
-            <a:ln>
-              <a:solidFill>
-                <a:schemeClr val="bg1">
-                  <a:lumMod val="85000"/>
-                </a:schemeClr>
-              </a:solidFill>
-            </a:ln>
-          </p:spPr>
-          <p:style>
-            <a:lnRef idx="2">
-              <a:schemeClr val="accent1">
-                <a:shade val="50000"/>
-              </a:schemeClr>
-            </a:lnRef>
-            <a:fillRef idx="1">
-              <a:schemeClr val="accent1"/>
-            </a:fillRef>
-            <a:effectRef idx="0">
-              <a:schemeClr val="accent1"/>
-            </a:effectRef>
-            <a:fontRef idx="minor">
-              <a:schemeClr val="lt1"/>
-            </a:fontRef>
-          </p:style>
-          <p:txBody>
-            <a:bodyPr rtlCol="0" anchor="ctr"/>
-            <a:lstStyle/>
-            <a:p>
-              <a:pPr algn="ctr"/>
-              <a:endParaRPr lang="en-US"/>
-            </a:p>
-          </p:txBody>
-        </p:sp>
-      </p:grpSp>
-      <p:grpSp>
-        <p:nvGrpSpPr>
-          <p:cNvPr id="130" name="Group 129"/>
-          <p:cNvGrpSpPr/>
-          <p:nvPr/>
-        </p:nvGrpSpPr>
-        <p:grpSpPr>
-          <a:xfrm>
-            <a:off x="851777" y="5204434"/>
-            <a:ext cx="2034036" cy="524182"/>
-            <a:chOff x="3300323" y="3763690"/>
-            <a:chExt cx="2269204" cy="777713"/>
-          </a:xfrm>
-        </p:grpSpPr>
-        <p:sp>
-          <p:nvSpPr>
-            <p:cNvPr id="131" name="TextBox 130"/>
-            <p:cNvSpPr txBox="1"/>
-            <p:nvPr/>
-          </p:nvSpPr>
-          <p:spPr>
-            <a:xfrm>
-              <a:off x="3300323" y="3765871"/>
-              <a:ext cx="2180728" cy="369332"/>
-            </a:xfrm>
-            <a:prstGeom prst="rect">
-              <a:avLst/>
-            </a:prstGeom>
-            <a:noFill/>
-            <a:ln>
-              <a:noFill/>
-            </a:ln>
-          </p:spPr>
-          <p:txBody>
-            <a:bodyPr wrap="square" rtlCol="0">
-              <a:spAutoFit/>
-            </a:bodyPr>
-            <a:lstStyle/>
-            <a:p>
-              <a:pPr algn="ctr"/>
-              <a:r>
-                <a:rPr lang="en-US" b="1" dirty="0" smtClean="0">
-                  <a:solidFill>
-                    <a:schemeClr val="bg1">
-                      <a:lumMod val="85000"/>
-                    </a:schemeClr>
-                  </a:solidFill>
-                </a:rPr>
-                <a:t>Workflow Starter</a:t>
-              </a:r>
-              <a:endParaRPr lang="en-US" b="1" dirty="0">
-                <a:solidFill>
-                  <a:schemeClr val="bg1">
-                    <a:lumMod val="85000"/>
-                  </a:schemeClr>
-                </a:solidFill>
-              </a:endParaRPr>
-            </a:p>
-          </p:txBody>
-        </p:sp>
-        <p:sp>
-          <p:nvSpPr>
-            <p:cNvPr id="132" name="Rounded Rectangle 131"/>
-            <p:cNvSpPr/>
-            <p:nvPr/>
-          </p:nvSpPr>
-          <p:spPr>
-            <a:xfrm>
-              <a:off x="3300323" y="3763690"/>
-              <a:ext cx="2269204" cy="777713"/>
-            </a:xfrm>
-            <a:prstGeom prst="roundRect">
-              <a:avLst/>
-            </a:prstGeom>
-            <a:noFill/>
-            <a:ln>
-              <a:solidFill>
-                <a:schemeClr val="bg1">
-                  <a:lumMod val="85000"/>
-                </a:schemeClr>
-              </a:solidFill>
-            </a:ln>
-          </p:spPr>
-          <p:style>
-            <a:lnRef idx="2">
-              <a:schemeClr val="accent1">
-                <a:shade val="50000"/>
-              </a:schemeClr>
-            </a:lnRef>
-            <a:fillRef idx="1">
-              <a:schemeClr val="accent1"/>
-            </a:fillRef>
-            <a:effectRef idx="0">
-              <a:schemeClr val="accent1"/>
-            </a:effectRef>
-            <a:fontRef idx="minor">
-              <a:schemeClr val="lt1"/>
-            </a:fontRef>
-          </p:style>
-          <p:txBody>
-            <a:bodyPr rtlCol="0" anchor="ctr"/>
-            <a:lstStyle/>
-            <a:p>
-              <a:pPr algn="ctr"/>
-              <a:endParaRPr lang="en-US"/>
-            </a:p>
-          </p:txBody>
-        </p:sp>
-      </p:grpSp>
-      <p:cxnSp>
-        <p:nvCxnSpPr>
-          <p:cNvPr id="22" name="Straight Arrow Connector 21"/>
-          <p:cNvCxnSpPr>
-            <a:stCxn id="38" idx="1"/>
-            <a:endCxn id="15" idx="3"/>
-          </p:cNvCxnSpPr>
-          <p:nvPr/>
-        </p:nvCxnSpPr>
-        <p:spPr>
-          <a:xfrm flipH="1" flipV="1">
-            <a:off x="3210560" y="3685301"/>
-            <a:ext cx="2741112" cy="2578048"/>
-          </a:xfrm>
-          <a:prstGeom prst="straightConnector1">
-            <a:avLst/>
-          </a:prstGeom>
-          <a:ln w="15875">
-            <a:solidFill>
-              <a:srgbClr val="FFFF00"/>
-            </a:solidFill>
-            <a:tailEnd type="triangle"/>
-          </a:ln>
-        </p:spPr>
-        <p:style>
-          <a:lnRef idx="1">
-            <a:schemeClr val="accent1"/>
-          </a:lnRef>
-          <a:fillRef idx="0">
-            <a:schemeClr val="accent1"/>
-          </a:fillRef>
-          <a:effectRef idx="0">
-            <a:schemeClr val="accent1"/>
-          </a:effectRef>
-          <a:fontRef idx="minor">
-            <a:schemeClr val="tx1"/>
-          </a:fontRef>
-        </p:style>
-      </p:cxnSp>
-      <p:cxnSp>
-        <p:nvCxnSpPr>
-          <p:cNvPr id="33" name="Straight Arrow Connector 32"/>
-          <p:cNvCxnSpPr>
-            <a:stCxn id="38" idx="0"/>
-          </p:cNvCxnSpPr>
-          <p:nvPr/>
-        </p:nvCxnSpPr>
-        <p:spPr>
-          <a:xfrm flipH="1" flipV="1">
-            <a:off x="4870300" y="4598348"/>
-            <a:ext cx="2029282" cy="1204089"/>
-          </a:xfrm>
-          <a:prstGeom prst="straightConnector1">
-            <a:avLst/>
-          </a:prstGeom>
-          <a:ln w="15875">
-            <a:solidFill>
-              <a:srgbClr val="FFFF00"/>
-            </a:solidFill>
-            <a:tailEnd type="triangle"/>
-          </a:ln>
-        </p:spPr>
-        <p:style>
-          <a:lnRef idx="1">
-            <a:schemeClr val="accent1"/>
-          </a:lnRef>
-          <a:fillRef idx="0">
-            <a:schemeClr val="accent1"/>
-          </a:fillRef>
-          <a:effectRef idx="0">
-            <a:schemeClr val="accent1"/>
-          </a:effectRef>
-          <a:fontRef idx="minor">
-            <a:schemeClr val="tx1"/>
-          </a:fontRef>
-        </p:style>
-      </p:cxnSp>
-      <p:cxnSp>
-        <p:nvCxnSpPr>
-          <p:cNvPr id="37" name="Straight Arrow Connector 36"/>
-          <p:cNvCxnSpPr>
-            <a:stCxn id="38" idx="0"/>
-          </p:cNvCxnSpPr>
-          <p:nvPr/>
-        </p:nvCxnSpPr>
-        <p:spPr>
-          <a:xfrm flipV="1">
-            <a:off x="6899582" y="4607227"/>
-            <a:ext cx="571455" cy="1195210"/>
-          </a:xfrm>
-          <a:prstGeom prst="straightConnector1">
-            <a:avLst/>
-          </a:prstGeom>
-          <a:ln w="15875">
-            <a:solidFill>
-              <a:srgbClr val="FFFF00"/>
-            </a:solidFill>
-            <a:tailEnd type="triangle"/>
-          </a:ln>
-        </p:spPr>
-        <p:style>
-          <a:lnRef idx="1">
-            <a:schemeClr val="accent1"/>
-          </a:lnRef>
-          <a:fillRef idx="0">
-            <a:schemeClr val="accent1"/>
-          </a:fillRef>
-          <a:effectRef idx="0">
-            <a:schemeClr val="accent1"/>
-          </a:effectRef>
-          <a:fontRef idx="minor">
-            <a:schemeClr val="tx1"/>
-          </a:fontRef>
-        </p:style>
-      </p:cxnSp>
-      <p:cxnSp>
-        <p:nvCxnSpPr>
-          <p:cNvPr id="42" name="Straight Arrow Connector 41"/>
-          <p:cNvCxnSpPr>
-            <a:stCxn id="38" idx="0"/>
-          </p:cNvCxnSpPr>
-          <p:nvPr/>
-        </p:nvCxnSpPr>
-        <p:spPr>
-          <a:xfrm flipV="1">
-            <a:off x="6899582" y="4615499"/>
-            <a:ext cx="3343740" cy="1186938"/>
-          </a:xfrm>
-          <a:prstGeom prst="straightConnector1">
-            <a:avLst/>
-          </a:prstGeom>
-          <a:ln w="15875">
-            <a:solidFill>
-              <a:srgbClr val="FFFF00"/>
-            </a:solidFill>
-            <a:tailEnd type="triangle"/>
-          </a:ln>
-        </p:spPr>
-        <p:style>
-          <a:lnRef idx="1">
-            <a:schemeClr val="accent1"/>
-          </a:lnRef>
-          <a:fillRef idx="0">
-            <a:schemeClr val="accent1"/>
-          </a:fillRef>
-          <a:effectRef idx="0">
-            <a:schemeClr val="accent1"/>
-          </a:effectRef>
-          <a:fontRef idx="minor">
-            <a:schemeClr val="tx1"/>
-          </a:fontRef>
-        </p:style>
-      </p:cxnSp>
-      <p:cxnSp>
-        <p:nvCxnSpPr>
-          <p:cNvPr id="46" name="Straight Arrow Connector 45"/>
-          <p:cNvCxnSpPr>
-            <a:stCxn id="38" idx="1"/>
-            <a:endCxn id="132" idx="3"/>
-          </p:cNvCxnSpPr>
-          <p:nvPr/>
-        </p:nvCxnSpPr>
-        <p:spPr>
-          <a:xfrm flipH="1" flipV="1">
-            <a:off x="2885813" y="5466525"/>
-            <a:ext cx="3065859" cy="796824"/>
-          </a:xfrm>
-          <a:prstGeom prst="straightConnector1">
-            <a:avLst/>
-          </a:prstGeom>
-          <a:ln w="15875">
-            <a:solidFill>
-              <a:srgbClr val="FFFF00"/>
-            </a:solidFill>
-            <a:tailEnd type="triangle"/>
-          </a:ln>
-        </p:spPr>
-        <p:style>
-          <a:lnRef idx="1">
-            <a:schemeClr val="accent1"/>
-          </a:lnRef>
-          <a:fillRef idx="0">
-            <a:schemeClr val="accent1"/>
-          </a:fillRef>
-          <a:effectRef idx="0">
-            <a:schemeClr val="accent1"/>
-          </a:effectRef>
-          <a:fontRef idx="minor">
-            <a:schemeClr val="tx1"/>
-          </a:fontRef>
-        </p:style>
-      </p:cxnSp>
-    </p:spTree>
-    <p:extLst>
-      <p:ext uri="{BB962C8B-B14F-4D97-AF65-F5344CB8AC3E}">
-        <p14:creationId xmlns:p14="http://schemas.microsoft.com/office/powerpoint/2010/main" val="2535142806"/>
+        <p14:creationId xmlns:p14="http://schemas.microsoft.com/office/powerpoint/2010/main" val="572027381"/>
       </p:ext>
     </p:extLst>
   </p:cSld>
